--- a/maquette.pptx
+++ b/maquette.pptx
@@ -5,19 +5,22 @@
     <p:sldMasterId id="2147483648" r:id="rId1"/>
   </p:sldMasterIdLst>
   <p:sldIdLst>
-    <p:sldId id="256" r:id="rId2"/>
-    <p:sldId id="257" r:id="rId3"/>
-    <p:sldId id="258" r:id="rId4"/>
-    <p:sldId id="259" r:id="rId5"/>
-    <p:sldId id="260" r:id="rId6"/>
-    <p:sldId id="261" r:id="rId7"/>
-    <p:sldId id="262" r:id="rId8"/>
-    <p:sldId id="263" r:id="rId9"/>
-    <p:sldId id="264" r:id="rId10"/>
-    <p:sldId id="265" r:id="rId11"/>
-    <p:sldId id="266" r:id="rId12"/>
-    <p:sldId id="267" r:id="rId13"/>
-    <p:sldId id="268" r:id="rId14"/>
+    <p:sldId id="257" r:id="rId2"/>
+    <p:sldId id="258" r:id="rId3"/>
+    <p:sldId id="259" r:id="rId4"/>
+    <p:sldId id="269" r:id="rId5"/>
+    <p:sldId id="261" r:id="rId6"/>
+    <p:sldId id="270" r:id="rId7"/>
+    <p:sldId id="271" r:id="rId8"/>
+    <p:sldId id="272" r:id="rId9"/>
+    <p:sldId id="273" r:id="rId10"/>
+    <p:sldId id="274" r:id="rId11"/>
+    <p:sldId id="275" r:id="rId12"/>
+    <p:sldId id="276" r:id="rId13"/>
+    <p:sldId id="277" r:id="rId14"/>
+    <p:sldId id="278" r:id="rId15"/>
+    <p:sldId id="279" r:id="rId16"/>
+    <p:sldId id="281" r:id="rId17"/>
   </p:sldIdLst>
   <p:sldSz cx="12192000" cy="6858000"/>
   <p:notesSz cx="6858000" cy="9144000"/>
@@ -116,7 +119,20 @@
       </a:defRPr>
     </a:lvl9pPr>
   </p:defaultTextStyle>
+  <p:extLst>
+    <p:ext uri="{EFAFB233-063F-42B5-8137-9DF3F51BA10A}">
+      <p15:sldGuideLst xmlns:p15="http://schemas.microsoft.com/office/powerpoint/2012/main"/>
+    </p:ext>
+  </p:extLst>
 </p:presentation>
+</file>
+
+<file path=ppt/revisionInfo.xml><?xml version="1.0" encoding="utf-8"?>
+<p1510:revInfo xmlns:a="http://schemas.openxmlformats.org/drawingml/2006/main" xmlns:r="http://schemas.openxmlformats.org/officeDocument/2006/relationships" xmlns:p1510="http://schemas.microsoft.com/office/powerpoint/2015/10/main">
+  <p1510:revLst>
+    <p1510:client id="{EA360693-380C-3449-88F3-C9EC05F775B7}" v="653" dt="2018-11-02T14:43:57.191"/>
+  </p1510:revLst>
+</p1510:revInfo>
 </file>
 
 <file path=ppt/slideLayouts/slideLayout1.xml><?xml version="1.0" encoding="utf-8"?>
@@ -187,7 +203,7 @@
           <a:p>
             <a:fld id="{CDFF4904-7377-43DF-BD4F-E8D982825E6A}" type="datetimeFigureOut">
               <a:rPr lang="fr-FR" smtClean="0"/>
-              <a:t>16/10/2018</a:t>
+              <a:t>02/11/2018</a:t>
             </a:fld>
             <a:endParaRPr lang="fr-FR"/>
           </a:p>
@@ -428,7 +444,7 @@
           <a:p>
             <a:fld id="{CDFF4904-7377-43DF-BD4F-E8D982825E6A}" type="datetimeFigureOut">
               <a:rPr lang="fr-FR" smtClean="0"/>
-              <a:t>16/10/2018</a:t>
+              <a:t>02/11/2018</a:t>
             </a:fld>
             <a:endParaRPr lang="fr-FR"/>
           </a:p>
@@ -846,7 +862,7 @@
           <p:cNvPr id="2" name="Titre 1" hidden="1">
             <a:extLst>
               <a:ext uri="{FF2B5EF4-FFF2-40B4-BE49-F238E27FC236}">
-                <a16:creationId xmlns:a16="http://schemas.microsoft.com/office/drawing/2014/main" id="{54293722-46E8-4CFB-8405-7EBC11B0F45A}"/>
+                <a16:creationId xmlns:a16="http://schemas.microsoft.com/office/drawing/2014/main" id="{59BD0A33-16D7-4902-BE74-771A10003FB2}"/>
               </a:ext>
             </a:extLst>
           </p:cNvPr>
@@ -871,7 +887,7 @@
           <p:cNvPr id="3" name="Image 2">
             <a:extLst>
               <a:ext uri="{FF2B5EF4-FFF2-40B4-BE49-F238E27FC236}">
-                <a16:creationId xmlns:a16="http://schemas.microsoft.com/office/drawing/2014/main" id="{559BE8DE-82BC-46E9-8B1F-2D4CD320C3FB}"/>
+                <a16:creationId xmlns:a16="http://schemas.microsoft.com/office/drawing/2014/main" id="{321CB7E9-1F21-4368-8940-F48639903EC1}"/>
               </a:ext>
             </a:extLst>
           </p:cNvPr>
@@ -897,7 +913,7 @@
     </p:spTree>
     <p:extLst>
       <p:ext uri="{BB962C8B-B14F-4D97-AF65-F5344CB8AC3E}">
-        <p14:creationId xmlns:p14="http://schemas.microsoft.com/office/powerpoint/2010/main" val="2144208"/>
+        <p14:creationId xmlns:p14="http://schemas.microsoft.com/office/powerpoint/2010/main" val="1100043348"/>
       </p:ext>
     </p:extLst>
   </p:cSld>
@@ -910,12 +926,6 @@
 <file path=ppt/slides/slide10.xml><?xml version="1.0" encoding="utf-8"?>
 <p:sld xmlns:a="http://schemas.openxmlformats.org/drawingml/2006/main" xmlns:r="http://schemas.openxmlformats.org/officeDocument/2006/relationships" xmlns:p="http://schemas.openxmlformats.org/presentationml/2006/main">
   <p:cSld>
-    <p:bg>
-      <p:bgPr>
-        <a:noFill/>
-        <a:effectLst/>
-      </p:bgPr>
-    </p:bg>
     <p:spTree>
       <p:nvGrpSpPr>
         <p:cNvPr id="1" name=""/>
@@ -932,47 +942,16 @@
       </p:grpSpPr>
       <p:sp>
         <p:nvSpPr>
-          <p:cNvPr id="2" name="Titre 1" hidden="1">
-            <a:extLst>
-              <a:ext uri="{FF2B5EF4-FFF2-40B4-BE49-F238E27FC236}">
-                <a16:creationId xmlns:a16="http://schemas.microsoft.com/office/drawing/2014/main" id="{F12EC39C-BC67-4A2B-B262-515B7F5544B5}"/>
-              </a:ext>
-            </a:extLst>
-          </p:cNvPr>
-          <p:cNvSpPr>
-            <a:spLocks noGrp="1"/>
-          </p:cNvSpPr>
-          <p:nvPr>
-            <p:ph type="title"/>
-          </p:nvPr>
-        </p:nvSpPr>
-        <p:spPr/>
-        <p:txBody>
-          <a:bodyPr/>
-          <a:lstStyle/>
-          <a:p>
-            <a:endParaRPr lang="fr-FR"/>
-          </a:p>
-        </p:txBody>
-      </p:sp>
-      <p:pic>
-        <p:nvPicPr>
-          <p:cNvPr id="3" name="Image 2">
-            <a:extLst>
-              <a:ext uri="{FF2B5EF4-FFF2-40B4-BE49-F238E27FC236}">
-                <a16:creationId xmlns:a16="http://schemas.microsoft.com/office/drawing/2014/main" id="{DF947302-7F07-404F-8068-466E190B9392}"/>
-              </a:ext>
-            </a:extLst>
-          </p:cNvPr>
-          <p:cNvPicPr/>
-          <p:nvPr/>
-        </p:nvPicPr>
-        <p:blipFill>
-          <a:blip r:embed="rId2"/>
-          <a:stretch>
-            <a:fillRect/>
-          </a:stretch>
-        </p:blipFill>
+          <p:cNvPr id="3" name="Rectangle 2">
+            <a:extLst>
+              <a:ext uri="{FF2B5EF4-FFF2-40B4-BE49-F238E27FC236}">
+                <a16:creationId xmlns:a16="http://schemas.microsoft.com/office/drawing/2014/main" id="{F0681EDC-1297-9548-9619-9D34BA9E9B0B}"/>
+              </a:ext>
+            </a:extLst>
+          </p:cNvPr>
+          <p:cNvSpPr/>
+          <p:nvPr/>
+        </p:nvSpPr>
         <p:spPr>
           <a:xfrm>
             <a:off x="0" y="0"/>
@@ -981,12 +960,231 @@
           <a:prstGeom prst="rect">
             <a:avLst/>
           </a:prstGeom>
-        </p:spPr>
-      </p:pic>
+          <a:solidFill>
+            <a:schemeClr val="accent3">
+              <a:lumMod val="60000"/>
+              <a:lumOff val="40000"/>
+            </a:schemeClr>
+          </a:solidFill>
+          <a:ln>
+            <a:noFill/>
+          </a:ln>
+        </p:spPr>
+        <p:style>
+          <a:lnRef idx="2">
+            <a:schemeClr val="accent3">
+              <a:shade val="50000"/>
+            </a:schemeClr>
+          </a:lnRef>
+          <a:fillRef idx="1">
+            <a:schemeClr val="accent3"/>
+          </a:fillRef>
+          <a:effectRef idx="0">
+            <a:schemeClr val="accent3"/>
+          </a:effectRef>
+          <a:fontRef idx="minor">
+            <a:schemeClr val="lt1"/>
+          </a:fontRef>
+        </p:style>
+        <p:txBody>
+          <a:bodyPr rtlCol="0" anchor="ctr"/>
+          <a:lstStyle/>
+          <a:p>
+            <a:pPr algn="ctr"/>
+            <a:endParaRPr lang="fr-FR"/>
+          </a:p>
+        </p:txBody>
+      </p:sp>
+      <p:sp>
+        <p:nvSpPr>
+          <p:cNvPr id="4" name="ZoneTexte 3">
+            <a:extLst>
+              <a:ext uri="{FF2B5EF4-FFF2-40B4-BE49-F238E27FC236}">
+                <a16:creationId xmlns:a16="http://schemas.microsoft.com/office/drawing/2014/main" id="{2694F412-111E-B347-A28E-CA63CB34604C}"/>
+              </a:ext>
+            </a:extLst>
+          </p:cNvPr>
+          <p:cNvSpPr txBox="1"/>
+          <p:nvPr/>
+        </p:nvSpPr>
+        <p:spPr>
+          <a:xfrm>
+            <a:off x="551145" y="563671"/>
+            <a:ext cx="3432132" cy="584775"/>
+          </a:xfrm>
+          <a:prstGeom prst="rect">
+            <a:avLst/>
+          </a:prstGeom>
+          <a:noFill/>
+        </p:spPr>
+        <p:txBody>
+          <a:bodyPr wrap="square" rtlCol="0">
+            <a:spAutoFit/>
+          </a:bodyPr>
+          <a:lstStyle/>
+          <a:p>
+            <a:r>
+              <a:rPr lang="fr-FR" sz="3200" b="1" i="1" dirty="0" err="1"/>
+              <a:t>Kitchen</a:t>
+            </a:r>
+            <a:endParaRPr lang="fr-FR" sz="3200" b="1" i="1" dirty="0"/>
+          </a:p>
+        </p:txBody>
+      </p:sp>
+      <p:sp>
+        <p:nvSpPr>
+          <p:cNvPr id="5" name="Rectangle 4">
+            <a:extLst>
+              <a:ext uri="{FF2B5EF4-FFF2-40B4-BE49-F238E27FC236}">
+                <a16:creationId xmlns:a16="http://schemas.microsoft.com/office/drawing/2014/main" id="{DD8D738B-4047-CB46-A7BB-C97077EED749}"/>
+              </a:ext>
+            </a:extLst>
+          </p:cNvPr>
+          <p:cNvSpPr/>
+          <p:nvPr/>
+        </p:nvSpPr>
+        <p:spPr>
+          <a:xfrm>
+            <a:off x="156576" y="1908653"/>
+            <a:ext cx="3655510" cy="2337670"/>
+          </a:xfrm>
+          <a:prstGeom prst="rect">
+            <a:avLst/>
+          </a:prstGeom>
+        </p:spPr>
+        <p:style>
+          <a:lnRef idx="2">
+            <a:schemeClr val="accent1">
+              <a:shade val="50000"/>
+            </a:schemeClr>
+          </a:lnRef>
+          <a:fillRef idx="1">
+            <a:schemeClr val="accent1"/>
+          </a:fillRef>
+          <a:effectRef idx="0">
+            <a:schemeClr val="accent1"/>
+          </a:effectRef>
+          <a:fontRef idx="minor">
+            <a:schemeClr val="lt1"/>
+          </a:fontRef>
+        </p:style>
+        <p:txBody>
+          <a:bodyPr rtlCol="0" anchor="ctr"/>
+          <a:lstStyle/>
+          <a:p>
+            <a:pPr algn="ctr"/>
+            <a:r>
+              <a:rPr lang="fr-FR" dirty="0" err="1"/>
+              <a:t>Text</a:t>
+            </a:r>
+            <a:endParaRPr lang="fr-FR" dirty="0"/>
+          </a:p>
+        </p:txBody>
+      </p:sp>
+      <p:sp>
+        <p:nvSpPr>
+          <p:cNvPr id="7" name="Rectangle 6">
+            <a:extLst>
+              <a:ext uri="{FF2B5EF4-FFF2-40B4-BE49-F238E27FC236}">
+                <a16:creationId xmlns:a16="http://schemas.microsoft.com/office/drawing/2014/main" id="{AB6479D9-5569-DE4B-ACF3-A130CB46A4D3}"/>
+              </a:ext>
+            </a:extLst>
+          </p:cNvPr>
+          <p:cNvSpPr/>
+          <p:nvPr/>
+        </p:nvSpPr>
+        <p:spPr>
+          <a:xfrm>
+            <a:off x="4268245" y="1908653"/>
+            <a:ext cx="3655510" cy="2337670"/>
+          </a:xfrm>
+          <a:prstGeom prst="rect">
+            <a:avLst/>
+          </a:prstGeom>
+        </p:spPr>
+        <p:style>
+          <a:lnRef idx="2">
+            <a:schemeClr val="accent1">
+              <a:shade val="50000"/>
+            </a:schemeClr>
+          </a:lnRef>
+          <a:fillRef idx="1">
+            <a:schemeClr val="accent1"/>
+          </a:fillRef>
+          <a:effectRef idx="0">
+            <a:schemeClr val="accent1"/>
+          </a:effectRef>
+          <a:fontRef idx="minor">
+            <a:schemeClr val="lt1"/>
+          </a:fontRef>
+        </p:style>
+        <p:txBody>
+          <a:bodyPr rtlCol="0" anchor="ctr"/>
+          <a:lstStyle/>
+          <a:p>
+            <a:pPr algn="ctr"/>
+            <a:r>
+              <a:rPr lang="fr-FR" dirty="0" err="1"/>
+              <a:t>Text</a:t>
+            </a:r>
+            <a:endParaRPr lang="fr-FR" dirty="0"/>
+          </a:p>
+        </p:txBody>
+      </p:sp>
+      <p:sp>
+        <p:nvSpPr>
+          <p:cNvPr id="8" name="Rectangle 7">
+            <a:extLst>
+              <a:ext uri="{FF2B5EF4-FFF2-40B4-BE49-F238E27FC236}">
+                <a16:creationId xmlns:a16="http://schemas.microsoft.com/office/drawing/2014/main" id="{1477D362-90A6-B948-9C7F-A624BF5BA5A3}"/>
+              </a:ext>
+            </a:extLst>
+          </p:cNvPr>
+          <p:cNvSpPr/>
+          <p:nvPr/>
+        </p:nvSpPr>
+        <p:spPr>
+          <a:xfrm>
+            <a:off x="8379914" y="1908653"/>
+            <a:ext cx="3655510" cy="2337670"/>
+          </a:xfrm>
+          <a:prstGeom prst="rect">
+            <a:avLst/>
+          </a:prstGeom>
+        </p:spPr>
+        <p:style>
+          <a:lnRef idx="2">
+            <a:schemeClr val="accent1">
+              <a:shade val="50000"/>
+            </a:schemeClr>
+          </a:lnRef>
+          <a:fillRef idx="1">
+            <a:schemeClr val="accent1"/>
+          </a:fillRef>
+          <a:effectRef idx="0">
+            <a:schemeClr val="accent1"/>
+          </a:effectRef>
+          <a:fontRef idx="minor">
+            <a:schemeClr val="lt1"/>
+          </a:fontRef>
+        </p:style>
+        <p:txBody>
+          <a:bodyPr rtlCol="0" anchor="ctr"/>
+          <a:lstStyle/>
+          <a:p>
+            <a:pPr algn="ctr"/>
+            <a:r>
+              <a:rPr lang="fr-FR" dirty="0" err="1"/>
+              <a:t>Text</a:t>
+            </a:r>
+            <a:endParaRPr lang="fr-FR" dirty="0"/>
+          </a:p>
+        </p:txBody>
+      </p:sp>
     </p:spTree>
     <p:extLst>
       <p:ext uri="{BB962C8B-B14F-4D97-AF65-F5344CB8AC3E}">
-        <p14:creationId xmlns:p14="http://schemas.microsoft.com/office/powerpoint/2010/main" val="326972849"/>
+        <p14:creationId xmlns:p14="http://schemas.microsoft.com/office/powerpoint/2010/main" val="2590129101"/>
       </p:ext>
     </p:extLst>
   </p:cSld>
@@ -999,12 +1197,6 @@
 <file path=ppt/slides/slide11.xml><?xml version="1.0" encoding="utf-8"?>
 <p:sld xmlns:a="http://schemas.openxmlformats.org/drawingml/2006/main" xmlns:r="http://schemas.openxmlformats.org/officeDocument/2006/relationships" xmlns:p="http://schemas.openxmlformats.org/presentationml/2006/main">
   <p:cSld>
-    <p:bg>
-      <p:bgPr>
-        <a:noFill/>
-        <a:effectLst/>
-      </p:bgPr>
-    </p:bg>
     <p:spTree>
       <p:nvGrpSpPr>
         <p:cNvPr id="1" name=""/>
@@ -1021,47 +1213,16 @@
       </p:grpSpPr>
       <p:sp>
         <p:nvSpPr>
-          <p:cNvPr id="2" name="Titre 1" hidden="1">
-            <a:extLst>
-              <a:ext uri="{FF2B5EF4-FFF2-40B4-BE49-F238E27FC236}">
-                <a16:creationId xmlns:a16="http://schemas.microsoft.com/office/drawing/2014/main" id="{9CB716EA-0B6A-4D02-BEE0-D8781689DAED}"/>
-              </a:ext>
-            </a:extLst>
-          </p:cNvPr>
-          <p:cNvSpPr>
-            <a:spLocks noGrp="1"/>
-          </p:cNvSpPr>
-          <p:nvPr>
-            <p:ph type="title"/>
-          </p:nvPr>
-        </p:nvSpPr>
-        <p:spPr/>
-        <p:txBody>
-          <a:bodyPr/>
-          <a:lstStyle/>
-          <a:p>
-            <a:endParaRPr lang="fr-FR"/>
-          </a:p>
-        </p:txBody>
-      </p:sp>
-      <p:pic>
-        <p:nvPicPr>
-          <p:cNvPr id="3" name="Image 2">
-            <a:extLst>
-              <a:ext uri="{FF2B5EF4-FFF2-40B4-BE49-F238E27FC236}">
-                <a16:creationId xmlns:a16="http://schemas.microsoft.com/office/drawing/2014/main" id="{9B3691DB-9A7C-4C99-8580-8DDAFFFC91E0}"/>
-              </a:ext>
-            </a:extLst>
-          </p:cNvPr>
-          <p:cNvPicPr/>
-          <p:nvPr/>
-        </p:nvPicPr>
-        <p:blipFill>
-          <a:blip r:embed="rId2"/>
-          <a:stretch>
-            <a:fillRect/>
-          </a:stretch>
-        </p:blipFill>
+          <p:cNvPr id="3" name="Rectangle 2">
+            <a:extLst>
+              <a:ext uri="{FF2B5EF4-FFF2-40B4-BE49-F238E27FC236}">
+                <a16:creationId xmlns:a16="http://schemas.microsoft.com/office/drawing/2014/main" id="{F0681EDC-1297-9548-9619-9D34BA9E9B0B}"/>
+              </a:ext>
+            </a:extLst>
+          </p:cNvPr>
+          <p:cNvSpPr/>
+          <p:nvPr/>
+        </p:nvSpPr>
         <p:spPr>
           <a:xfrm>
             <a:off x="0" y="0"/>
@@ -1070,12 +1231,231 @@
           <a:prstGeom prst="rect">
             <a:avLst/>
           </a:prstGeom>
-        </p:spPr>
-      </p:pic>
+          <a:solidFill>
+            <a:schemeClr val="accent3">
+              <a:lumMod val="60000"/>
+              <a:lumOff val="40000"/>
+            </a:schemeClr>
+          </a:solidFill>
+          <a:ln>
+            <a:noFill/>
+          </a:ln>
+        </p:spPr>
+        <p:style>
+          <a:lnRef idx="2">
+            <a:schemeClr val="accent3">
+              <a:shade val="50000"/>
+            </a:schemeClr>
+          </a:lnRef>
+          <a:fillRef idx="1">
+            <a:schemeClr val="accent3"/>
+          </a:fillRef>
+          <a:effectRef idx="0">
+            <a:schemeClr val="accent3"/>
+          </a:effectRef>
+          <a:fontRef idx="minor">
+            <a:schemeClr val="lt1"/>
+          </a:fontRef>
+        </p:style>
+        <p:txBody>
+          <a:bodyPr rtlCol="0" anchor="ctr"/>
+          <a:lstStyle/>
+          <a:p>
+            <a:pPr algn="ctr"/>
+            <a:endParaRPr lang="fr-FR"/>
+          </a:p>
+        </p:txBody>
+      </p:sp>
+      <p:sp>
+        <p:nvSpPr>
+          <p:cNvPr id="4" name="ZoneTexte 3">
+            <a:extLst>
+              <a:ext uri="{FF2B5EF4-FFF2-40B4-BE49-F238E27FC236}">
+                <a16:creationId xmlns:a16="http://schemas.microsoft.com/office/drawing/2014/main" id="{2694F412-111E-B347-A28E-CA63CB34604C}"/>
+              </a:ext>
+            </a:extLst>
+          </p:cNvPr>
+          <p:cNvSpPr txBox="1"/>
+          <p:nvPr/>
+        </p:nvSpPr>
+        <p:spPr>
+          <a:xfrm>
+            <a:off x="551145" y="563671"/>
+            <a:ext cx="3432132" cy="584775"/>
+          </a:xfrm>
+          <a:prstGeom prst="rect">
+            <a:avLst/>
+          </a:prstGeom>
+          <a:noFill/>
+        </p:spPr>
+        <p:txBody>
+          <a:bodyPr wrap="square" rtlCol="0">
+            <a:spAutoFit/>
+          </a:bodyPr>
+          <a:lstStyle/>
+          <a:p>
+            <a:r>
+              <a:rPr lang="fr-FR" sz="3200" b="1" i="1" dirty="0" err="1"/>
+              <a:t>Bathroom</a:t>
+            </a:r>
+            <a:endParaRPr lang="fr-FR" sz="3200" b="1" i="1" dirty="0"/>
+          </a:p>
+        </p:txBody>
+      </p:sp>
+      <p:sp>
+        <p:nvSpPr>
+          <p:cNvPr id="5" name="Rectangle 4">
+            <a:extLst>
+              <a:ext uri="{FF2B5EF4-FFF2-40B4-BE49-F238E27FC236}">
+                <a16:creationId xmlns:a16="http://schemas.microsoft.com/office/drawing/2014/main" id="{DD8D738B-4047-CB46-A7BB-C97077EED749}"/>
+              </a:ext>
+            </a:extLst>
+          </p:cNvPr>
+          <p:cNvSpPr/>
+          <p:nvPr/>
+        </p:nvSpPr>
+        <p:spPr>
+          <a:xfrm>
+            <a:off x="156576" y="1908653"/>
+            <a:ext cx="3655510" cy="2337670"/>
+          </a:xfrm>
+          <a:prstGeom prst="rect">
+            <a:avLst/>
+          </a:prstGeom>
+        </p:spPr>
+        <p:style>
+          <a:lnRef idx="2">
+            <a:schemeClr val="accent1">
+              <a:shade val="50000"/>
+            </a:schemeClr>
+          </a:lnRef>
+          <a:fillRef idx="1">
+            <a:schemeClr val="accent1"/>
+          </a:fillRef>
+          <a:effectRef idx="0">
+            <a:schemeClr val="accent1"/>
+          </a:effectRef>
+          <a:fontRef idx="minor">
+            <a:schemeClr val="lt1"/>
+          </a:fontRef>
+        </p:style>
+        <p:txBody>
+          <a:bodyPr rtlCol="0" anchor="ctr"/>
+          <a:lstStyle/>
+          <a:p>
+            <a:pPr algn="ctr"/>
+            <a:r>
+              <a:rPr lang="fr-FR" dirty="0" err="1"/>
+              <a:t>Text</a:t>
+            </a:r>
+            <a:endParaRPr lang="fr-FR" dirty="0"/>
+          </a:p>
+        </p:txBody>
+      </p:sp>
+      <p:sp>
+        <p:nvSpPr>
+          <p:cNvPr id="7" name="Rectangle 6">
+            <a:extLst>
+              <a:ext uri="{FF2B5EF4-FFF2-40B4-BE49-F238E27FC236}">
+                <a16:creationId xmlns:a16="http://schemas.microsoft.com/office/drawing/2014/main" id="{AB6479D9-5569-DE4B-ACF3-A130CB46A4D3}"/>
+              </a:ext>
+            </a:extLst>
+          </p:cNvPr>
+          <p:cNvSpPr/>
+          <p:nvPr/>
+        </p:nvSpPr>
+        <p:spPr>
+          <a:xfrm>
+            <a:off x="4268245" y="1908653"/>
+            <a:ext cx="3655510" cy="2337670"/>
+          </a:xfrm>
+          <a:prstGeom prst="rect">
+            <a:avLst/>
+          </a:prstGeom>
+        </p:spPr>
+        <p:style>
+          <a:lnRef idx="2">
+            <a:schemeClr val="accent1">
+              <a:shade val="50000"/>
+            </a:schemeClr>
+          </a:lnRef>
+          <a:fillRef idx="1">
+            <a:schemeClr val="accent1"/>
+          </a:fillRef>
+          <a:effectRef idx="0">
+            <a:schemeClr val="accent1"/>
+          </a:effectRef>
+          <a:fontRef idx="minor">
+            <a:schemeClr val="lt1"/>
+          </a:fontRef>
+        </p:style>
+        <p:txBody>
+          <a:bodyPr rtlCol="0" anchor="ctr"/>
+          <a:lstStyle/>
+          <a:p>
+            <a:pPr algn="ctr"/>
+            <a:r>
+              <a:rPr lang="fr-FR" dirty="0" err="1"/>
+              <a:t>Text</a:t>
+            </a:r>
+            <a:endParaRPr lang="fr-FR" dirty="0"/>
+          </a:p>
+        </p:txBody>
+      </p:sp>
+      <p:sp>
+        <p:nvSpPr>
+          <p:cNvPr id="8" name="Rectangle 7">
+            <a:extLst>
+              <a:ext uri="{FF2B5EF4-FFF2-40B4-BE49-F238E27FC236}">
+                <a16:creationId xmlns:a16="http://schemas.microsoft.com/office/drawing/2014/main" id="{1477D362-90A6-B948-9C7F-A624BF5BA5A3}"/>
+              </a:ext>
+            </a:extLst>
+          </p:cNvPr>
+          <p:cNvSpPr/>
+          <p:nvPr/>
+        </p:nvSpPr>
+        <p:spPr>
+          <a:xfrm>
+            <a:off x="8379914" y="1908653"/>
+            <a:ext cx="3655510" cy="2337670"/>
+          </a:xfrm>
+          <a:prstGeom prst="rect">
+            <a:avLst/>
+          </a:prstGeom>
+        </p:spPr>
+        <p:style>
+          <a:lnRef idx="2">
+            <a:schemeClr val="accent1">
+              <a:shade val="50000"/>
+            </a:schemeClr>
+          </a:lnRef>
+          <a:fillRef idx="1">
+            <a:schemeClr val="accent1"/>
+          </a:fillRef>
+          <a:effectRef idx="0">
+            <a:schemeClr val="accent1"/>
+          </a:effectRef>
+          <a:fontRef idx="minor">
+            <a:schemeClr val="lt1"/>
+          </a:fontRef>
+        </p:style>
+        <p:txBody>
+          <a:bodyPr rtlCol="0" anchor="ctr"/>
+          <a:lstStyle/>
+          <a:p>
+            <a:pPr algn="ctr"/>
+            <a:r>
+              <a:rPr lang="fr-FR" dirty="0" err="1"/>
+              <a:t>Text</a:t>
+            </a:r>
+            <a:endParaRPr lang="fr-FR" dirty="0"/>
+          </a:p>
+        </p:txBody>
+      </p:sp>
     </p:spTree>
     <p:extLst>
       <p:ext uri="{BB962C8B-B14F-4D97-AF65-F5344CB8AC3E}">
-        <p14:creationId xmlns:p14="http://schemas.microsoft.com/office/powerpoint/2010/main" val="2015749527"/>
+        <p14:creationId xmlns:p14="http://schemas.microsoft.com/office/powerpoint/2010/main" val="989813233"/>
       </p:ext>
     </p:extLst>
   </p:cSld>
@@ -1088,12 +1468,6 @@
 <file path=ppt/slides/slide12.xml><?xml version="1.0" encoding="utf-8"?>
 <p:sld xmlns:a="http://schemas.openxmlformats.org/drawingml/2006/main" xmlns:r="http://schemas.openxmlformats.org/officeDocument/2006/relationships" xmlns:p="http://schemas.openxmlformats.org/presentationml/2006/main">
   <p:cSld>
-    <p:bg>
-      <p:bgPr>
-        <a:noFill/>
-        <a:effectLst/>
-      </p:bgPr>
-    </p:bg>
     <p:spTree>
       <p:nvGrpSpPr>
         <p:cNvPr id="1" name=""/>
@@ -1113,7 +1487,7 @@
           <p:cNvPr id="2" name="Titre 1" hidden="1">
             <a:extLst>
               <a:ext uri="{FF2B5EF4-FFF2-40B4-BE49-F238E27FC236}">
-                <a16:creationId xmlns:a16="http://schemas.microsoft.com/office/drawing/2014/main" id="{D46DAD9A-2FBA-4587-9D1E-7E56B3FA61C7}"/>
+                <a16:creationId xmlns:a16="http://schemas.microsoft.com/office/drawing/2014/main" id="{678AC2DF-C1FA-4131-8D73-53B34C2A22B9}"/>
               </a:ext>
             </a:extLst>
           </p:cNvPr>
@@ -1133,38 +1507,239 @@
           </a:p>
         </p:txBody>
       </p:sp>
-      <p:pic>
-        <p:nvPicPr>
-          <p:cNvPr id="3" name="Image 2">
-            <a:extLst>
-              <a:ext uri="{FF2B5EF4-FFF2-40B4-BE49-F238E27FC236}">
-                <a16:creationId xmlns:a16="http://schemas.microsoft.com/office/drawing/2014/main" id="{EEAFEE48-37A2-4B2B-ADD5-9A295CF7B1E7}"/>
-              </a:ext>
-            </a:extLst>
-          </p:cNvPr>
-          <p:cNvPicPr/>
-          <p:nvPr/>
-        </p:nvPicPr>
-        <p:blipFill>
-          <a:blip r:embed="rId2"/>
-          <a:stretch>
-            <a:fillRect/>
-          </a:stretch>
-        </p:blipFill>
-        <p:spPr>
-          <a:xfrm>
-            <a:off x="0" y="0"/>
-            <a:ext cx="12192000" cy="6858000"/>
-          </a:xfrm>
-          <a:prstGeom prst="rect">
-            <a:avLst/>
-          </a:prstGeom>
-        </p:spPr>
-      </p:pic>
+      <p:sp>
+        <p:nvSpPr>
+          <p:cNvPr id="4" name="Rectangle 3">
+            <a:extLst>
+              <a:ext uri="{FF2B5EF4-FFF2-40B4-BE49-F238E27FC236}">
+                <a16:creationId xmlns:a16="http://schemas.microsoft.com/office/drawing/2014/main" id="{F71F8ED5-F438-9947-9F2F-E4B20946132B}"/>
+              </a:ext>
+            </a:extLst>
+          </p:cNvPr>
+          <p:cNvSpPr/>
+          <p:nvPr/>
+        </p:nvSpPr>
+        <p:spPr>
+          <a:xfrm>
+            <a:off x="1" y="5135671"/>
+            <a:ext cx="12192000" cy="1722329"/>
+          </a:xfrm>
+          <a:prstGeom prst="rect">
+            <a:avLst/>
+          </a:prstGeom>
+          <a:solidFill>
+            <a:schemeClr val="accent3">
+              <a:lumMod val="40000"/>
+              <a:lumOff val="60000"/>
+            </a:schemeClr>
+          </a:solidFill>
+          <a:ln>
+            <a:noFill/>
+          </a:ln>
+        </p:spPr>
+        <p:style>
+          <a:lnRef idx="2">
+            <a:schemeClr val="accent1">
+              <a:shade val="50000"/>
+            </a:schemeClr>
+          </a:lnRef>
+          <a:fillRef idx="1">
+            <a:schemeClr val="accent1"/>
+          </a:fillRef>
+          <a:effectRef idx="0">
+            <a:schemeClr val="accent1"/>
+          </a:effectRef>
+          <a:fontRef idx="minor">
+            <a:schemeClr val="lt1"/>
+          </a:fontRef>
+        </p:style>
+        <p:txBody>
+          <a:bodyPr rtlCol="0" anchor="ctr"/>
+          <a:lstStyle/>
+          <a:p>
+            <a:pPr algn="ctr"/>
+            <a:endParaRPr lang="fr-FR"/>
+          </a:p>
+        </p:txBody>
+      </p:sp>
+      <p:sp>
+        <p:nvSpPr>
+          <p:cNvPr id="5" name="Rectangle 4">
+            <a:extLst>
+              <a:ext uri="{FF2B5EF4-FFF2-40B4-BE49-F238E27FC236}">
+                <a16:creationId xmlns:a16="http://schemas.microsoft.com/office/drawing/2014/main" id="{B6423045-4AFC-564E-9237-ED0EF6458528}"/>
+              </a:ext>
+            </a:extLst>
+          </p:cNvPr>
+          <p:cNvSpPr/>
+          <p:nvPr/>
+        </p:nvSpPr>
+        <p:spPr>
+          <a:xfrm>
+            <a:off x="0" y="6450904"/>
+            <a:ext cx="12192000" cy="597074"/>
+          </a:xfrm>
+          <a:prstGeom prst="rect">
+            <a:avLst/>
+          </a:prstGeom>
+          <a:solidFill>
+            <a:schemeClr val="accent3">
+              <a:lumMod val="60000"/>
+              <a:lumOff val="40000"/>
+            </a:schemeClr>
+          </a:solidFill>
+          <a:ln>
+            <a:noFill/>
+          </a:ln>
+        </p:spPr>
+        <p:style>
+          <a:lnRef idx="2">
+            <a:schemeClr val="accent1">
+              <a:shade val="50000"/>
+            </a:schemeClr>
+          </a:lnRef>
+          <a:fillRef idx="1">
+            <a:schemeClr val="accent1"/>
+          </a:fillRef>
+          <a:effectRef idx="0">
+            <a:schemeClr val="accent1"/>
+          </a:effectRef>
+          <a:fontRef idx="minor">
+            <a:schemeClr val="lt1"/>
+          </a:fontRef>
+        </p:style>
+        <p:txBody>
+          <a:bodyPr rtlCol="0" anchor="ctr"/>
+          <a:lstStyle/>
+          <a:p>
+            <a:pPr algn="ctr"/>
+            <a:r>
+              <a:rPr lang="fr-FR" dirty="0"/>
+              <a:t>2018 Mohamed Serhir</a:t>
+            </a:r>
+          </a:p>
+        </p:txBody>
+      </p:sp>
+      <p:sp>
+        <p:nvSpPr>
+          <p:cNvPr id="7" name="Rectangle 6">
+            <a:extLst>
+              <a:ext uri="{FF2B5EF4-FFF2-40B4-BE49-F238E27FC236}">
+                <a16:creationId xmlns:a16="http://schemas.microsoft.com/office/drawing/2014/main" id="{7215B4D1-405E-D646-9FE8-294F05221FAB}"/>
+              </a:ext>
+            </a:extLst>
+          </p:cNvPr>
+          <p:cNvSpPr/>
+          <p:nvPr/>
+        </p:nvSpPr>
+        <p:spPr>
+          <a:xfrm>
+            <a:off x="2492679" y="5348614"/>
+            <a:ext cx="2931091" cy="889348"/>
+          </a:xfrm>
+          <a:prstGeom prst="rect">
+            <a:avLst/>
+          </a:prstGeom>
+          <a:solidFill>
+            <a:schemeClr val="accent5">
+              <a:lumMod val="60000"/>
+              <a:lumOff val="40000"/>
+            </a:schemeClr>
+          </a:solidFill>
+          <a:ln>
+            <a:noFill/>
+          </a:ln>
+        </p:spPr>
+        <p:style>
+          <a:lnRef idx="2">
+            <a:schemeClr val="accent1">
+              <a:shade val="50000"/>
+            </a:schemeClr>
+          </a:lnRef>
+          <a:fillRef idx="1">
+            <a:schemeClr val="accent1"/>
+          </a:fillRef>
+          <a:effectRef idx="0">
+            <a:schemeClr val="accent1"/>
+          </a:effectRef>
+          <a:fontRef idx="minor">
+            <a:schemeClr val="lt1"/>
+          </a:fontRef>
+        </p:style>
+        <p:txBody>
+          <a:bodyPr rtlCol="0" anchor="ctr"/>
+          <a:lstStyle/>
+          <a:p>
+            <a:pPr algn="ctr"/>
+            <a:r>
+              <a:rPr lang="fr-FR" dirty="0"/>
+              <a:t>Contact</a:t>
+            </a:r>
+          </a:p>
+        </p:txBody>
+      </p:sp>
+      <p:sp>
+        <p:nvSpPr>
+          <p:cNvPr id="8" name="Rectangle 7">
+            <a:extLst>
+              <a:ext uri="{FF2B5EF4-FFF2-40B4-BE49-F238E27FC236}">
+                <a16:creationId xmlns:a16="http://schemas.microsoft.com/office/drawing/2014/main" id="{D2CF58BF-A951-1046-B487-F4E12EF9F7C3}"/>
+              </a:ext>
+            </a:extLst>
+          </p:cNvPr>
+          <p:cNvSpPr/>
+          <p:nvPr/>
+        </p:nvSpPr>
+        <p:spPr>
+          <a:xfrm>
+            <a:off x="6678460" y="5348614"/>
+            <a:ext cx="2931091" cy="889348"/>
+          </a:xfrm>
+          <a:prstGeom prst="rect">
+            <a:avLst/>
+          </a:prstGeom>
+          <a:solidFill>
+            <a:schemeClr val="accent5">
+              <a:lumMod val="60000"/>
+              <a:lumOff val="40000"/>
+            </a:schemeClr>
+          </a:solidFill>
+          <a:ln>
+            <a:noFill/>
+          </a:ln>
+        </p:spPr>
+        <p:style>
+          <a:lnRef idx="2">
+            <a:schemeClr val="accent1">
+              <a:shade val="50000"/>
+            </a:schemeClr>
+          </a:lnRef>
+          <a:fillRef idx="1">
+            <a:schemeClr val="accent1"/>
+          </a:fillRef>
+          <a:effectRef idx="0">
+            <a:schemeClr val="accent1"/>
+          </a:effectRef>
+          <a:fontRef idx="minor">
+            <a:schemeClr val="lt1"/>
+          </a:fontRef>
+        </p:style>
+        <p:txBody>
+          <a:bodyPr rtlCol="0" anchor="ctr"/>
+          <a:lstStyle/>
+          <a:p>
+            <a:pPr algn="ctr"/>
+            <a:r>
+              <a:rPr lang="fr-FR" dirty="0"/>
+              <a:t>Social</a:t>
+            </a:r>
+          </a:p>
+        </p:txBody>
+      </p:sp>
     </p:spTree>
     <p:extLst>
       <p:ext uri="{BB962C8B-B14F-4D97-AF65-F5344CB8AC3E}">
-        <p14:creationId xmlns:p14="http://schemas.microsoft.com/office/powerpoint/2010/main" val="3964647684"/>
+        <p14:creationId xmlns:p14="http://schemas.microsoft.com/office/powerpoint/2010/main" val="2929392234"/>
       </p:ext>
     </p:extLst>
   </p:cSld>
@@ -1177,12 +1752,6 @@
 <file path=ppt/slides/slide13.xml><?xml version="1.0" encoding="utf-8"?>
 <p:sld xmlns:a="http://schemas.openxmlformats.org/drawingml/2006/main" xmlns:r="http://schemas.openxmlformats.org/officeDocument/2006/relationships" xmlns:p="http://schemas.openxmlformats.org/presentationml/2006/main">
   <p:cSld>
-    <p:bg>
-      <p:bgPr>
-        <a:noFill/>
-        <a:effectLst/>
-      </p:bgPr>
-    </p:bg>
     <p:spTree>
       <p:nvGrpSpPr>
         <p:cNvPr id="1" name=""/>
@@ -1199,10 +1768,897 @@
       </p:grpSpPr>
       <p:sp>
         <p:nvSpPr>
+          <p:cNvPr id="3" name="Rectangle 2">
+            <a:extLst>
+              <a:ext uri="{FF2B5EF4-FFF2-40B4-BE49-F238E27FC236}">
+                <a16:creationId xmlns:a16="http://schemas.microsoft.com/office/drawing/2014/main" id="{420CB9B4-65A4-9947-947E-4116B9D4A880}"/>
+              </a:ext>
+            </a:extLst>
+          </p:cNvPr>
+          <p:cNvSpPr/>
+          <p:nvPr/>
+        </p:nvSpPr>
+        <p:spPr>
+          <a:xfrm>
+            <a:off x="0" y="0"/>
+            <a:ext cx="12192000" cy="739036"/>
+          </a:xfrm>
+          <a:prstGeom prst="rect">
+            <a:avLst/>
+          </a:prstGeom>
+          <a:ln>
+            <a:noFill/>
+          </a:ln>
+        </p:spPr>
+        <p:style>
+          <a:lnRef idx="2">
+            <a:schemeClr val="accent1">
+              <a:shade val="50000"/>
+            </a:schemeClr>
+          </a:lnRef>
+          <a:fillRef idx="1">
+            <a:schemeClr val="accent1"/>
+          </a:fillRef>
+          <a:effectRef idx="0">
+            <a:schemeClr val="accent1"/>
+          </a:effectRef>
+          <a:fontRef idx="minor">
+            <a:schemeClr val="lt1"/>
+          </a:fontRef>
+        </p:style>
+        <p:txBody>
+          <a:bodyPr rtlCol="0" anchor="ctr"/>
+          <a:lstStyle/>
+          <a:p>
+            <a:pPr algn="ctr"/>
+            <a:endParaRPr lang="fr-FR"/>
+          </a:p>
+        </p:txBody>
+      </p:sp>
+      <p:sp>
+        <p:nvSpPr>
+          <p:cNvPr id="4" name="Ellipse 3">
+            <a:extLst>
+              <a:ext uri="{FF2B5EF4-FFF2-40B4-BE49-F238E27FC236}">
+                <a16:creationId xmlns:a16="http://schemas.microsoft.com/office/drawing/2014/main" id="{DA7345E0-0977-E445-A855-F76B49D311FB}"/>
+              </a:ext>
+            </a:extLst>
+          </p:cNvPr>
+          <p:cNvSpPr/>
+          <p:nvPr/>
+        </p:nvSpPr>
+        <p:spPr>
+          <a:xfrm>
+            <a:off x="413359" y="62630"/>
+            <a:ext cx="613775" cy="626302"/>
+          </a:xfrm>
+          <a:prstGeom prst="ellipse">
+            <a:avLst/>
+          </a:prstGeom>
+          <a:ln>
+            <a:noFill/>
+          </a:ln>
+        </p:spPr>
+        <p:style>
+          <a:lnRef idx="2">
+            <a:schemeClr val="accent2">
+              <a:shade val="50000"/>
+            </a:schemeClr>
+          </a:lnRef>
+          <a:fillRef idx="1">
+            <a:schemeClr val="accent2"/>
+          </a:fillRef>
+          <a:effectRef idx="0">
+            <a:schemeClr val="accent2"/>
+          </a:effectRef>
+          <a:fontRef idx="minor">
+            <a:schemeClr val="lt1"/>
+          </a:fontRef>
+        </p:style>
+        <p:txBody>
+          <a:bodyPr rtlCol="0" anchor="ctr"/>
+          <a:lstStyle/>
+          <a:p>
+            <a:pPr algn="ctr"/>
+            <a:endParaRPr lang="fr-FR"/>
+          </a:p>
+        </p:txBody>
+      </p:sp>
+      <p:sp>
+        <p:nvSpPr>
+          <p:cNvPr id="5" name="Rectangle 4">
+            <a:extLst>
+              <a:ext uri="{FF2B5EF4-FFF2-40B4-BE49-F238E27FC236}">
+                <a16:creationId xmlns:a16="http://schemas.microsoft.com/office/drawing/2014/main" id="{1FBA54EF-D64D-4B43-BE8E-1E96725762F5}"/>
+              </a:ext>
+            </a:extLst>
+          </p:cNvPr>
+          <p:cNvSpPr/>
+          <p:nvPr/>
+        </p:nvSpPr>
+        <p:spPr>
+          <a:xfrm>
+            <a:off x="10371551" y="200416"/>
+            <a:ext cx="1240076" cy="375781"/>
+          </a:xfrm>
+          <a:prstGeom prst="rect">
+            <a:avLst/>
+          </a:prstGeom>
+          <a:ln>
+            <a:noFill/>
+          </a:ln>
+        </p:spPr>
+        <p:style>
+          <a:lnRef idx="2">
+            <a:schemeClr val="accent2">
+              <a:shade val="50000"/>
+            </a:schemeClr>
+          </a:lnRef>
+          <a:fillRef idx="1">
+            <a:schemeClr val="accent2"/>
+          </a:fillRef>
+          <a:effectRef idx="0">
+            <a:schemeClr val="accent2"/>
+          </a:effectRef>
+          <a:fontRef idx="minor">
+            <a:schemeClr val="lt1"/>
+          </a:fontRef>
+        </p:style>
+        <p:txBody>
+          <a:bodyPr rtlCol="0" anchor="ctr"/>
+          <a:lstStyle/>
+          <a:p>
+            <a:pPr algn="ctr"/>
+            <a:endParaRPr lang="fr-FR"/>
+          </a:p>
+        </p:txBody>
+      </p:sp>
+      <p:sp>
+        <p:nvSpPr>
+          <p:cNvPr id="6" name="Rectangle 5">
+            <a:extLst>
+              <a:ext uri="{FF2B5EF4-FFF2-40B4-BE49-F238E27FC236}">
+                <a16:creationId xmlns:a16="http://schemas.microsoft.com/office/drawing/2014/main" id="{A859E05C-604E-1340-9BC3-D706B702BE5C}"/>
+              </a:ext>
+            </a:extLst>
+          </p:cNvPr>
+          <p:cNvSpPr/>
+          <p:nvPr/>
+        </p:nvSpPr>
+        <p:spPr>
+          <a:xfrm>
+            <a:off x="8870515" y="200416"/>
+            <a:ext cx="1240076" cy="375781"/>
+          </a:xfrm>
+          <a:prstGeom prst="rect">
+            <a:avLst/>
+          </a:prstGeom>
+          <a:ln>
+            <a:noFill/>
+          </a:ln>
+        </p:spPr>
+        <p:style>
+          <a:lnRef idx="2">
+            <a:schemeClr val="accent2">
+              <a:shade val="50000"/>
+            </a:schemeClr>
+          </a:lnRef>
+          <a:fillRef idx="1">
+            <a:schemeClr val="accent2"/>
+          </a:fillRef>
+          <a:effectRef idx="0">
+            <a:schemeClr val="accent2"/>
+          </a:effectRef>
+          <a:fontRef idx="minor">
+            <a:schemeClr val="lt1"/>
+          </a:fontRef>
+        </p:style>
+        <p:txBody>
+          <a:bodyPr rtlCol="0" anchor="ctr"/>
+          <a:lstStyle/>
+          <a:p>
+            <a:pPr algn="ctr"/>
+            <a:endParaRPr lang="fr-FR"/>
+          </a:p>
+        </p:txBody>
+      </p:sp>
+      <p:sp>
+        <p:nvSpPr>
+          <p:cNvPr id="7" name="Rectangle 6">
+            <a:extLst>
+              <a:ext uri="{FF2B5EF4-FFF2-40B4-BE49-F238E27FC236}">
+                <a16:creationId xmlns:a16="http://schemas.microsoft.com/office/drawing/2014/main" id="{9FADA076-B2BA-B44E-9D1E-1961C57A27C5}"/>
+              </a:ext>
+            </a:extLst>
+          </p:cNvPr>
+          <p:cNvSpPr/>
+          <p:nvPr/>
+        </p:nvSpPr>
+        <p:spPr>
+          <a:xfrm>
+            <a:off x="7452985" y="219206"/>
+            <a:ext cx="1240076" cy="375781"/>
+          </a:xfrm>
+          <a:prstGeom prst="rect">
+            <a:avLst/>
+          </a:prstGeom>
+          <a:ln>
+            <a:noFill/>
+          </a:ln>
+        </p:spPr>
+        <p:style>
+          <a:lnRef idx="2">
+            <a:schemeClr val="accent2">
+              <a:shade val="50000"/>
+            </a:schemeClr>
+          </a:lnRef>
+          <a:fillRef idx="1">
+            <a:schemeClr val="accent2"/>
+          </a:fillRef>
+          <a:effectRef idx="0">
+            <a:schemeClr val="accent2"/>
+          </a:effectRef>
+          <a:fontRef idx="minor">
+            <a:schemeClr val="lt1"/>
+          </a:fontRef>
+        </p:style>
+        <p:txBody>
+          <a:bodyPr rtlCol="0" anchor="ctr"/>
+          <a:lstStyle/>
+          <a:p>
+            <a:pPr algn="ctr"/>
+            <a:endParaRPr lang="fr-FR"/>
+          </a:p>
+        </p:txBody>
+      </p:sp>
+      <p:sp>
+        <p:nvSpPr>
+          <p:cNvPr id="8" name="Rectangle 7">
+            <a:extLst>
+              <a:ext uri="{FF2B5EF4-FFF2-40B4-BE49-F238E27FC236}">
+                <a16:creationId xmlns:a16="http://schemas.microsoft.com/office/drawing/2014/main" id="{F2E69BA2-3BA6-FB43-BACD-6780092E08C6}"/>
+              </a:ext>
+            </a:extLst>
+          </p:cNvPr>
+          <p:cNvSpPr/>
+          <p:nvPr/>
+        </p:nvSpPr>
+        <p:spPr>
+          <a:xfrm>
+            <a:off x="5951949" y="219206"/>
+            <a:ext cx="1240076" cy="375781"/>
+          </a:xfrm>
+          <a:prstGeom prst="rect">
+            <a:avLst/>
+          </a:prstGeom>
+          <a:ln>
+            <a:noFill/>
+          </a:ln>
+        </p:spPr>
+        <p:style>
+          <a:lnRef idx="2">
+            <a:schemeClr val="accent2">
+              <a:shade val="50000"/>
+            </a:schemeClr>
+          </a:lnRef>
+          <a:fillRef idx="1">
+            <a:schemeClr val="accent2"/>
+          </a:fillRef>
+          <a:effectRef idx="0">
+            <a:schemeClr val="accent2"/>
+          </a:effectRef>
+          <a:fontRef idx="minor">
+            <a:schemeClr val="lt1"/>
+          </a:fontRef>
+        </p:style>
+        <p:txBody>
+          <a:bodyPr rtlCol="0" anchor="ctr"/>
+          <a:lstStyle/>
+          <a:p>
+            <a:pPr algn="ctr"/>
+            <a:endParaRPr lang="fr-FR"/>
+          </a:p>
+        </p:txBody>
+      </p:sp>
+      <p:sp>
+        <p:nvSpPr>
+          <p:cNvPr id="9" name="Rectangle 8">
+            <a:extLst>
+              <a:ext uri="{FF2B5EF4-FFF2-40B4-BE49-F238E27FC236}">
+                <a16:creationId xmlns:a16="http://schemas.microsoft.com/office/drawing/2014/main" id="{4E2B45A8-0DC5-904E-A1F0-222CDE99FF03}"/>
+              </a:ext>
+            </a:extLst>
+          </p:cNvPr>
+          <p:cNvSpPr/>
+          <p:nvPr/>
+        </p:nvSpPr>
+        <p:spPr>
+          <a:xfrm>
+            <a:off x="0" y="739036"/>
+            <a:ext cx="12192000" cy="6118964"/>
+          </a:xfrm>
+          <a:prstGeom prst="rect">
+            <a:avLst/>
+          </a:prstGeom>
+          <a:solidFill>
+            <a:schemeClr val="accent3">
+              <a:lumMod val="60000"/>
+              <a:lumOff val="40000"/>
+            </a:schemeClr>
+          </a:solidFill>
+          <a:ln>
+            <a:noFill/>
+          </a:ln>
+        </p:spPr>
+        <p:style>
+          <a:lnRef idx="2">
+            <a:schemeClr val="accent3">
+              <a:shade val="50000"/>
+            </a:schemeClr>
+          </a:lnRef>
+          <a:fillRef idx="1">
+            <a:schemeClr val="accent3"/>
+          </a:fillRef>
+          <a:effectRef idx="0">
+            <a:schemeClr val="accent3"/>
+          </a:effectRef>
+          <a:fontRef idx="minor">
+            <a:schemeClr val="lt1"/>
+          </a:fontRef>
+        </p:style>
+        <p:txBody>
+          <a:bodyPr rtlCol="0" anchor="ctr"/>
+          <a:lstStyle/>
+          <a:p>
+            <a:pPr algn="ctr"/>
+            <a:endParaRPr lang="fr-FR"/>
+          </a:p>
+        </p:txBody>
+      </p:sp>
+      <p:sp>
+        <p:nvSpPr>
+          <p:cNvPr id="2" name="Rectangle à coins arrondis 1">
+            <a:extLst>
+              <a:ext uri="{FF2B5EF4-FFF2-40B4-BE49-F238E27FC236}">
+                <a16:creationId xmlns:a16="http://schemas.microsoft.com/office/drawing/2014/main" id="{C96BBE4F-76B3-6047-8408-93C76412AC1C}"/>
+              </a:ext>
+            </a:extLst>
+          </p:cNvPr>
+          <p:cNvSpPr/>
+          <p:nvPr/>
+        </p:nvSpPr>
+        <p:spPr>
+          <a:xfrm>
+            <a:off x="6230653" y="2091846"/>
+            <a:ext cx="4924815" cy="3457184"/>
+          </a:xfrm>
+          <a:prstGeom prst="roundRect">
+            <a:avLst/>
+          </a:prstGeom>
+          <a:solidFill>
+            <a:srgbClr val="FF593F"/>
+          </a:solidFill>
+          <a:ln>
+            <a:noFill/>
+          </a:ln>
+        </p:spPr>
+        <p:style>
+          <a:lnRef idx="2">
+            <a:schemeClr val="accent1">
+              <a:shade val="50000"/>
+            </a:schemeClr>
+          </a:lnRef>
+          <a:fillRef idx="1">
+            <a:schemeClr val="accent1"/>
+          </a:fillRef>
+          <a:effectRef idx="0">
+            <a:schemeClr val="accent1"/>
+          </a:effectRef>
+          <a:fontRef idx="minor">
+            <a:schemeClr val="lt1"/>
+          </a:fontRef>
+        </p:style>
+        <p:txBody>
+          <a:bodyPr rtlCol="0" anchor="ctr"/>
+          <a:lstStyle/>
+          <a:p>
+            <a:pPr algn="ctr"/>
+            <a:endParaRPr lang="fr-FR"/>
+          </a:p>
+        </p:txBody>
+      </p:sp>
+      <p:sp>
+        <p:nvSpPr>
+          <p:cNvPr id="14" name="Rectangle à coins arrondis 13">
+            <a:extLst>
+              <a:ext uri="{FF2B5EF4-FFF2-40B4-BE49-F238E27FC236}">
+                <a16:creationId xmlns:a16="http://schemas.microsoft.com/office/drawing/2014/main" id="{67949A74-F57C-194A-A8E0-D059B191C7DC}"/>
+              </a:ext>
+            </a:extLst>
+          </p:cNvPr>
+          <p:cNvSpPr/>
+          <p:nvPr/>
+        </p:nvSpPr>
+        <p:spPr>
+          <a:xfrm>
+            <a:off x="823586" y="2091846"/>
+            <a:ext cx="4924815" cy="3457184"/>
+          </a:xfrm>
+          <a:prstGeom prst="roundRect">
+            <a:avLst/>
+          </a:prstGeom>
+          <a:solidFill>
+            <a:schemeClr val="accent6">
+              <a:lumMod val="60000"/>
+              <a:lumOff val="40000"/>
+            </a:schemeClr>
+          </a:solidFill>
+          <a:ln>
+            <a:noFill/>
+          </a:ln>
+        </p:spPr>
+        <p:style>
+          <a:lnRef idx="2">
+            <a:schemeClr val="accent1">
+              <a:shade val="50000"/>
+            </a:schemeClr>
+          </a:lnRef>
+          <a:fillRef idx="1">
+            <a:schemeClr val="accent1"/>
+          </a:fillRef>
+          <a:effectRef idx="0">
+            <a:schemeClr val="accent1"/>
+          </a:effectRef>
+          <a:fontRef idx="minor">
+            <a:schemeClr val="lt1"/>
+          </a:fontRef>
+        </p:style>
+        <p:txBody>
+          <a:bodyPr rtlCol="0" anchor="ctr"/>
+          <a:lstStyle/>
+          <a:p>
+            <a:pPr algn="ctr"/>
+            <a:endParaRPr lang="fr-FR"/>
+          </a:p>
+        </p:txBody>
+      </p:sp>
+      <p:sp>
+        <p:nvSpPr>
+          <p:cNvPr id="15" name="ZoneTexte 14">
+            <a:extLst>
+              <a:ext uri="{FF2B5EF4-FFF2-40B4-BE49-F238E27FC236}">
+                <a16:creationId xmlns:a16="http://schemas.microsoft.com/office/drawing/2014/main" id="{3079AF6F-8673-0947-9202-B36068E63E42}"/>
+              </a:ext>
+            </a:extLst>
+          </p:cNvPr>
+          <p:cNvSpPr txBox="1"/>
+          <p:nvPr/>
+        </p:nvSpPr>
+        <p:spPr>
+          <a:xfrm>
+            <a:off x="2793304" y="2279737"/>
+            <a:ext cx="1753644" cy="523220"/>
+          </a:xfrm>
+          <a:prstGeom prst="rect">
+            <a:avLst/>
+          </a:prstGeom>
+          <a:noFill/>
+        </p:spPr>
+        <p:txBody>
+          <a:bodyPr wrap="square" rtlCol="0">
+            <a:spAutoFit/>
+          </a:bodyPr>
+          <a:lstStyle/>
+          <a:p>
+            <a:r>
+              <a:rPr lang="fr-FR" sz="2800" b="1" dirty="0"/>
+              <a:t>ADD</a:t>
+            </a:r>
+          </a:p>
+        </p:txBody>
+      </p:sp>
+      <p:sp>
+        <p:nvSpPr>
+          <p:cNvPr id="16" name="ZoneTexte 15">
+            <a:extLst>
+              <a:ext uri="{FF2B5EF4-FFF2-40B4-BE49-F238E27FC236}">
+                <a16:creationId xmlns:a16="http://schemas.microsoft.com/office/drawing/2014/main" id="{EE595AD6-7138-7E49-BABB-7FD84C86D158}"/>
+              </a:ext>
+            </a:extLst>
+          </p:cNvPr>
+          <p:cNvSpPr txBox="1"/>
+          <p:nvPr/>
+        </p:nvSpPr>
+        <p:spPr>
+          <a:xfrm>
+            <a:off x="8073023" y="2279737"/>
+            <a:ext cx="1753644" cy="523220"/>
+          </a:xfrm>
+          <a:prstGeom prst="rect">
+            <a:avLst/>
+          </a:prstGeom>
+          <a:noFill/>
+        </p:spPr>
+        <p:txBody>
+          <a:bodyPr wrap="square" rtlCol="0">
+            <a:spAutoFit/>
+          </a:bodyPr>
+          <a:lstStyle/>
+          <a:p>
+            <a:r>
+              <a:rPr lang="fr-FR" sz="2800" b="1" dirty="0"/>
+              <a:t>REMOVE</a:t>
+            </a:r>
+          </a:p>
+        </p:txBody>
+      </p:sp>
+      <p:sp>
+        <p:nvSpPr>
+          <p:cNvPr id="17" name="Rectangle à coins arrondis 16">
+            <a:extLst>
+              <a:ext uri="{FF2B5EF4-FFF2-40B4-BE49-F238E27FC236}">
+                <a16:creationId xmlns:a16="http://schemas.microsoft.com/office/drawing/2014/main" id="{BE07DF53-706C-DE4C-9B52-4C9233745713}"/>
+              </a:ext>
+            </a:extLst>
+          </p:cNvPr>
+          <p:cNvSpPr/>
+          <p:nvPr/>
+        </p:nvSpPr>
+        <p:spPr>
+          <a:xfrm>
+            <a:off x="1265129" y="3043825"/>
+            <a:ext cx="4070959" cy="463463"/>
+          </a:xfrm>
+          <a:prstGeom prst="roundRect">
+            <a:avLst/>
+          </a:prstGeom>
+          <a:solidFill>
+            <a:schemeClr val="accent6">
+              <a:lumMod val="20000"/>
+              <a:lumOff val="80000"/>
+            </a:schemeClr>
+          </a:solidFill>
+          <a:ln>
+            <a:noFill/>
+          </a:ln>
+        </p:spPr>
+        <p:style>
+          <a:lnRef idx="2">
+            <a:schemeClr val="accent1">
+              <a:shade val="50000"/>
+            </a:schemeClr>
+          </a:lnRef>
+          <a:fillRef idx="1">
+            <a:schemeClr val="accent1"/>
+          </a:fillRef>
+          <a:effectRef idx="0">
+            <a:schemeClr val="accent1"/>
+          </a:effectRef>
+          <a:fontRef idx="minor">
+            <a:schemeClr val="lt1"/>
+          </a:fontRef>
+        </p:style>
+        <p:txBody>
+          <a:bodyPr rtlCol="0" anchor="ctr"/>
+          <a:lstStyle/>
+          <a:p>
+            <a:pPr algn="ctr"/>
+            <a:r>
+              <a:rPr lang="fr-FR" dirty="0" err="1"/>
+              <a:t>title</a:t>
+            </a:r>
+            <a:endParaRPr lang="fr-FR" dirty="0"/>
+          </a:p>
+        </p:txBody>
+      </p:sp>
+      <p:sp>
+        <p:nvSpPr>
+          <p:cNvPr id="18" name="Rectangle à coins arrondis 17">
+            <a:extLst>
+              <a:ext uri="{FF2B5EF4-FFF2-40B4-BE49-F238E27FC236}">
+                <a16:creationId xmlns:a16="http://schemas.microsoft.com/office/drawing/2014/main" id="{33143E7E-3997-5842-A111-F79E488456E6}"/>
+              </a:ext>
+            </a:extLst>
+          </p:cNvPr>
+          <p:cNvSpPr/>
+          <p:nvPr/>
+        </p:nvSpPr>
+        <p:spPr>
+          <a:xfrm>
+            <a:off x="1265129" y="3639070"/>
+            <a:ext cx="4070959" cy="463463"/>
+          </a:xfrm>
+          <a:prstGeom prst="roundRect">
+            <a:avLst/>
+          </a:prstGeom>
+          <a:solidFill>
+            <a:schemeClr val="accent6">
+              <a:lumMod val="20000"/>
+              <a:lumOff val="80000"/>
+            </a:schemeClr>
+          </a:solidFill>
+          <a:ln>
+            <a:noFill/>
+          </a:ln>
+        </p:spPr>
+        <p:style>
+          <a:lnRef idx="2">
+            <a:schemeClr val="accent1">
+              <a:shade val="50000"/>
+            </a:schemeClr>
+          </a:lnRef>
+          <a:fillRef idx="1">
+            <a:schemeClr val="accent1"/>
+          </a:fillRef>
+          <a:effectRef idx="0">
+            <a:schemeClr val="accent1"/>
+          </a:effectRef>
+          <a:fontRef idx="minor">
+            <a:schemeClr val="lt1"/>
+          </a:fontRef>
+        </p:style>
+        <p:txBody>
+          <a:bodyPr rtlCol="0" anchor="ctr"/>
+          <a:lstStyle/>
+          <a:p>
+            <a:pPr algn="ctr"/>
+            <a:r>
+              <a:rPr lang="fr-FR" dirty="0"/>
+              <a:t>Description</a:t>
+            </a:r>
+          </a:p>
+        </p:txBody>
+      </p:sp>
+      <p:sp>
+        <p:nvSpPr>
+          <p:cNvPr id="19" name="Rectangle à coins arrondis 18">
+            <a:extLst>
+              <a:ext uri="{FF2B5EF4-FFF2-40B4-BE49-F238E27FC236}">
+                <a16:creationId xmlns:a16="http://schemas.microsoft.com/office/drawing/2014/main" id="{C2297DAE-B999-1F4B-89BC-378831EBA380}"/>
+              </a:ext>
+            </a:extLst>
+          </p:cNvPr>
+          <p:cNvSpPr/>
+          <p:nvPr/>
+        </p:nvSpPr>
+        <p:spPr>
+          <a:xfrm>
+            <a:off x="6657580" y="3040951"/>
+            <a:ext cx="4070959" cy="463463"/>
+          </a:xfrm>
+          <a:prstGeom prst="roundRect">
+            <a:avLst/>
+          </a:prstGeom>
+          <a:solidFill>
+            <a:schemeClr val="accent6">
+              <a:lumMod val="20000"/>
+              <a:lumOff val="80000"/>
+            </a:schemeClr>
+          </a:solidFill>
+          <a:ln>
+            <a:noFill/>
+          </a:ln>
+        </p:spPr>
+        <p:style>
+          <a:lnRef idx="2">
+            <a:schemeClr val="accent1">
+              <a:shade val="50000"/>
+            </a:schemeClr>
+          </a:lnRef>
+          <a:fillRef idx="1">
+            <a:schemeClr val="accent1"/>
+          </a:fillRef>
+          <a:effectRef idx="0">
+            <a:schemeClr val="accent1"/>
+          </a:effectRef>
+          <a:fontRef idx="minor">
+            <a:schemeClr val="lt1"/>
+          </a:fontRef>
+        </p:style>
+        <p:txBody>
+          <a:bodyPr rtlCol="0" anchor="ctr"/>
+          <a:lstStyle/>
+          <a:p>
+            <a:pPr algn="ctr"/>
+            <a:r>
+              <a:rPr lang="fr-FR" dirty="0"/>
+              <a:t>URL</a:t>
+            </a:r>
+          </a:p>
+        </p:txBody>
+      </p:sp>
+      <p:sp>
+        <p:nvSpPr>
+          <p:cNvPr id="20" name="Rectangle à coins arrondis 19">
+            <a:extLst>
+              <a:ext uri="{FF2B5EF4-FFF2-40B4-BE49-F238E27FC236}">
+                <a16:creationId xmlns:a16="http://schemas.microsoft.com/office/drawing/2014/main" id="{5F715886-B15A-EC4E-89F5-2E8E9DAE9054}"/>
+              </a:ext>
+            </a:extLst>
+          </p:cNvPr>
+          <p:cNvSpPr/>
+          <p:nvPr/>
+        </p:nvSpPr>
+        <p:spPr>
+          <a:xfrm>
+            <a:off x="1265129" y="4265372"/>
+            <a:ext cx="4070959" cy="463463"/>
+          </a:xfrm>
+          <a:prstGeom prst="roundRect">
+            <a:avLst/>
+          </a:prstGeom>
+          <a:solidFill>
+            <a:schemeClr val="accent6">
+              <a:lumMod val="20000"/>
+              <a:lumOff val="80000"/>
+            </a:schemeClr>
+          </a:solidFill>
+          <a:ln>
+            <a:noFill/>
+          </a:ln>
+        </p:spPr>
+        <p:style>
+          <a:lnRef idx="2">
+            <a:schemeClr val="accent1">
+              <a:shade val="50000"/>
+            </a:schemeClr>
+          </a:lnRef>
+          <a:fillRef idx="1">
+            <a:schemeClr val="accent1"/>
+          </a:fillRef>
+          <a:effectRef idx="0">
+            <a:schemeClr val="accent1"/>
+          </a:effectRef>
+          <a:fontRef idx="minor">
+            <a:schemeClr val="lt1"/>
+          </a:fontRef>
+        </p:style>
+        <p:txBody>
+          <a:bodyPr rtlCol="0" anchor="ctr"/>
+          <a:lstStyle/>
+          <a:p>
+            <a:pPr algn="ctr"/>
+            <a:r>
+              <a:rPr lang="fr-FR" dirty="0"/>
+              <a:t>URL</a:t>
+            </a:r>
+          </a:p>
+        </p:txBody>
+      </p:sp>
+      <p:sp>
+        <p:nvSpPr>
+          <p:cNvPr id="21" name="Rectangle à coins arrondis 20">
+            <a:extLst>
+              <a:ext uri="{FF2B5EF4-FFF2-40B4-BE49-F238E27FC236}">
+                <a16:creationId xmlns:a16="http://schemas.microsoft.com/office/drawing/2014/main" id="{EBAE61CB-DCD8-484F-99B2-B5D86C19F092}"/>
+              </a:ext>
+            </a:extLst>
+          </p:cNvPr>
+          <p:cNvSpPr/>
+          <p:nvPr/>
+        </p:nvSpPr>
+        <p:spPr>
+          <a:xfrm>
+            <a:off x="2793304" y="5098093"/>
+            <a:ext cx="1277655" cy="325677"/>
+          </a:xfrm>
+          <a:prstGeom prst="roundRect">
+            <a:avLst/>
+          </a:prstGeom>
+        </p:spPr>
+        <p:style>
+          <a:lnRef idx="2">
+            <a:schemeClr val="accent1">
+              <a:shade val="50000"/>
+            </a:schemeClr>
+          </a:lnRef>
+          <a:fillRef idx="1">
+            <a:schemeClr val="accent1"/>
+          </a:fillRef>
+          <a:effectRef idx="0">
+            <a:schemeClr val="accent1"/>
+          </a:effectRef>
+          <a:fontRef idx="minor">
+            <a:schemeClr val="lt1"/>
+          </a:fontRef>
+        </p:style>
+        <p:txBody>
+          <a:bodyPr rtlCol="0" anchor="ctr"/>
+          <a:lstStyle/>
+          <a:p>
+            <a:pPr algn="ctr"/>
+            <a:r>
+              <a:rPr lang="fr-FR" dirty="0"/>
+              <a:t>Add</a:t>
+            </a:r>
+          </a:p>
+        </p:txBody>
+      </p:sp>
+      <p:sp>
+        <p:nvSpPr>
+          <p:cNvPr id="22" name="Rectangle à coins arrondis 21">
+            <a:extLst>
+              <a:ext uri="{FF2B5EF4-FFF2-40B4-BE49-F238E27FC236}">
+                <a16:creationId xmlns:a16="http://schemas.microsoft.com/office/drawing/2014/main" id="{6FFD36D3-85E8-F849-806D-0DD44FFE18EB}"/>
+              </a:ext>
+            </a:extLst>
+          </p:cNvPr>
+          <p:cNvSpPr/>
+          <p:nvPr/>
+        </p:nvSpPr>
+        <p:spPr>
+          <a:xfrm>
+            <a:off x="8054231" y="4025680"/>
+            <a:ext cx="1277655" cy="325677"/>
+          </a:xfrm>
+          <a:prstGeom prst="roundRect">
+            <a:avLst/>
+          </a:prstGeom>
+        </p:spPr>
+        <p:style>
+          <a:lnRef idx="2">
+            <a:schemeClr val="accent1">
+              <a:shade val="50000"/>
+            </a:schemeClr>
+          </a:lnRef>
+          <a:fillRef idx="1">
+            <a:schemeClr val="accent1"/>
+          </a:fillRef>
+          <a:effectRef idx="0">
+            <a:schemeClr val="accent1"/>
+          </a:effectRef>
+          <a:fontRef idx="minor">
+            <a:schemeClr val="lt1"/>
+          </a:fontRef>
+        </p:style>
+        <p:txBody>
+          <a:bodyPr rtlCol="0" anchor="ctr"/>
+          <a:lstStyle/>
+          <a:p>
+            <a:pPr algn="ctr"/>
+            <a:r>
+              <a:rPr lang="fr-FR" dirty="0"/>
+              <a:t>Remove</a:t>
+            </a:r>
+          </a:p>
+        </p:txBody>
+      </p:sp>
+    </p:spTree>
+    <p:extLst>
+      <p:ext uri="{BB962C8B-B14F-4D97-AF65-F5344CB8AC3E}">
+        <p14:creationId xmlns:p14="http://schemas.microsoft.com/office/powerpoint/2010/main" val="3539216944"/>
+      </p:ext>
+    </p:extLst>
+  </p:cSld>
+  <p:clrMapOvr>
+    <a:masterClrMapping/>
+  </p:clrMapOvr>
+</p:sld>
+</file>
+
+<file path=ppt/slides/slide14.xml><?xml version="1.0" encoding="utf-8"?>
+<p:sld xmlns:a="http://schemas.openxmlformats.org/drawingml/2006/main" xmlns:r="http://schemas.openxmlformats.org/officeDocument/2006/relationships" xmlns:p="http://schemas.openxmlformats.org/presentationml/2006/main">
+  <p:cSld>
+    <p:spTree>
+      <p:nvGrpSpPr>
+        <p:cNvPr id="1" name=""/>
+        <p:cNvGrpSpPr/>
+        <p:nvPr/>
+      </p:nvGrpSpPr>
+      <p:grpSpPr>
+        <a:xfrm>
+          <a:off x="0" y="0"/>
+          <a:ext cx="0" cy="0"/>
+          <a:chOff x="0" y="0"/>
+          <a:chExt cx="0" cy="0"/>
+        </a:xfrm>
+      </p:grpSpPr>
+      <p:sp>
+        <p:nvSpPr>
           <p:cNvPr id="2" name="Titre 1" hidden="1">
             <a:extLst>
               <a:ext uri="{FF2B5EF4-FFF2-40B4-BE49-F238E27FC236}">
-                <a16:creationId xmlns:a16="http://schemas.microsoft.com/office/drawing/2014/main" id="{7BAC7B69-8DF3-48D4-9323-3CE18055911B}"/>
+                <a16:creationId xmlns:a16="http://schemas.microsoft.com/office/drawing/2014/main" id="{678AC2DF-C1FA-4131-8D73-53B34C2A22B9}"/>
               </a:ext>
             </a:extLst>
           </p:cNvPr>
@@ -1222,38 +2678,1236 @@
           </a:p>
         </p:txBody>
       </p:sp>
-      <p:pic>
-        <p:nvPicPr>
-          <p:cNvPr id="3" name="Image 2">
-            <a:extLst>
-              <a:ext uri="{FF2B5EF4-FFF2-40B4-BE49-F238E27FC236}">
-                <a16:creationId xmlns:a16="http://schemas.microsoft.com/office/drawing/2014/main" id="{C4B8DAB9-B54B-4C52-BEA9-6125B882FE8D}"/>
-              </a:ext>
-            </a:extLst>
-          </p:cNvPr>
-          <p:cNvPicPr/>
-          <p:nvPr/>
-        </p:nvPicPr>
-        <p:blipFill>
-          <a:blip r:embed="rId2"/>
-          <a:stretch>
-            <a:fillRect/>
-          </a:stretch>
-        </p:blipFill>
-        <p:spPr>
-          <a:xfrm>
-            <a:off x="0" y="0"/>
-            <a:ext cx="12192000" cy="6858000"/>
-          </a:xfrm>
-          <a:prstGeom prst="rect">
-            <a:avLst/>
-          </a:prstGeom>
-        </p:spPr>
-      </p:pic>
+      <p:sp>
+        <p:nvSpPr>
+          <p:cNvPr id="4" name="Rectangle 3">
+            <a:extLst>
+              <a:ext uri="{FF2B5EF4-FFF2-40B4-BE49-F238E27FC236}">
+                <a16:creationId xmlns:a16="http://schemas.microsoft.com/office/drawing/2014/main" id="{F71F8ED5-F438-9947-9F2F-E4B20946132B}"/>
+              </a:ext>
+            </a:extLst>
+          </p:cNvPr>
+          <p:cNvSpPr/>
+          <p:nvPr/>
+        </p:nvSpPr>
+        <p:spPr>
+          <a:xfrm>
+            <a:off x="1" y="5135671"/>
+            <a:ext cx="12192000" cy="1722329"/>
+          </a:xfrm>
+          <a:prstGeom prst="rect">
+            <a:avLst/>
+          </a:prstGeom>
+          <a:solidFill>
+            <a:schemeClr val="accent3">
+              <a:lumMod val="40000"/>
+              <a:lumOff val="60000"/>
+            </a:schemeClr>
+          </a:solidFill>
+          <a:ln>
+            <a:noFill/>
+          </a:ln>
+        </p:spPr>
+        <p:style>
+          <a:lnRef idx="2">
+            <a:schemeClr val="accent1">
+              <a:shade val="50000"/>
+            </a:schemeClr>
+          </a:lnRef>
+          <a:fillRef idx="1">
+            <a:schemeClr val="accent1"/>
+          </a:fillRef>
+          <a:effectRef idx="0">
+            <a:schemeClr val="accent1"/>
+          </a:effectRef>
+          <a:fontRef idx="minor">
+            <a:schemeClr val="lt1"/>
+          </a:fontRef>
+        </p:style>
+        <p:txBody>
+          <a:bodyPr rtlCol="0" anchor="ctr"/>
+          <a:lstStyle/>
+          <a:p>
+            <a:pPr algn="ctr"/>
+            <a:endParaRPr lang="fr-FR"/>
+          </a:p>
+        </p:txBody>
+      </p:sp>
+      <p:sp>
+        <p:nvSpPr>
+          <p:cNvPr id="5" name="Rectangle 4">
+            <a:extLst>
+              <a:ext uri="{FF2B5EF4-FFF2-40B4-BE49-F238E27FC236}">
+                <a16:creationId xmlns:a16="http://schemas.microsoft.com/office/drawing/2014/main" id="{B6423045-4AFC-564E-9237-ED0EF6458528}"/>
+              </a:ext>
+            </a:extLst>
+          </p:cNvPr>
+          <p:cNvSpPr/>
+          <p:nvPr/>
+        </p:nvSpPr>
+        <p:spPr>
+          <a:xfrm>
+            <a:off x="0" y="6450904"/>
+            <a:ext cx="12192000" cy="597074"/>
+          </a:xfrm>
+          <a:prstGeom prst="rect">
+            <a:avLst/>
+          </a:prstGeom>
+          <a:solidFill>
+            <a:schemeClr val="accent3">
+              <a:lumMod val="60000"/>
+              <a:lumOff val="40000"/>
+            </a:schemeClr>
+          </a:solidFill>
+          <a:ln>
+            <a:noFill/>
+          </a:ln>
+        </p:spPr>
+        <p:style>
+          <a:lnRef idx="2">
+            <a:schemeClr val="accent1">
+              <a:shade val="50000"/>
+            </a:schemeClr>
+          </a:lnRef>
+          <a:fillRef idx="1">
+            <a:schemeClr val="accent1"/>
+          </a:fillRef>
+          <a:effectRef idx="0">
+            <a:schemeClr val="accent1"/>
+          </a:effectRef>
+          <a:fontRef idx="minor">
+            <a:schemeClr val="lt1"/>
+          </a:fontRef>
+        </p:style>
+        <p:txBody>
+          <a:bodyPr rtlCol="0" anchor="ctr"/>
+          <a:lstStyle/>
+          <a:p>
+            <a:pPr algn="ctr"/>
+            <a:r>
+              <a:rPr lang="fr-FR" dirty="0"/>
+              <a:t>2018 Mohamed Serhir</a:t>
+            </a:r>
+          </a:p>
+        </p:txBody>
+      </p:sp>
+      <p:sp>
+        <p:nvSpPr>
+          <p:cNvPr id="7" name="Rectangle 6">
+            <a:extLst>
+              <a:ext uri="{FF2B5EF4-FFF2-40B4-BE49-F238E27FC236}">
+                <a16:creationId xmlns:a16="http://schemas.microsoft.com/office/drawing/2014/main" id="{7215B4D1-405E-D646-9FE8-294F05221FAB}"/>
+              </a:ext>
+            </a:extLst>
+          </p:cNvPr>
+          <p:cNvSpPr/>
+          <p:nvPr/>
+        </p:nvSpPr>
+        <p:spPr>
+          <a:xfrm>
+            <a:off x="2492679" y="5348614"/>
+            <a:ext cx="2931091" cy="889348"/>
+          </a:xfrm>
+          <a:prstGeom prst="rect">
+            <a:avLst/>
+          </a:prstGeom>
+          <a:solidFill>
+            <a:schemeClr val="accent5">
+              <a:lumMod val="60000"/>
+              <a:lumOff val="40000"/>
+            </a:schemeClr>
+          </a:solidFill>
+          <a:ln>
+            <a:noFill/>
+          </a:ln>
+        </p:spPr>
+        <p:style>
+          <a:lnRef idx="2">
+            <a:schemeClr val="accent1">
+              <a:shade val="50000"/>
+            </a:schemeClr>
+          </a:lnRef>
+          <a:fillRef idx="1">
+            <a:schemeClr val="accent1"/>
+          </a:fillRef>
+          <a:effectRef idx="0">
+            <a:schemeClr val="accent1"/>
+          </a:effectRef>
+          <a:fontRef idx="minor">
+            <a:schemeClr val="lt1"/>
+          </a:fontRef>
+        </p:style>
+        <p:txBody>
+          <a:bodyPr rtlCol="0" anchor="ctr"/>
+          <a:lstStyle/>
+          <a:p>
+            <a:pPr algn="ctr"/>
+            <a:r>
+              <a:rPr lang="fr-FR" dirty="0"/>
+              <a:t>Contact</a:t>
+            </a:r>
+          </a:p>
+        </p:txBody>
+      </p:sp>
+      <p:sp>
+        <p:nvSpPr>
+          <p:cNvPr id="8" name="Rectangle 7">
+            <a:extLst>
+              <a:ext uri="{FF2B5EF4-FFF2-40B4-BE49-F238E27FC236}">
+                <a16:creationId xmlns:a16="http://schemas.microsoft.com/office/drawing/2014/main" id="{D2CF58BF-A951-1046-B487-F4E12EF9F7C3}"/>
+              </a:ext>
+            </a:extLst>
+          </p:cNvPr>
+          <p:cNvSpPr/>
+          <p:nvPr/>
+        </p:nvSpPr>
+        <p:spPr>
+          <a:xfrm>
+            <a:off x="6678460" y="5348614"/>
+            <a:ext cx="2931091" cy="889348"/>
+          </a:xfrm>
+          <a:prstGeom prst="rect">
+            <a:avLst/>
+          </a:prstGeom>
+          <a:solidFill>
+            <a:schemeClr val="accent5">
+              <a:lumMod val="60000"/>
+              <a:lumOff val="40000"/>
+            </a:schemeClr>
+          </a:solidFill>
+          <a:ln>
+            <a:noFill/>
+          </a:ln>
+        </p:spPr>
+        <p:style>
+          <a:lnRef idx="2">
+            <a:schemeClr val="accent1">
+              <a:shade val="50000"/>
+            </a:schemeClr>
+          </a:lnRef>
+          <a:fillRef idx="1">
+            <a:schemeClr val="accent1"/>
+          </a:fillRef>
+          <a:effectRef idx="0">
+            <a:schemeClr val="accent1"/>
+          </a:effectRef>
+          <a:fontRef idx="minor">
+            <a:schemeClr val="lt1"/>
+          </a:fontRef>
+        </p:style>
+        <p:txBody>
+          <a:bodyPr rtlCol="0" anchor="ctr"/>
+          <a:lstStyle/>
+          <a:p>
+            <a:pPr algn="ctr"/>
+            <a:r>
+              <a:rPr lang="fr-FR" dirty="0"/>
+              <a:t>Social</a:t>
+            </a:r>
+          </a:p>
+        </p:txBody>
+      </p:sp>
     </p:spTree>
     <p:extLst>
       <p:ext uri="{BB962C8B-B14F-4D97-AF65-F5344CB8AC3E}">
-        <p14:creationId xmlns:p14="http://schemas.microsoft.com/office/powerpoint/2010/main" val="3151337067"/>
+        <p14:creationId xmlns:p14="http://schemas.microsoft.com/office/powerpoint/2010/main" val="2173054849"/>
+      </p:ext>
+    </p:extLst>
+  </p:cSld>
+  <p:clrMapOvr>
+    <a:masterClrMapping/>
+  </p:clrMapOvr>
+</p:sld>
+</file>
+
+<file path=ppt/slides/slide15.xml><?xml version="1.0" encoding="utf-8"?>
+<p:sld xmlns:a="http://schemas.openxmlformats.org/drawingml/2006/main" xmlns:r="http://schemas.openxmlformats.org/officeDocument/2006/relationships" xmlns:p="http://schemas.openxmlformats.org/presentationml/2006/main">
+  <p:cSld>
+    <p:spTree>
+      <p:nvGrpSpPr>
+        <p:cNvPr id="1" name=""/>
+        <p:cNvGrpSpPr/>
+        <p:nvPr/>
+      </p:nvGrpSpPr>
+      <p:grpSpPr>
+        <a:xfrm>
+          <a:off x="0" y="0"/>
+          <a:ext cx="0" cy="0"/>
+          <a:chOff x="0" y="0"/>
+          <a:chExt cx="0" cy="0"/>
+        </a:xfrm>
+      </p:grpSpPr>
+      <p:sp>
+        <p:nvSpPr>
+          <p:cNvPr id="3" name="Rectangle 2">
+            <a:extLst>
+              <a:ext uri="{FF2B5EF4-FFF2-40B4-BE49-F238E27FC236}">
+                <a16:creationId xmlns:a16="http://schemas.microsoft.com/office/drawing/2014/main" id="{420CB9B4-65A4-9947-947E-4116B9D4A880}"/>
+              </a:ext>
+            </a:extLst>
+          </p:cNvPr>
+          <p:cNvSpPr/>
+          <p:nvPr/>
+        </p:nvSpPr>
+        <p:spPr>
+          <a:xfrm>
+            <a:off x="0" y="0"/>
+            <a:ext cx="12192000" cy="739036"/>
+          </a:xfrm>
+          <a:prstGeom prst="rect">
+            <a:avLst/>
+          </a:prstGeom>
+          <a:ln>
+            <a:noFill/>
+          </a:ln>
+        </p:spPr>
+        <p:style>
+          <a:lnRef idx="2">
+            <a:schemeClr val="accent1">
+              <a:shade val="50000"/>
+            </a:schemeClr>
+          </a:lnRef>
+          <a:fillRef idx="1">
+            <a:schemeClr val="accent1"/>
+          </a:fillRef>
+          <a:effectRef idx="0">
+            <a:schemeClr val="accent1"/>
+          </a:effectRef>
+          <a:fontRef idx="minor">
+            <a:schemeClr val="lt1"/>
+          </a:fontRef>
+        </p:style>
+        <p:txBody>
+          <a:bodyPr rtlCol="0" anchor="ctr"/>
+          <a:lstStyle/>
+          <a:p>
+            <a:pPr algn="ctr"/>
+            <a:endParaRPr lang="fr-FR"/>
+          </a:p>
+        </p:txBody>
+      </p:sp>
+      <p:sp>
+        <p:nvSpPr>
+          <p:cNvPr id="4" name="Ellipse 3">
+            <a:extLst>
+              <a:ext uri="{FF2B5EF4-FFF2-40B4-BE49-F238E27FC236}">
+                <a16:creationId xmlns:a16="http://schemas.microsoft.com/office/drawing/2014/main" id="{DA7345E0-0977-E445-A855-F76B49D311FB}"/>
+              </a:ext>
+            </a:extLst>
+          </p:cNvPr>
+          <p:cNvSpPr/>
+          <p:nvPr/>
+        </p:nvSpPr>
+        <p:spPr>
+          <a:xfrm>
+            <a:off x="413359" y="62630"/>
+            <a:ext cx="613775" cy="626302"/>
+          </a:xfrm>
+          <a:prstGeom prst="ellipse">
+            <a:avLst/>
+          </a:prstGeom>
+          <a:ln>
+            <a:noFill/>
+          </a:ln>
+        </p:spPr>
+        <p:style>
+          <a:lnRef idx="2">
+            <a:schemeClr val="accent2">
+              <a:shade val="50000"/>
+            </a:schemeClr>
+          </a:lnRef>
+          <a:fillRef idx="1">
+            <a:schemeClr val="accent2"/>
+          </a:fillRef>
+          <a:effectRef idx="0">
+            <a:schemeClr val="accent2"/>
+          </a:effectRef>
+          <a:fontRef idx="minor">
+            <a:schemeClr val="lt1"/>
+          </a:fontRef>
+        </p:style>
+        <p:txBody>
+          <a:bodyPr rtlCol="0" anchor="ctr"/>
+          <a:lstStyle/>
+          <a:p>
+            <a:pPr algn="ctr"/>
+            <a:endParaRPr lang="fr-FR"/>
+          </a:p>
+        </p:txBody>
+      </p:sp>
+      <p:sp>
+        <p:nvSpPr>
+          <p:cNvPr id="5" name="Rectangle 4">
+            <a:extLst>
+              <a:ext uri="{FF2B5EF4-FFF2-40B4-BE49-F238E27FC236}">
+                <a16:creationId xmlns:a16="http://schemas.microsoft.com/office/drawing/2014/main" id="{1FBA54EF-D64D-4B43-BE8E-1E96725762F5}"/>
+              </a:ext>
+            </a:extLst>
+          </p:cNvPr>
+          <p:cNvSpPr/>
+          <p:nvPr/>
+        </p:nvSpPr>
+        <p:spPr>
+          <a:xfrm>
+            <a:off x="10371551" y="200416"/>
+            <a:ext cx="1240076" cy="375781"/>
+          </a:xfrm>
+          <a:prstGeom prst="rect">
+            <a:avLst/>
+          </a:prstGeom>
+          <a:ln>
+            <a:noFill/>
+          </a:ln>
+        </p:spPr>
+        <p:style>
+          <a:lnRef idx="2">
+            <a:schemeClr val="accent2">
+              <a:shade val="50000"/>
+            </a:schemeClr>
+          </a:lnRef>
+          <a:fillRef idx="1">
+            <a:schemeClr val="accent2"/>
+          </a:fillRef>
+          <a:effectRef idx="0">
+            <a:schemeClr val="accent2"/>
+          </a:effectRef>
+          <a:fontRef idx="minor">
+            <a:schemeClr val="lt1"/>
+          </a:fontRef>
+        </p:style>
+        <p:txBody>
+          <a:bodyPr rtlCol="0" anchor="ctr"/>
+          <a:lstStyle/>
+          <a:p>
+            <a:pPr algn="ctr"/>
+            <a:endParaRPr lang="fr-FR"/>
+          </a:p>
+        </p:txBody>
+      </p:sp>
+      <p:sp>
+        <p:nvSpPr>
+          <p:cNvPr id="6" name="Rectangle 5">
+            <a:extLst>
+              <a:ext uri="{FF2B5EF4-FFF2-40B4-BE49-F238E27FC236}">
+                <a16:creationId xmlns:a16="http://schemas.microsoft.com/office/drawing/2014/main" id="{A859E05C-604E-1340-9BC3-D706B702BE5C}"/>
+              </a:ext>
+            </a:extLst>
+          </p:cNvPr>
+          <p:cNvSpPr/>
+          <p:nvPr/>
+        </p:nvSpPr>
+        <p:spPr>
+          <a:xfrm>
+            <a:off x="8870515" y="200416"/>
+            <a:ext cx="1240076" cy="375781"/>
+          </a:xfrm>
+          <a:prstGeom prst="rect">
+            <a:avLst/>
+          </a:prstGeom>
+          <a:ln>
+            <a:noFill/>
+          </a:ln>
+        </p:spPr>
+        <p:style>
+          <a:lnRef idx="2">
+            <a:schemeClr val="accent2">
+              <a:shade val="50000"/>
+            </a:schemeClr>
+          </a:lnRef>
+          <a:fillRef idx="1">
+            <a:schemeClr val="accent2"/>
+          </a:fillRef>
+          <a:effectRef idx="0">
+            <a:schemeClr val="accent2"/>
+          </a:effectRef>
+          <a:fontRef idx="minor">
+            <a:schemeClr val="lt1"/>
+          </a:fontRef>
+        </p:style>
+        <p:txBody>
+          <a:bodyPr rtlCol="0" anchor="ctr"/>
+          <a:lstStyle/>
+          <a:p>
+            <a:pPr algn="ctr"/>
+            <a:endParaRPr lang="fr-FR"/>
+          </a:p>
+        </p:txBody>
+      </p:sp>
+      <p:sp>
+        <p:nvSpPr>
+          <p:cNvPr id="7" name="Rectangle 6">
+            <a:extLst>
+              <a:ext uri="{FF2B5EF4-FFF2-40B4-BE49-F238E27FC236}">
+                <a16:creationId xmlns:a16="http://schemas.microsoft.com/office/drawing/2014/main" id="{9FADA076-B2BA-B44E-9D1E-1961C57A27C5}"/>
+              </a:ext>
+            </a:extLst>
+          </p:cNvPr>
+          <p:cNvSpPr/>
+          <p:nvPr/>
+        </p:nvSpPr>
+        <p:spPr>
+          <a:xfrm>
+            <a:off x="7452985" y="219206"/>
+            <a:ext cx="1240076" cy="375781"/>
+          </a:xfrm>
+          <a:prstGeom prst="rect">
+            <a:avLst/>
+          </a:prstGeom>
+          <a:ln>
+            <a:noFill/>
+          </a:ln>
+        </p:spPr>
+        <p:style>
+          <a:lnRef idx="2">
+            <a:schemeClr val="accent2">
+              <a:shade val="50000"/>
+            </a:schemeClr>
+          </a:lnRef>
+          <a:fillRef idx="1">
+            <a:schemeClr val="accent2"/>
+          </a:fillRef>
+          <a:effectRef idx="0">
+            <a:schemeClr val="accent2"/>
+          </a:effectRef>
+          <a:fontRef idx="minor">
+            <a:schemeClr val="lt1"/>
+          </a:fontRef>
+        </p:style>
+        <p:txBody>
+          <a:bodyPr rtlCol="0" anchor="ctr"/>
+          <a:lstStyle/>
+          <a:p>
+            <a:pPr algn="ctr"/>
+            <a:endParaRPr lang="fr-FR"/>
+          </a:p>
+        </p:txBody>
+      </p:sp>
+      <p:sp>
+        <p:nvSpPr>
+          <p:cNvPr id="8" name="Rectangle 7">
+            <a:extLst>
+              <a:ext uri="{FF2B5EF4-FFF2-40B4-BE49-F238E27FC236}">
+                <a16:creationId xmlns:a16="http://schemas.microsoft.com/office/drawing/2014/main" id="{F2E69BA2-3BA6-FB43-BACD-6780092E08C6}"/>
+              </a:ext>
+            </a:extLst>
+          </p:cNvPr>
+          <p:cNvSpPr/>
+          <p:nvPr/>
+        </p:nvSpPr>
+        <p:spPr>
+          <a:xfrm>
+            <a:off x="5951949" y="219206"/>
+            <a:ext cx="1240076" cy="375781"/>
+          </a:xfrm>
+          <a:prstGeom prst="rect">
+            <a:avLst/>
+          </a:prstGeom>
+          <a:ln>
+            <a:noFill/>
+          </a:ln>
+        </p:spPr>
+        <p:style>
+          <a:lnRef idx="2">
+            <a:schemeClr val="accent2">
+              <a:shade val="50000"/>
+            </a:schemeClr>
+          </a:lnRef>
+          <a:fillRef idx="1">
+            <a:schemeClr val="accent2"/>
+          </a:fillRef>
+          <a:effectRef idx="0">
+            <a:schemeClr val="accent2"/>
+          </a:effectRef>
+          <a:fontRef idx="minor">
+            <a:schemeClr val="lt1"/>
+          </a:fontRef>
+        </p:style>
+        <p:txBody>
+          <a:bodyPr rtlCol="0" anchor="ctr"/>
+          <a:lstStyle/>
+          <a:p>
+            <a:pPr algn="ctr"/>
+            <a:endParaRPr lang="fr-FR"/>
+          </a:p>
+        </p:txBody>
+      </p:sp>
+      <p:sp>
+        <p:nvSpPr>
+          <p:cNvPr id="23" name="Rectangle 22">
+            <a:extLst>
+              <a:ext uri="{FF2B5EF4-FFF2-40B4-BE49-F238E27FC236}">
+                <a16:creationId xmlns:a16="http://schemas.microsoft.com/office/drawing/2014/main" id="{8F732B3F-3588-C34F-ADC5-A42409211F39}"/>
+              </a:ext>
+            </a:extLst>
+          </p:cNvPr>
+          <p:cNvSpPr/>
+          <p:nvPr/>
+        </p:nvSpPr>
+        <p:spPr>
+          <a:xfrm>
+            <a:off x="0" y="739036"/>
+            <a:ext cx="12192000" cy="6118964"/>
+          </a:xfrm>
+          <a:prstGeom prst="rect">
+            <a:avLst/>
+          </a:prstGeom>
+          <a:solidFill>
+            <a:schemeClr val="accent3">
+              <a:lumMod val="60000"/>
+              <a:lumOff val="40000"/>
+            </a:schemeClr>
+          </a:solidFill>
+          <a:ln>
+            <a:noFill/>
+          </a:ln>
+        </p:spPr>
+        <p:style>
+          <a:lnRef idx="2">
+            <a:schemeClr val="accent3">
+              <a:shade val="50000"/>
+            </a:schemeClr>
+          </a:lnRef>
+          <a:fillRef idx="1">
+            <a:schemeClr val="accent3"/>
+          </a:fillRef>
+          <a:effectRef idx="0">
+            <a:schemeClr val="accent3"/>
+          </a:effectRef>
+          <a:fontRef idx="minor">
+            <a:schemeClr val="lt1"/>
+          </a:fontRef>
+        </p:style>
+        <p:txBody>
+          <a:bodyPr rtlCol="0" anchor="ctr"/>
+          <a:lstStyle/>
+          <a:p>
+            <a:pPr algn="ctr"/>
+            <a:endParaRPr lang="fr-FR"/>
+          </a:p>
+        </p:txBody>
+      </p:sp>
+      <p:sp>
+        <p:nvSpPr>
+          <p:cNvPr id="24" name="Rectangle à coins arrondis 23">
+            <a:extLst>
+              <a:ext uri="{FF2B5EF4-FFF2-40B4-BE49-F238E27FC236}">
+                <a16:creationId xmlns:a16="http://schemas.microsoft.com/office/drawing/2014/main" id="{A9C3F4A1-FFB9-8741-AEC3-58C3D852DB89}"/>
+              </a:ext>
+            </a:extLst>
+          </p:cNvPr>
+          <p:cNvSpPr/>
+          <p:nvPr/>
+        </p:nvSpPr>
+        <p:spPr>
+          <a:xfrm>
+            <a:off x="3489541" y="2079320"/>
+            <a:ext cx="4924815" cy="3457184"/>
+          </a:xfrm>
+          <a:prstGeom prst="roundRect">
+            <a:avLst/>
+          </a:prstGeom>
+          <a:solidFill>
+            <a:schemeClr val="bg2">
+              <a:lumMod val="50000"/>
+            </a:schemeClr>
+          </a:solidFill>
+          <a:ln>
+            <a:noFill/>
+          </a:ln>
+        </p:spPr>
+        <p:style>
+          <a:lnRef idx="2">
+            <a:schemeClr val="accent1">
+              <a:shade val="50000"/>
+            </a:schemeClr>
+          </a:lnRef>
+          <a:fillRef idx="1">
+            <a:schemeClr val="accent1"/>
+          </a:fillRef>
+          <a:effectRef idx="0">
+            <a:schemeClr val="accent1"/>
+          </a:effectRef>
+          <a:fontRef idx="minor">
+            <a:schemeClr val="lt1"/>
+          </a:fontRef>
+        </p:style>
+        <p:txBody>
+          <a:bodyPr rtlCol="0" anchor="ctr"/>
+          <a:lstStyle/>
+          <a:p>
+            <a:pPr algn="ctr"/>
+            <a:endParaRPr lang="fr-FR" dirty="0"/>
+          </a:p>
+        </p:txBody>
+      </p:sp>
+      <p:sp>
+        <p:nvSpPr>
+          <p:cNvPr id="25" name="ZoneTexte 24">
+            <a:extLst>
+              <a:ext uri="{FF2B5EF4-FFF2-40B4-BE49-F238E27FC236}">
+                <a16:creationId xmlns:a16="http://schemas.microsoft.com/office/drawing/2014/main" id="{019AF1D2-FDD2-6E4A-A478-52D67C01C82D}"/>
+              </a:ext>
+            </a:extLst>
+          </p:cNvPr>
+          <p:cNvSpPr txBox="1"/>
+          <p:nvPr/>
+        </p:nvSpPr>
+        <p:spPr>
+          <a:xfrm>
+            <a:off x="5438381" y="2508079"/>
+            <a:ext cx="1753644" cy="523220"/>
+          </a:xfrm>
+          <a:prstGeom prst="rect">
+            <a:avLst/>
+          </a:prstGeom>
+          <a:noFill/>
+        </p:spPr>
+        <p:txBody>
+          <a:bodyPr wrap="square" rtlCol="0">
+            <a:spAutoFit/>
+          </a:bodyPr>
+          <a:lstStyle/>
+          <a:p>
+            <a:r>
+              <a:rPr lang="fr-FR" sz="2800" b="1" dirty="0"/>
+              <a:t>SIGN IN</a:t>
+            </a:r>
+          </a:p>
+        </p:txBody>
+      </p:sp>
+      <p:sp>
+        <p:nvSpPr>
+          <p:cNvPr id="26" name="Rectangle à coins arrondis 25">
+            <a:extLst>
+              <a:ext uri="{FF2B5EF4-FFF2-40B4-BE49-F238E27FC236}">
+                <a16:creationId xmlns:a16="http://schemas.microsoft.com/office/drawing/2014/main" id="{76E18C32-1682-924A-B3AC-4B467E1B05ED}"/>
+              </a:ext>
+            </a:extLst>
+          </p:cNvPr>
+          <p:cNvSpPr/>
+          <p:nvPr/>
+        </p:nvSpPr>
+        <p:spPr>
+          <a:xfrm>
+            <a:off x="3931082" y="3281560"/>
+            <a:ext cx="4070959" cy="463463"/>
+          </a:xfrm>
+          <a:prstGeom prst="roundRect">
+            <a:avLst/>
+          </a:prstGeom>
+          <a:solidFill>
+            <a:schemeClr val="bg2"/>
+          </a:solidFill>
+          <a:ln>
+            <a:noFill/>
+          </a:ln>
+        </p:spPr>
+        <p:style>
+          <a:lnRef idx="2">
+            <a:schemeClr val="accent1">
+              <a:shade val="50000"/>
+            </a:schemeClr>
+          </a:lnRef>
+          <a:fillRef idx="1">
+            <a:schemeClr val="accent1"/>
+          </a:fillRef>
+          <a:effectRef idx="0">
+            <a:schemeClr val="accent1"/>
+          </a:effectRef>
+          <a:fontRef idx="minor">
+            <a:schemeClr val="lt1"/>
+          </a:fontRef>
+        </p:style>
+        <p:txBody>
+          <a:bodyPr rtlCol="0" anchor="ctr"/>
+          <a:lstStyle/>
+          <a:p>
+            <a:pPr algn="ctr"/>
+            <a:r>
+              <a:rPr lang="fr-FR" dirty="0" err="1"/>
+              <a:t>Username</a:t>
+            </a:r>
+            <a:endParaRPr lang="fr-FR" dirty="0"/>
+          </a:p>
+        </p:txBody>
+      </p:sp>
+      <p:sp>
+        <p:nvSpPr>
+          <p:cNvPr id="27" name="Rectangle à coins arrondis 26">
+            <a:extLst>
+              <a:ext uri="{FF2B5EF4-FFF2-40B4-BE49-F238E27FC236}">
+                <a16:creationId xmlns:a16="http://schemas.microsoft.com/office/drawing/2014/main" id="{44DE91FE-D2E8-8E47-A5C2-D62BAC8F93E1}"/>
+              </a:ext>
+            </a:extLst>
+          </p:cNvPr>
+          <p:cNvSpPr/>
+          <p:nvPr/>
+        </p:nvSpPr>
+        <p:spPr>
+          <a:xfrm>
+            <a:off x="3931082" y="3876805"/>
+            <a:ext cx="4070959" cy="463463"/>
+          </a:xfrm>
+          <a:prstGeom prst="roundRect">
+            <a:avLst/>
+          </a:prstGeom>
+          <a:solidFill>
+            <a:schemeClr val="bg2"/>
+          </a:solidFill>
+          <a:ln>
+            <a:noFill/>
+          </a:ln>
+        </p:spPr>
+        <p:style>
+          <a:lnRef idx="2">
+            <a:schemeClr val="accent1">
+              <a:shade val="50000"/>
+            </a:schemeClr>
+          </a:lnRef>
+          <a:fillRef idx="1">
+            <a:schemeClr val="accent1"/>
+          </a:fillRef>
+          <a:effectRef idx="0">
+            <a:schemeClr val="accent1"/>
+          </a:effectRef>
+          <a:fontRef idx="minor">
+            <a:schemeClr val="lt1"/>
+          </a:fontRef>
+        </p:style>
+        <p:txBody>
+          <a:bodyPr rtlCol="0" anchor="ctr"/>
+          <a:lstStyle/>
+          <a:p>
+            <a:pPr algn="ctr"/>
+            <a:r>
+              <a:rPr lang="fr-FR" dirty="0" err="1"/>
+              <a:t>Password</a:t>
+            </a:r>
+            <a:endParaRPr lang="fr-FR" dirty="0"/>
+          </a:p>
+        </p:txBody>
+      </p:sp>
+      <p:sp>
+        <p:nvSpPr>
+          <p:cNvPr id="29" name="Rectangle à coins arrondis 28">
+            <a:extLst>
+              <a:ext uri="{FF2B5EF4-FFF2-40B4-BE49-F238E27FC236}">
+                <a16:creationId xmlns:a16="http://schemas.microsoft.com/office/drawing/2014/main" id="{E4BD9C4B-49CA-9D45-B7A8-4DE39E17F842}"/>
+              </a:ext>
+            </a:extLst>
+          </p:cNvPr>
+          <p:cNvSpPr/>
+          <p:nvPr/>
+        </p:nvSpPr>
+        <p:spPr>
+          <a:xfrm>
+            <a:off x="5327735" y="4487578"/>
+            <a:ext cx="1277655" cy="325677"/>
+          </a:xfrm>
+          <a:prstGeom prst="roundRect">
+            <a:avLst/>
+          </a:prstGeom>
+        </p:spPr>
+        <p:style>
+          <a:lnRef idx="2">
+            <a:schemeClr val="accent1">
+              <a:shade val="50000"/>
+            </a:schemeClr>
+          </a:lnRef>
+          <a:fillRef idx="1">
+            <a:schemeClr val="accent1"/>
+          </a:fillRef>
+          <a:effectRef idx="0">
+            <a:schemeClr val="accent1"/>
+          </a:effectRef>
+          <a:fontRef idx="minor">
+            <a:schemeClr val="lt1"/>
+          </a:fontRef>
+        </p:style>
+        <p:txBody>
+          <a:bodyPr rtlCol="0" anchor="ctr"/>
+          <a:lstStyle/>
+          <a:p>
+            <a:pPr algn="ctr"/>
+            <a:r>
+              <a:rPr lang="fr-FR" dirty="0"/>
+              <a:t>LOGIN</a:t>
+            </a:r>
+          </a:p>
+        </p:txBody>
+      </p:sp>
+      <p:sp>
+        <p:nvSpPr>
+          <p:cNvPr id="10" name="Rectangle à coins arrondis 9">
+            <a:extLst>
+              <a:ext uri="{FF2B5EF4-FFF2-40B4-BE49-F238E27FC236}">
+                <a16:creationId xmlns:a16="http://schemas.microsoft.com/office/drawing/2014/main" id="{01097775-60E1-404A-B326-7CAB3B6C2DDA}"/>
+              </a:ext>
+            </a:extLst>
+          </p:cNvPr>
+          <p:cNvSpPr/>
+          <p:nvPr/>
+        </p:nvSpPr>
+        <p:spPr>
+          <a:xfrm>
+            <a:off x="5294332" y="1540961"/>
+            <a:ext cx="1277655" cy="861035"/>
+          </a:xfrm>
+          <a:prstGeom prst="roundRect">
+            <a:avLst/>
+          </a:prstGeom>
+        </p:spPr>
+        <p:style>
+          <a:lnRef idx="2">
+            <a:schemeClr val="accent1">
+              <a:shade val="50000"/>
+            </a:schemeClr>
+          </a:lnRef>
+          <a:fillRef idx="1">
+            <a:schemeClr val="accent1"/>
+          </a:fillRef>
+          <a:effectRef idx="0">
+            <a:schemeClr val="accent1"/>
+          </a:effectRef>
+          <a:fontRef idx="minor">
+            <a:schemeClr val="lt1"/>
+          </a:fontRef>
+        </p:style>
+        <p:txBody>
+          <a:bodyPr rtlCol="0" anchor="ctr"/>
+          <a:lstStyle/>
+          <a:p>
+            <a:pPr algn="ctr"/>
+            <a:r>
+              <a:rPr lang="fr-FR" dirty="0"/>
+              <a:t>Image</a:t>
+            </a:r>
+          </a:p>
+        </p:txBody>
+      </p:sp>
+      <p:sp>
+        <p:nvSpPr>
+          <p:cNvPr id="11" name="ZoneTexte 10">
+            <a:extLst>
+              <a:ext uri="{FF2B5EF4-FFF2-40B4-BE49-F238E27FC236}">
+                <a16:creationId xmlns:a16="http://schemas.microsoft.com/office/drawing/2014/main" id="{6DC65940-502A-DA43-BA2D-8FB04954DCB1}"/>
+              </a:ext>
+            </a:extLst>
+          </p:cNvPr>
+          <p:cNvSpPr txBox="1"/>
+          <p:nvPr/>
+        </p:nvSpPr>
+        <p:spPr>
+          <a:xfrm>
+            <a:off x="5438381" y="5079304"/>
+            <a:ext cx="1511476" cy="369332"/>
+          </a:xfrm>
+          <a:prstGeom prst="rect">
+            <a:avLst/>
+          </a:prstGeom>
+          <a:noFill/>
+        </p:spPr>
+        <p:txBody>
+          <a:bodyPr wrap="square" rtlCol="0">
+            <a:spAutoFit/>
+          </a:bodyPr>
+          <a:lstStyle/>
+          <a:p>
+            <a:r>
+              <a:rPr lang="fr-FR" dirty="0"/>
+              <a:t>SIGN UP</a:t>
+            </a:r>
+          </a:p>
+        </p:txBody>
+      </p:sp>
+    </p:spTree>
+    <p:extLst>
+      <p:ext uri="{BB962C8B-B14F-4D97-AF65-F5344CB8AC3E}">
+        <p14:creationId xmlns:p14="http://schemas.microsoft.com/office/powerpoint/2010/main" val="1899978465"/>
+      </p:ext>
+    </p:extLst>
+  </p:cSld>
+  <p:clrMapOvr>
+    <a:masterClrMapping/>
+  </p:clrMapOvr>
+</p:sld>
+</file>
+
+<file path=ppt/slides/slide16.xml><?xml version="1.0" encoding="utf-8"?>
+<p:sld xmlns:a="http://schemas.openxmlformats.org/drawingml/2006/main" xmlns:r="http://schemas.openxmlformats.org/officeDocument/2006/relationships" xmlns:p="http://schemas.openxmlformats.org/presentationml/2006/main">
+  <p:cSld>
+    <p:spTree>
+      <p:nvGrpSpPr>
+        <p:cNvPr id="1" name=""/>
+        <p:cNvGrpSpPr/>
+        <p:nvPr/>
+      </p:nvGrpSpPr>
+      <p:grpSpPr>
+        <a:xfrm>
+          <a:off x="0" y="0"/>
+          <a:ext cx="0" cy="0"/>
+          <a:chOff x="0" y="0"/>
+          <a:chExt cx="0" cy="0"/>
+        </a:xfrm>
+      </p:grpSpPr>
+      <p:sp>
+        <p:nvSpPr>
+          <p:cNvPr id="2" name="Titre 1" hidden="1">
+            <a:extLst>
+              <a:ext uri="{FF2B5EF4-FFF2-40B4-BE49-F238E27FC236}">
+                <a16:creationId xmlns:a16="http://schemas.microsoft.com/office/drawing/2014/main" id="{678AC2DF-C1FA-4131-8D73-53B34C2A22B9}"/>
+              </a:ext>
+            </a:extLst>
+          </p:cNvPr>
+          <p:cNvSpPr>
+            <a:spLocks noGrp="1"/>
+          </p:cNvSpPr>
+          <p:nvPr>
+            <p:ph type="title"/>
+          </p:nvPr>
+        </p:nvSpPr>
+        <p:spPr/>
+        <p:txBody>
+          <a:bodyPr/>
+          <a:lstStyle/>
+          <a:p>
+            <a:endParaRPr lang="fr-FR"/>
+          </a:p>
+        </p:txBody>
+      </p:sp>
+      <p:sp>
+        <p:nvSpPr>
+          <p:cNvPr id="4" name="Rectangle 3">
+            <a:extLst>
+              <a:ext uri="{FF2B5EF4-FFF2-40B4-BE49-F238E27FC236}">
+                <a16:creationId xmlns:a16="http://schemas.microsoft.com/office/drawing/2014/main" id="{F71F8ED5-F438-9947-9F2F-E4B20946132B}"/>
+              </a:ext>
+            </a:extLst>
+          </p:cNvPr>
+          <p:cNvSpPr/>
+          <p:nvPr/>
+        </p:nvSpPr>
+        <p:spPr>
+          <a:xfrm>
+            <a:off x="1" y="5135671"/>
+            <a:ext cx="12192000" cy="1722329"/>
+          </a:xfrm>
+          <a:prstGeom prst="rect">
+            <a:avLst/>
+          </a:prstGeom>
+          <a:solidFill>
+            <a:schemeClr val="accent3">
+              <a:lumMod val="40000"/>
+              <a:lumOff val="60000"/>
+            </a:schemeClr>
+          </a:solidFill>
+          <a:ln>
+            <a:noFill/>
+          </a:ln>
+        </p:spPr>
+        <p:style>
+          <a:lnRef idx="2">
+            <a:schemeClr val="accent1">
+              <a:shade val="50000"/>
+            </a:schemeClr>
+          </a:lnRef>
+          <a:fillRef idx="1">
+            <a:schemeClr val="accent1"/>
+          </a:fillRef>
+          <a:effectRef idx="0">
+            <a:schemeClr val="accent1"/>
+          </a:effectRef>
+          <a:fontRef idx="minor">
+            <a:schemeClr val="lt1"/>
+          </a:fontRef>
+        </p:style>
+        <p:txBody>
+          <a:bodyPr rtlCol="0" anchor="ctr"/>
+          <a:lstStyle/>
+          <a:p>
+            <a:pPr algn="ctr"/>
+            <a:endParaRPr lang="fr-FR"/>
+          </a:p>
+        </p:txBody>
+      </p:sp>
+      <p:sp>
+        <p:nvSpPr>
+          <p:cNvPr id="5" name="Rectangle 4">
+            <a:extLst>
+              <a:ext uri="{FF2B5EF4-FFF2-40B4-BE49-F238E27FC236}">
+                <a16:creationId xmlns:a16="http://schemas.microsoft.com/office/drawing/2014/main" id="{B6423045-4AFC-564E-9237-ED0EF6458528}"/>
+              </a:ext>
+            </a:extLst>
+          </p:cNvPr>
+          <p:cNvSpPr/>
+          <p:nvPr/>
+        </p:nvSpPr>
+        <p:spPr>
+          <a:xfrm>
+            <a:off x="0" y="6450904"/>
+            <a:ext cx="12192000" cy="597074"/>
+          </a:xfrm>
+          <a:prstGeom prst="rect">
+            <a:avLst/>
+          </a:prstGeom>
+          <a:solidFill>
+            <a:schemeClr val="accent3">
+              <a:lumMod val="60000"/>
+              <a:lumOff val="40000"/>
+            </a:schemeClr>
+          </a:solidFill>
+          <a:ln>
+            <a:noFill/>
+          </a:ln>
+        </p:spPr>
+        <p:style>
+          <a:lnRef idx="2">
+            <a:schemeClr val="accent1">
+              <a:shade val="50000"/>
+            </a:schemeClr>
+          </a:lnRef>
+          <a:fillRef idx="1">
+            <a:schemeClr val="accent1"/>
+          </a:fillRef>
+          <a:effectRef idx="0">
+            <a:schemeClr val="accent1"/>
+          </a:effectRef>
+          <a:fontRef idx="minor">
+            <a:schemeClr val="lt1"/>
+          </a:fontRef>
+        </p:style>
+        <p:txBody>
+          <a:bodyPr rtlCol="0" anchor="ctr"/>
+          <a:lstStyle/>
+          <a:p>
+            <a:pPr algn="ctr"/>
+            <a:r>
+              <a:rPr lang="fr-FR" dirty="0"/>
+              <a:t>2018 Mohamed Serhir</a:t>
+            </a:r>
+          </a:p>
+        </p:txBody>
+      </p:sp>
+      <p:sp>
+        <p:nvSpPr>
+          <p:cNvPr id="7" name="Rectangle 6">
+            <a:extLst>
+              <a:ext uri="{FF2B5EF4-FFF2-40B4-BE49-F238E27FC236}">
+                <a16:creationId xmlns:a16="http://schemas.microsoft.com/office/drawing/2014/main" id="{7215B4D1-405E-D646-9FE8-294F05221FAB}"/>
+              </a:ext>
+            </a:extLst>
+          </p:cNvPr>
+          <p:cNvSpPr/>
+          <p:nvPr/>
+        </p:nvSpPr>
+        <p:spPr>
+          <a:xfrm>
+            <a:off x="2492679" y="5348614"/>
+            <a:ext cx="2931091" cy="889348"/>
+          </a:xfrm>
+          <a:prstGeom prst="rect">
+            <a:avLst/>
+          </a:prstGeom>
+          <a:solidFill>
+            <a:schemeClr val="accent5">
+              <a:lumMod val="60000"/>
+              <a:lumOff val="40000"/>
+            </a:schemeClr>
+          </a:solidFill>
+          <a:ln>
+            <a:noFill/>
+          </a:ln>
+        </p:spPr>
+        <p:style>
+          <a:lnRef idx="2">
+            <a:schemeClr val="accent1">
+              <a:shade val="50000"/>
+            </a:schemeClr>
+          </a:lnRef>
+          <a:fillRef idx="1">
+            <a:schemeClr val="accent1"/>
+          </a:fillRef>
+          <a:effectRef idx="0">
+            <a:schemeClr val="accent1"/>
+          </a:effectRef>
+          <a:fontRef idx="minor">
+            <a:schemeClr val="lt1"/>
+          </a:fontRef>
+        </p:style>
+        <p:txBody>
+          <a:bodyPr rtlCol="0" anchor="ctr"/>
+          <a:lstStyle/>
+          <a:p>
+            <a:pPr algn="ctr"/>
+            <a:r>
+              <a:rPr lang="fr-FR" dirty="0"/>
+              <a:t>Contact</a:t>
+            </a:r>
+          </a:p>
+        </p:txBody>
+      </p:sp>
+      <p:sp>
+        <p:nvSpPr>
+          <p:cNvPr id="8" name="Rectangle 7">
+            <a:extLst>
+              <a:ext uri="{FF2B5EF4-FFF2-40B4-BE49-F238E27FC236}">
+                <a16:creationId xmlns:a16="http://schemas.microsoft.com/office/drawing/2014/main" id="{D2CF58BF-A951-1046-B487-F4E12EF9F7C3}"/>
+              </a:ext>
+            </a:extLst>
+          </p:cNvPr>
+          <p:cNvSpPr/>
+          <p:nvPr/>
+        </p:nvSpPr>
+        <p:spPr>
+          <a:xfrm>
+            <a:off x="6678460" y="5348614"/>
+            <a:ext cx="2931091" cy="889348"/>
+          </a:xfrm>
+          <a:prstGeom prst="rect">
+            <a:avLst/>
+          </a:prstGeom>
+          <a:solidFill>
+            <a:schemeClr val="accent5">
+              <a:lumMod val="60000"/>
+              <a:lumOff val="40000"/>
+            </a:schemeClr>
+          </a:solidFill>
+          <a:ln>
+            <a:noFill/>
+          </a:ln>
+        </p:spPr>
+        <p:style>
+          <a:lnRef idx="2">
+            <a:schemeClr val="accent1">
+              <a:shade val="50000"/>
+            </a:schemeClr>
+          </a:lnRef>
+          <a:fillRef idx="1">
+            <a:schemeClr val="accent1"/>
+          </a:fillRef>
+          <a:effectRef idx="0">
+            <a:schemeClr val="accent1"/>
+          </a:effectRef>
+          <a:fontRef idx="minor">
+            <a:schemeClr val="lt1"/>
+          </a:fontRef>
+        </p:style>
+        <p:txBody>
+          <a:bodyPr rtlCol="0" anchor="ctr"/>
+          <a:lstStyle/>
+          <a:p>
+            <a:pPr algn="ctr"/>
+            <a:r>
+              <a:rPr lang="fr-FR" dirty="0"/>
+              <a:t>Social</a:t>
+            </a:r>
+          </a:p>
+        </p:txBody>
+      </p:sp>
+    </p:spTree>
+    <p:extLst>
+      <p:ext uri="{BB962C8B-B14F-4D97-AF65-F5344CB8AC3E}">
+        <p14:creationId xmlns:p14="http://schemas.microsoft.com/office/powerpoint/2010/main" val="3049691706"/>
       </p:ext>
     </p:extLst>
   </p:cSld>
@@ -1291,7 +3945,7 @@
           <p:cNvPr id="2" name="Titre 1" hidden="1">
             <a:extLst>
               <a:ext uri="{FF2B5EF4-FFF2-40B4-BE49-F238E27FC236}">
-                <a16:creationId xmlns:a16="http://schemas.microsoft.com/office/drawing/2014/main" id="{59BD0A33-16D7-4902-BE74-771A10003FB2}"/>
+                <a16:creationId xmlns:a16="http://schemas.microsoft.com/office/drawing/2014/main" id="{AC67122F-233D-4ED9-91C6-1A1A170B0CBF}"/>
               </a:ext>
             </a:extLst>
           </p:cNvPr>
@@ -1316,7 +3970,7 @@
           <p:cNvPr id="3" name="Image 2">
             <a:extLst>
               <a:ext uri="{FF2B5EF4-FFF2-40B4-BE49-F238E27FC236}">
-                <a16:creationId xmlns:a16="http://schemas.microsoft.com/office/drawing/2014/main" id="{321CB7E9-1F21-4368-8940-F48639903EC1}"/>
+                <a16:creationId xmlns:a16="http://schemas.microsoft.com/office/drawing/2014/main" id="{6F450E87-9F6B-4AC7-A71D-172BE479CC15}"/>
               </a:ext>
             </a:extLst>
           </p:cNvPr>
@@ -1342,7 +3996,7 @@
     </p:spTree>
     <p:extLst>
       <p:ext uri="{BB962C8B-B14F-4D97-AF65-F5344CB8AC3E}">
-        <p14:creationId xmlns:p14="http://schemas.microsoft.com/office/powerpoint/2010/main" val="1100043348"/>
+        <p14:creationId xmlns:p14="http://schemas.microsoft.com/office/powerpoint/2010/main" val="1853373702"/>
       </p:ext>
     </p:extLst>
   </p:cSld>
@@ -1380,7 +4034,7 @@
           <p:cNvPr id="2" name="Titre 1" hidden="1">
             <a:extLst>
               <a:ext uri="{FF2B5EF4-FFF2-40B4-BE49-F238E27FC236}">
-                <a16:creationId xmlns:a16="http://schemas.microsoft.com/office/drawing/2014/main" id="{AC67122F-233D-4ED9-91C6-1A1A170B0CBF}"/>
+                <a16:creationId xmlns:a16="http://schemas.microsoft.com/office/drawing/2014/main" id="{115D8D3A-61A7-429B-90EF-3E7ABBC65D2A}"/>
               </a:ext>
             </a:extLst>
           </p:cNvPr>
@@ -1405,7 +4059,7 @@
           <p:cNvPr id="3" name="Image 2">
             <a:extLst>
               <a:ext uri="{FF2B5EF4-FFF2-40B4-BE49-F238E27FC236}">
-                <a16:creationId xmlns:a16="http://schemas.microsoft.com/office/drawing/2014/main" id="{6F450E87-9F6B-4AC7-A71D-172BE479CC15}"/>
+                <a16:creationId xmlns:a16="http://schemas.microsoft.com/office/drawing/2014/main" id="{5846D6E7-B33B-4F84-9E29-71EFF234FE8A}"/>
               </a:ext>
             </a:extLst>
           </p:cNvPr>
@@ -1431,7 +4085,7 @@
     </p:spTree>
     <p:extLst>
       <p:ext uri="{BB962C8B-B14F-4D97-AF65-F5344CB8AC3E}">
-        <p14:creationId xmlns:p14="http://schemas.microsoft.com/office/powerpoint/2010/main" val="1853373702"/>
+        <p14:creationId xmlns:p14="http://schemas.microsoft.com/office/powerpoint/2010/main" val="1555126899"/>
       </p:ext>
     </p:extLst>
   </p:cSld>
@@ -1444,12 +4098,6 @@
 <file path=ppt/slides/slide4.xml><?xml version="1.0" encoding="utf-8"?>
 <p:sld xmlns:a="http://schemas.openxmlformats.org/drawingml/2006/main" xmlns:r="http://schemas.openxmlformats.org/officeDocument/2006/relationships" xmlns:p="http://schemas.openxmlformats.org/presentationml/2006/main">
   <p:cSld>
-    <p:bg>
-      <p:bgPr>
-        <a:noFill/>
-        <a:effectLst/>
-      </p:bgPr>
-    </p:bg>
     <p:spTree>
       <p:nvGrpSpPr>
         <p:cNvPr id="1" name=""/>
@@ -1466,47 +4114,16 @@
       </p:grpSpPr>
       <p:sp>
         <p:nvSpPr>
-          <p:cNvPr id="2" name="Titre 1" hidden="1">
-            <a:extLst>
-              <a:ext uri="{FF2B5EF4-FFF2-40B4-BE49-F238E27FC236}">
-                <a16:creationId xmlns:a16="http://schemas.microsoft.com/office/drawing/2014/main" id="{115D8D3A-61A7-429B-90EF-3E7ABBC65D2A}"/>
-              </a:ext>
-            </a:extLst>
-          </p:cNvPr>
-          <p:cNvSpPr>
-            <a:spLocks noGrp="1"/>
-          </p:cNvSpPr>
-          <p:nvPr>
-            <p:ph type="title"/>
-          </p:nvPr>
-        </p:nvSpPr>
-        <p:spPr/>
-        <p:txBody>
-          <a:bodyPr/>
-          <a:lstStyle/>
-          <a:p>
-            <a:endParaRPr lang="fr-FR"/>
-          </a:p>
-        </p:txBody>
-      </p:sp>
-      <p:pic>
-        <p:nvPicPr>
-          <p:cNvPr id="3" name="Image 2">
-            <a:extLst>
-              <a:ext uri="{FF2B5EF4-FFF2-40B4-BE49-F238E27FC236}">
-                <a16:creationId xmlns:a16="http://schemas.microsoft.com/office/drawing/2014/main" id="{5846D6E7-B33B-4F84-9E29-71EFF234FE8A}"/>
-              </a:ext>
-            </a:extLst>
-          </p:cNvPr>
-          <p:cNvPicPr/>
-          <p:nvPr/>
-        </p:nvPicPr>
-        <p:blipFill>
-          <a:blip r:embed="rId2"/>
-          <a:stretch>
-            <a:fillRect/>
-          </a:stretch>
-        </p:blipFill>
+          <p:cNvPr id="4" name="Rectangle 3">
+            <a:extLst>
+              <a:ext uri="{FF2B5EF4-FFF2-40B4-BE49-F238E27FC236}">
+                <a16:creationId xmlns:a16="http://schemas.microsoft.com/office/drawing/2014/main" id="{39C2F3F2-E808-3640-92FD-FF868112A731}"/>
+              </a:ext>
+            </a:extLst>
+          </p:cNvPr>
+          <p:cNvSpPr/>
+          <p:nvPr/>
+        </p:nvSpPr>
         <p:spPr>
           <a:xfrm>
             <a:off x="0" y="0"/>
@@ -1515,12 +4132,358 @@
           <a:prstGeom prst="rect">
             <a:avLst/>
           </a:prstGeom>
-        </p:spPr>
-      </p:pic>
+          <a:solidFill>
+            <a:schemeClr val="accent3">
+              <a:lumMod val="60000"/>
+              <a:lumOff val="40000"/>
+            </a:schemeClr>
+          </a:solidFill>
+          <a:ln>
+            <a:noFill/>
+          </a:ln>
+        </p:spPr>
+        <p:style>
+          <a:lnRef idx="3">
+            <a:schemeClr val="lt1"/>
+          </a:lnRef>
+          <a:fillRef idx="1">
+            <a:schemeClr val="accent3"/>
+          </a:fillRef>
+          <a:effectRef idx="1">
+            <a:schemeClr val="accent3"/>
+          </a:effectRef>
+          <a:fontRef idx="minor">
+            <a:schemeClr val="lt1"/>
+          </a:fontRef>
+        </p:style>
+        <p:txBody>
+          <a:bodyPr rtlCol="0" anchor="ctr"/>
+          <a:lstStyle/>
+          <a:p>
+            <a:pPr algn="ctr"/>
+            <a:endParaRPr lang="fr-FR"/>
+          </a:p>
+        </p:txBody>
+      </p:sp>
+      <p:sp>
+        <p:nvSpPr>
+          <p:cNvPr id="5" name="Rectangle 4">
+            <a:extLst>
+              <a:ext uri="{FF2B5EF4-FFF2-40B4-BE49-F238E27FC236}">
+                <a16:creationId xmlns:a16="http://schemas.microsoft.com/office/drawing/2014/main" id="{CDBD435C-E7E7-AE47-ADD6-36C1C479BA99}"/>
+              </a:ext>
+            </a:extLst>
+          </p:cNvPr>
+          <p:cNvSpPr/>
+          <p:nvPr/>
+        </p:nvSpPr>
+        <p:spPr>
+          <a:xfrm>
+            <a:off x="2975956" y="299258"/>
+            <a:ext cx="5719157" cy="748146"/>
+          </a:xfrm>
+          <a:prstGeom prst="rect">
+            <a:avLst/>
+          </a:prstGeom>
+        </p:spPr>
+        <p:style>
+          <a:lnRef idx="2">
+            <a:schemeClr val="accent1">
+              <a:shade val="50000"/>
+            </a:schemeClr>
+          </a:lnRef>
+          <a:fillRef idx="1">
+            <a:schemeClr val="accent1"/>
+          </a:fillRef>
+          <a:effectRef idx="0">
+            <a:schemeClr val="accent1"/>
+          </a:effectRef>
+          <a:fontRef idx="minor">
+            <a:schemeClr val="lt1"/>
+          </a:fontRef>
+        </p:style>
+        <p:txBody>
+          <a:bodyPr rtlCol="0" anchor="ctr"/>
+          <a:lstStyle/>
+          <a:p>
+            <a:pPr algn="ctr"/>
+            <a:r>
+              <a:rPr lang="fr-FR" dirty="0"/>
+              <a:t>Title</a:t>
+            </a:r>
+          </a:p>
+        </p:txBody>
+      </p:sp>
+      <p:sp>
+        <p:nvSpPr>
+          <p:cNvPr id="9" name="Rectangle 8">
+            <a:extLst>
+              <a:ext uri="{FF2B5EF4-FFF2-40B4-BE49-F238E27FC236}">
+                <a16:creationId xmlns:a16="http://schemas.microsoft.com/office/drawing/2014/main" id="{461C2C9F-6291-884F-AA5A-F7F9FA2512A4}"/>
+              </a:ext>
+            </a:extLst>
+          </p:cNvPr>
+          <p:cNvSpPr/>
+          <p:nvPr/>
+        </p:nvSpPr>
+        <p:spPr>
+          <a:xfrm>
+            <a:off x="876823" y="1640909"/>
+            <a:ext cx="3169085" cy="2029217"/>
+          </a:xfrm>
+          <a:prstGeom prst="rect">
+            <a:avLst/>
+          </a:prstGeom>
+        </p:spPr>
+        <p:style>
+          <a:lnRef idx="2">
+            <a:schemeClr val="accent1">
+              <a:shade val="50000"/>
+            </a:schemeClr>
+          </a:lnRef>
+          <a:fillRef idx="1">
+            <a:schemeClr val="accent1"/>
+          </a:fillRef>
+          <a:effectRef idx="0">
+            <a:schemeClr val="accent1"/>
+          </a:effectRef>
+          <a:fontRef idx="minor">
+            <a:schemeClr val="lt1"/>
+          </a:fontRef>
+        </p:style>
+        <p:txBody>
+          <a:bodyPr rtlCol="0" anchor="ctr"/>
+          <a:lstStyle/>
+          <a:p>
+            <a:pPr algn="ctr"/>
+            <a:r>
+              <a:rPr lang="fr-FR" dirty="0" err="1"/>
+              <a:t>Text</a:t>
+            </a:r>
+            <a:endParaRPr lang="fr-FR" dirty="0"/>
+          </a:p>
+        </p:txBody>
+      </p:sp>
+      <p:sp>
+        <p:nvSpPr>
+          <p:cNvPr id="10" name="Rectangle 9">
+            <a:extLst>
+              <a:ext uri="{FF2B5EF4-FFF2-40B4-BE49-F238E27FC236}">
+                <a16:creationId xmlns:a16="http://schemas.microsoft.com/office/drawing/2014/main" id="{48C57616-BC26-5041-A8C3-AC9850F1C068}"/>
+              </a:ext>
+            </a:extLst>
+          </p:cNvPr>
+          <p:cNvSpPr/>
+          <p:nvPr/>
+        </p:nvSpPr>
+        <p:spPr>
+          <a:xfrm>
+            <a:off x="4401304" y="1640909"/>
+            <a:ext cx="3169085" cy="2029217"/>
+          </a:xfrm>
+          <a:prstGeom prst="rect">
+            <a:avLst/>
+          </a:prstGeom>
+        </p:spPr>
+        <p:style>
+          <a:lnRef idx="2">
+            <a:schemeClr val="accent1">
+              <a:shade val="50000"/>
+            </a:schemeClr>
+          </a:lnRef>
+          <a:fillRef idx="1">
+            <a:schemeClr val="accent1"/>
+          </a:fillRef>
+          <a:effectRef idx="0">
+            <a:schemeClr val="accent1"/>
+          </a:effectRef>
+          <a:fontRef idx="minor">
+            <a:schemeClr val="lt1"/>
+          </a:fontRef>
+        </p:style>
+        <p:txBody>
+          <a:bodyPr rtlCol="0" anchor="ctr"/>
+          <a:lstStyle/>
+          <a:p>
+            <a:pPr algn="ctr"/>
+            <a:r>
+              <a:rPr lang="fr-FR" dirty="0" err="1"/>
+              <a:t>Text</a:t>
+            </a:r>
+            <a:endParaRPr lang="fr-FR" dirty="0"/>
+          </a:p>
+        </p:txBody>
+      </p:sp>
+      <p:sp>
+        <p:nvSpPr>
+          <p:cNvPr id="11" name="Rectangle 10">
+            <a:extLst>
+              <a:ext uri="{FF2B5EF4-FFF2-40B4-BE49-F238E27FC236}">
+                <a16:creationId xmlns:a16="http://schemas.microsoft.com/office/drawing/2014/main" id="{52A3ADFA-817F-C649-A2BB-373E36698BA1}"/>
+              </a:ext>
+            </a:extLst>
+          </p:cNvPr>
+          <p:cNvSpPr/>
+          <p:nvPr/>
+        </p:nvSpPr>
+        <p:spPr>
+          <a:xfrm>
+            <a:off x="8156532" y="1640908"/>
+            <a:ext cx="3169085" cy="2029217"/>
+          </a:xfrm>
+          <a:prstGeom prst="rect">
+            <a:avLst/>
+          </a:prstGeom>
+        </p:spPr>
+        <p:style>
+          <a:lnRef idx="2">
+            <a:schemeClr val="accent1">
+              <a:shade val="50000"/>
+            </a:schemeClr>
+          </a:lnRef>
+          <a:fillRef idx="1">
+            <a:schemeClr val="accent1"/>
+          </a:fillRef>
+          <a:effectRef idx="0">
+            <a:schemeClr val="accent1"/>
+          </a:effectRef>
+          <a:fontRef idx="minor">
+            <a:schemeClr val="lt1"/>
+          </a:fontRef>
+        </p:style>
+        <p:txBody>
+          <a:bodyPr rtlCol="0" anchor="ctr"/>
+          <a:lstStyle/>
+          <a:p>
+            <a:pPr algn="ctr"/>
+            <a:r>
+              <a:rPr lang="fr-FR" dirty="0" err="1"/>
+              <a:t>Text</a:t>
+            </a:r>
+            <a:endParaRPr lang="fr-FR" dirty="0"/>
+          </a:p>
+        </p:txBody>
+      </p:sp>
+      <p:sp>
+        <p:nvSpPr>
+          <p:cNvPr id="12" name="Rectangle 11">
+            <a:extLst>
+              <a:ext uri="{FF2B5EF4-FFF2-40B4-BE49-F238E27FC236}">
+                <a16:creationId xmlns:a16="http://schemas.microsoft.com/office/drawing/2014/main" id="{B4B80D3F-A6DE-364C-92F6-C2C8E3A73AF2}"/>
+              </a:ext>
+            </a:extLst>
+          </p:cNvPr>
+          <p:cNvSpPr/>
+          <p:nvPr/>
+        </p:nvSpPr>
+        <p:spPr>
+          <a:xfrm>
+            <a:off x="876823" y="4167295"/>
+            <a:ext cx="6693566" cy="1991638"/>
+          </a:xfrm>
+          <a:prstGeom prst="rect">
+            <a:avLst/>
+          </a:prstGeom>
+          <a:solidFill>
+            <a:schemeClr val="accent1">
+              <a:lumMod val="20000"/>
+              <a:lumOff val="80000"/>
+            </a:schemeClr>
+          </a:solidFill>
+          <a:ln>
+            <a:noFill/>
+          </a:ln>
+        </p:spPr>
+        <p:style>
+          <a:lnRef idx="2">
+            <a:schemeClr val="accent2">
+              <a:shade val="50000"/>
+            </a:schemeClr>
+          </a:lnRef>
+          <a:fillRef idx="1">
+            <a:schemeClr val="accent2"/>
+          </a:fillRef>
+          <a:effectRef idx="0">
+            <a:schemeClr val="accent2"/>
+          </a:effectRef>
+          <a:fontRef idx="minor">
+            <a:schemeClr val="lt1"/>
+          </a:fontRef>
+        </p:style>
+        <p:txBody>
+          <a:bodyPr rtlCol="0" anchor="ctr"/>
+          <a:lstStyle/>
+          <a:p>
+            <a:pPr algn="ctr"/>
+            <a:r>
+              <a:rPr lang="fr-FR" dirty="0"/>
+              <a:t>Image</a:t>
+            </a:r>
+          </a:p>
+        </p:txBody>
+      </p:sp>
+      <p:sp>
+        <p:nvSpPr>
+          <p:cNvPr id="13" name="Rectangle 12">
+            <a:extLst>
+              <a:ext uri="{FF2B5EF4-FFF2-40B4-BE49-F238E27FC236}">
+                <a16:creationId xmlns:a16="http://schemas.microsoft.com/office/drawing/2014/main" id="{26EDE6A8-16FC-C648-9FAD-5263D6FDDA81}"/>
+              </a:ext>
+            </a:extLst>
+          </p:cNvPr>
+          <p:cNvSpPr/>
+          <p:nvPr/>
+        </p:nvSpPr>
+        <p:spPr>
+          <a:xfrm>
+            <a:off x="8101760" y="4167295"/>
+            <a:ext cx="3223857" cy="1991638"/>
+          </a:xfrm>
+          <a:prstGeom prst="rect">
+            <a:avLst/>
+          </a:prstGeom>
+          <a:solidFill>
+            <a:schemeClr val="accent1">
+              <a:lumMod val="20000"/>
+              <a:lumOff val="80000"/>
+            </a:schemeClr>
+          </a:solidFill>
+          <a:ln>
+            <a:noFill/>
+          </a:ln>
+        </p:spPr>
+        <p:style>
+          <a:lnRef idx="2">
+            <a:schemeClr val="accent2">
+              <a:shade val="50000"/>
+            </a:schemeClr>
+          </a:lnRef>
+          <a:fillRef idx="1">
+            <a:schemeClr val="accent2"/>
+          </a:fillRef>
+          <a:effectRef idx="0">
+            <a:schemeClr val="accent2"/>
+          </a:effectRef>
+          <a:fontRef idx="minor">
+            <a:schemeClr val="lt1"/>
+          </a:fontRef>
+        </p:style>
+        <p:txBody>
+          <a:bodyPr rtlCol="0" anchor="ctr"/>
+          <a:lstStyle/>
+          <a:p>
+            <a:pPr algn="ctr"/>
+            <a:r>
+              <a:rPr lang="fr-FR" dirty="0"/>
+              <a:t>Image</a:t>
+            </a:r>
+          </a:p>
+        </p:txBody>
+      </p:sp>
     </p:spTree>
     <p:extLst>
       <p:ext uri="{BB962C8B-B14F-4D97-AF65-F5344CB8AC3E}">
-        <p14:creationId xmlns:p14="http://schemas.microsoft.com/office/powerpoint/2010/main" val="1555126899"/>
+        <p14:creationId xmlns:p14="http://schemas.microsoft.com/office/powerpoint/2010/main" val="44877466"/>
       </p:ext>
     </p:extLst>
   </p:cSld>
@@ -1558,7 +4521,7 @@
           <p:cNvPr id="2" name="Titre 1" hidden="1">
             <a:extLst>
               <a:ext uri="{FF2B5EF4-FFF2-40B4-BE49-F238E27FC236}">
-                <a16:creationId xmlns:a16="http://schemas.microsoft.com/office/drawing/2014/main" id="{E652F4D5-C6A2-4D51-9EFC-AB5228E3959B}"/>
+                <a16:creationId xmlns:a16="http://schemas.microsoft.com/office/drawing/2014/main" id="{678AC2DF-C1FA-4131-8D73-53B34C2A22B9}"/>
               </a:ext>
             </a:extLst>
           </p:cNvPr>
@@ -1578,38 +4541,239 @@
           </a:p>
         </p:txBody>
       </p:sp>
-      <p:pic>
-        <p:nvPicPr>
-          <p:cNvPr id="3" name="Image 2">
-            <a:extLst>
-              <a:ext uri="{FF2B5EF4-FFF2-40B4-BE49-F238E27FC236}">
-                <a16:creationId xmlns:a16="http://schemas.microsoft.com/office/drawing/2014/main" id="{27997EE9-D48A-4FBF-B797-AC74F01937F2}"/>
-              </a:ext>
-            </a:extLst>
-          </p:cNvPr>
-          <p:cNvPicPr/>
-          <p:nvPr/>
-        </p:nvPicPr>
-        <p:blipFill>
-          <a:blip r:embed="rId2"/>
-          <a:stretch>
-            <a:fillRect/>
-          </a:stretch>
-        </p:blipFill>
-        <p:spPr>
-          <a:xfrm>
-            <a:off x="0" y="0"/>
-            <a:ext cx="12192000" cy="6858000"/>
-          </a:xfrm>
-          <a:prstGeom prst="rect">
-            <a:avLst/>
-          </a:prstGeom>
-        </p:spPr>
-      </p:pic>
+      <p:sp>
+        <p:nvSpPr>
+          <p:cNvPr id="4" name="Rectangle 3">
+            <a:extLst>
+              <a:ext uri="{FF2B5EF4-FFF2-40B4-BE49-F238E27FC236}">
+                <a16:creationId xmlns:a16="http://schemas.microsoft.com/office/drawing/2014/main" id="{F71F8ED5-F438-9947-9F2F-E4B20946132B}"/>
+              </a:ext>
+            </a:extLst>
+          </p:cNvPr>
+          <p:cNvSpPr/>
+          <p:nvPr/>
+        </p:nvSpPr>
+        <p:spPr>
+          <a:xfrm>
+            <a:off x="1" y="5135671"/>
+            <a:ext cx="12192000" cy="1722329"/>
+          </a:xfrm>
+          <a:prstGeom prst="rect">
+            <a:avLst/>
+          </a:prstGeom>
+          <a:solidFill>
+            <a:schemeClr val="accent3">
+              <a:lumMod val="40000"/>
+              <a:lumOff val="60000"/>
+            </a:schemeClr>
+          </a:solidFill>
+          <a:ln>
+            <a:noFill/>
+          </a:ln>
+        </p:spPr>
+        <p:style>
+          <a:lnRef idx="2">
+            <a:schemeClr val="accent1">
+              <a:shade val="50000"/>
+            </a:schemeClr>
+          </a:lnRef>
+          <a:fillRef idx="1">
+            <a:schemeClr val="accent1"/>
+          </a:fillRef>
+          <a:effectRef idx="0">
+            <a:schemeClr val="accent1"/>
+          </a:effectRef>
+          <a:fontRef idx="minor">
+            <a:schemeClr val="lt1"/>
+          </a:fontRef>
+        </p:style>
+        <p:txBody>
+          <a:bodyPr rtlCol="0" anchor="ctr"/>
+          <a:lstStyle/>
+          <a:p>
+            <a:pPr algn="ctr"/>
+            <a:endParaRPr lang="fr-FR"/>
+          </a:p>
+        </p:txBody>
+      </p:sp>
+      <p:sp>
+        <p:nvSpPr>
+          <p:cNvPr id="5" name="Rectangle 4">
+            <a:extLst>
+              <a:ext uri="{FF2B5EF4-FFF2-40B4-BE49-F238E27FC236}">
+                <a16:creationId xmlns:a16="http://schemas.microsoft.com/office/drawing/2014/main" id="{B6423045-4AFC-564E-9237-ED0EF6458528}"/>
+              </a:ext>
+            </a:extLst>
+          </p:cNvPr>
+          <p:cNvSpPr/>
+          <p:nvPr/>
+        </p:nvSpPr>
+        <p:spPr>
+          <a:xfrm>
+            <a:off x="0" y="6450904"/>
+            <a:ext cx="12192000" cy="597074"/>
+          </a:xfrm>
+          <a:prstGeom prst="rect">
+            <a:avLst/>
+          </a:prstGeom>
+          <a:solidFill>
+            <a:schemeClr val="accent3">
+              <a:lumMod val="60000"/>
+              <a:lumOff val="40000"/>
+            </a:schemeClr>
+          </a:solidFill>
+          <a:ln>
+            <a:noFill/>
+          </a:ln>
+        </p:spPr>
+        <p:style>
+          <a:lnRef idx="2">
+            <a:schemeClr val="accent1">
+              <a:shade val="50000"/>
+            </a:schemeClr>
+          </a:lnRef>
+          <a:fillRef idx="1">
+            <a:schemeClr val="accent1"/>
+          </a:fillRef>
+          <a:effectRef idx="0">
+            <a:schemeClr val="accent1"/>
+          </a:effectRef>
+          <a:fontRef idx="minor">
+            <a:schemeClr val="lt1"/>
+          </a:fontRef>
+        </p:style>
+        <p:txBody>
+          <a:bodyPr rtlCol="0" anchor="ctr"/>
+          <a:lstStyle/>
+          <a:p>
+            <a:pPr algn="ctr"/>
+            <a:r>
+              <a:rPr lang="fr-FR" dirty="0"/>
+              <a:t>2018 Mohamed Serhir</a:t>
+            </a:r>
+          </a:p>
+        </p:txBody>
+      </p:sp>
+      <p:sp>
+        <p:nvSpPr>
+          <p:cNvPr id="7" name="Rectangle 6">
+            <a:extLst>
+              <a:ext uri="{FF2B5EF4-FFF2-40B4-BE49-F238E27FC236}">
+                <a16:creationId xmlns:a16="http://schemas.microsoft.com/office/drawing/2014/main" id="{7215B4D1-405E-D646-9FE8-294F05221FAB}"/>
+              </a:ext>
+            </a:extLst>
+          </p:cNvPr>
+          <p:cNvSpPr/>
+          <p:nvPr/>
+        </p:nvSpPr>
+        <p:spPr>
+          <a:xfrm>
+            <a:off x="2492679" y="5348614"/>
+            <a:ext cx="2931091" cy="889348"/>
+          </a:xfrm>
+          <a:prstGeom prst="rect">
+            <a:avLst/>
+          </a:prstGeom>
+          <a:solidFill>
+            <a:schemeClr val="accent5">
+              <a:lumMod val="60000"/>
+              <a:lumOff val="40000"/>
+            </a:schemeClr>
+          </a:solidFill>
+          <a:ln>
+            <a:noFill/>
+          </a:ln>
+        </p:spPr>
+        <p:style>
+          <a:lnRef idx="2">
+            <a:schemeClr val="accent1">
+              <a:shade val="50000"/>
+            </a:schemeClr>
+          </a:lnRef>
+          <a:fillRef idx="1">
+            <a:schemeClr val="accent1"/>
+          </a:fillRef>
+          <a:effectRef idx="0">
+            <a:schemeClr val="accent1"/>
+          </a:effectRef>
+          <a:fontRef idx="minor">
+            <a:schemeClr val="lt1"/>
+          </a:fontRef>
+        </p:style>
+        <p:txBody>
+          <a:bodyPr rtlCol="0" anchor="ctr"/>
+          <a:lstStyle/>
+          <a:p>
+            <a:pPr algn="ctr"/>
+            <a:r>
+              <a:rPr lang="fr-FR" dirty="0"/>
+              <a:t>Contact</a:t>
+            </a:r>
+          </a:p>
+        </p:txBody>
+      </p:sp>
+      <p:sp>
+        <p:nvSpPr>
+          <p:cNvPr id="8" name="Rectangle 7">
+            <a:extLst>
+              <a:ext uri="{FF2B5EF4-FFF2-40B4-BE49-F238E27FC236}">
+                <a16:creationId xmlns:a16="http://schemas.microsoft.com/office/drawing/2014/main" id="{D2CF58BF-A951-1046-B487-F4E12EF9F7C3}"/>
+              </a:ext>
+            </a:extLst>
+          </p:cNvPr>
+          <p:cNvSpPr/>
+          <p:nvPr/>
+        </p:nvSpPr>
+        <p:spPr>
+          <a:xfrm>
+            <a:off x="6678460" y="5348614"/>
+            <a:ext cx="2931091" cy="889348"/>
+          </a:xfrm>
+          <a:prstGeom prst="rect">
+            <a:avLst/>
+          </a:prstGeom>
+          <a:solidFill>
+            <a:schemeClr val="accent5">
+              <a:lumMod val="60000"/>
+              <a:lumOff val="40000"/>
+            </a:schemeClr>
+          </a:solidFill>
+          <a:ln>
+            <a:noFill/>
+          </a:ln>
+        </p:spPr>
+        <p:style>
+          <a:lnRef idx="2">
+            <a:schemeClr val="accent1">
+              <a:shade val="50000"/>
+            </a:schemeClr>
+          </a:lnRef>
+          <a:fillRef idx="1">
+            <a:schemeClr val="accent1"/>
+          </a:fillRef>
+          <a:effectRef idx="0">
+            <a:schemeClr val="accent1"/>
+          </a:effectRef>
+          <a:fontRef idx="minor">
+            <a:schemeClr val="lt1"/>
+          </a:fontRef>
+        </p:style>
+        <p:txBody>
+          <a:bodyPr rtlCol="0" anchor="ctr"/>
+          <a:lstStyle/>
+          <a:p>
+            <a:pPr algn="ctr"/>
+            <a:r>
+              <a:rPr lang="fr-FR" dirty="0"/>
+              <a:t>Social</a:t>
+            </a:r>
+          </a:p>
+        </p:txBody>
+      </p:sp>
     </p:spTree>
     <p:extLst>
       <p:ext uri="{BB962C8B-B14F-4D97-AF65-F5344CB8AC3E}">
-        <p14:creationId xmlns:p14="http://schemas.microsoft.com/office/powerpoint/2010/main" val="4205314265"/>
+        <p14:creationId xmlns:p14="http://schemas.microsoft.com/office/powerpoint/2010/main" val="38793799"/>
       </p:ext>
     </p:extLst>
   </p:cSld>
@@ -1622,12 +4786,6 @@
 <file path=ppt/slides/slide6.xml><?xml version="1.0" encoding="utf-8"?>
 <p:sld xmlns:a="http://schemas.openxmlformats.org/drawingml/2006/main" xmlns:r="http://schemas.openxmlformats.org/officeDocument/2006/relationships" xmlns:p="http://schemas.openxmlformats.org/presentationml/2006/main">
   <p:cSld>
-    <p:bg>
-      <p:bgPr>
-        <a:noFill/>
-        <a:effectLst/>
-      </p:bgPr>
-    </p:bg>
     <p:spTree>
       <p:nvGrpSpPr>
         <p:cNvPr id="1" name=""/>
@@ -1644,61 +4802,643 @@
       </p:grpSpPr>
       <p:sp>
         <p:nvSpPr>
-          <p:cNvPr id="2" name="Titre 1" hidden="1">
-            <a:extLst>
-              <a:ext uri="{FF2B5EF4-FFF2-40B4-BE49-F238E27FC236}">
-                <a16:creationId xmlns:a16="http://schemas.microsoft.com/office/drawing/2014/main" id="{678AC2DF-C1FA-4131-8D73-53B34C2A22B9}"/>
-              </a:ext>
-            </a:extLst>
-          </p:cNvPr>
-          <p:cNvSpPr>
-            <a:spLocks noGrp="1"/>
-          </p:cNvSpPr>
-          <p:nvPr>
-            <p:ph type="title"/>
-          </p:nvPr>
-        </p:nvSpPr>
-        <p:spPr/>
-        <p:txBody>
-          <a:bodyPr/>
-          <a:lstStyle/>
-          <a:p>
+          <p:cNvPr id="3" name="Rectangle 2">
+            <a:extLst>
+              <a:ext uri="{FF2B5EF4-FFF2-40B4-BE49-F238E27FC236}">
+                <a16:creationId xmlns:a16="http://schemas.microsoft.com/office/drawing/2014/main" id="{420CB9B4-65A4-9947-947E-4116B9D4A880}"/>
+              </a:ext>
+            </a:extLst>
+          </p:cNvPr>
+          <p:cNvSpPr/>
+          <p:nvPr/>
+        </p:nvSpPr>
+        <p:spPr>
+          <a:xfrm>
+            <a:off x="0" y="0"/>
+            <a:ext cx="12192000" cy="739036"/>
+          </a:xfrm>
+          <a:prstGeom prst="rect">
+            <a:avLst/>
+          </a:prstGeom>
+          <a:ln>
+            <a:noFill/>
+          </a:ln>
+        </p:spPr>
+        <p:style>
+          <a:lnRef idx="2">
+            <a:schemeClr val="accent1">
+              <a:shade val="50000"/>
+            </a:schemeClr>
+          </a:lnRef>
+          <a:fillRef idx="1">
+            <a:schemeClr val="accent1"/>
+          </a:fillRef>
+          <a:effectRef idx="0">
+            <a:schemeClr val="accent1"/>
+          </a:effectRef>
+          <a:fontRef idx="minor">
+            <a:schemeClr val="lt1"/>
+          </a:fontRef>
+        </p:style>
+        <p:txBody>
+          <a:bodyPr rtlCol="0" anchor="ctr"/>
+          <a:lstStyle/>
+          <a:p>
+            <a:pPr algn="ctr"/>
             <a:endParaRPr lang="fr-FR"/>
           </a:p>
         </p:txBody>
       </p:sp>
-      <p:pic>
-        <p:nvPicPr>
-          <p:cNvPr id="3" name="Image 2">
-            <a:extLst>
-              <a:ext uri="{FF2B5EF4-FFF2-40B4-BE49-F238E27FC236}">
-                <a16:creationId xmlns:a16="http://schemas.microsoft.com/office/drawing/2014/main" id="{E08DA03A-9669-4004-820C-75FB0E88DEAB}"/>
-              </a:ext>
-            </a:extLst>
-          </p:cNvPr>
-          <p:cNvPicPr/>
-          <p:nvPr/>
-        </p:nvPicPr>
-        <p:blipFill>
-          <a:blip r:embed="rId2"/>
-          <a:stretch>
-            <a:fillRect/>
-          </a:stretch>
-        </p:blipFill>
-        <p:spPr>
-          <a:xfrm>
-            <a:off x="0" y="0"/>
-            <a:ext cx="12192000" cy="6858000"/>
-          </a:xfrm>
-          <a:prstGeom prst="rect">
-            <a:avLst/>
-          </a:prstGeom>
-        </p:spPr>
-      </p:pic>
+      <p:sp>
+        <p:nvSpPr>
+          <p:cNvPr id="4" name="Ellipse 3">
+            <a:extLst>
+              <a:ext uri="{FF2B5EF4-FFF2-40B4-BE49-F238E27FC236}">
+                <a16:creationId xmlns:a16="http://schemas.microsoft.com/office/drawing/2014/main" id="{DA7345E0-0977-E445-A855-F76B49D311FB}"/>
+              </a:ext>
+            </a:extLst>
+          </p:cNvPr>
+          <p:cNvSpPr/>
+          <p:nvPr/>
+        </p:nvSpPr>
+        <p:spPr>
+          <a:xfrm>
+            <a:off x="413359" y="62630"/>
+            <a:ext cx="613775" cy="626302"/>
+          </a:xfrm>
+          <a:prstGeom prst="ellipse">
+            <a:avLst/>
+          </a:prstGeom>
+          <a:ln>
+            <a:noFill/>
+          </a:ln>
+        </p:spPr>
+        <p:style>
+          <a:lnRef idx="2">
+            <a:schemeClr val="accent2">
+              <a:shade val="50000"/>
+            </a:schemeClr>
+          </a:lnRef>
+          <a:fillRef idx="1">
+            <a:schemeClr val="accent2"/>
+          </a:fillRef>
+          <a:effectRef idx="0">
+            <a:schemeClr val="accent2"/>
+          </a:effectRef>
+          <a:fontRef idx="minor">
+            <a:schemeClr val="lt1"/>
+          </a:fontRef>
+        </p:style>
+        <p:txBody>
+          <a:bodyPr rtlCol="0" anchor="ctr"/>
+          <a:lstStyle/>
+          <a:p>
+            <a:pPr algn="ctr"/>
+            <a:endParaRPr lang="fr-FR"/>
+          </a:p>
+        </p:txBody>
+      </p:sp>
+      <p:sp>
+        <p:nvSpPr>
+          <p:cNvPr id="5" name="Rectangle 4">
+            <a:extLst>
+              <a:ext uri="{FF2B5EF4-FFF2-40B4-BE49-F238E27FC236}">
+                <a16:creationId xmlns:a16="http://schemas.microsoft.com/office/drawing/2014/main" id="{1FBA54EF-D64D-4B43-BE8E-1E96725762F5}"/>
+              </a:ext>
+            </a:extLst>
+          </p:cNvPr>
+          <p:cNvSpPr/>
+          <p:nvPr/>
+        </p:nvSpPr>
+        <p:spPr>
+          <a:xfrm>
+            <a:off x="10371551" y="200416"/>
+            <a:ext cx="1240076" cy="375781"/>
+          </a:xfrm>
+          <a:prstGeom prst="rect">
+            <a:avLst/>
+          </a:prstGeom>
+          <a:ln>
+            <a:noFill/>
+          </a:ln>
+        </p:spPr>
+        <p:style>
+          <a:lnRef idx="2">
+            <a:schemeClr val="accent2">
+              <a:shade val="50000"/>
+            </a:schemeClr>
+          </a:lnRef>
+          <a:fillRef idx="1">
+            <a:schemeClr val="accent2"/>
+          </a:fillRef>
+          <a:effectRef idx="0">
+            <a:schemeClr val="accent2"/>
+          </a:effectRef>
+          <a:fontRef idx="minor">
+            <a:schemeClr val="lt1"/>
+          </a:fontRef>
+        </p:style>
+        <p:txBody>
+          <a:bodyPr rtlCol="0" anchor="ctr"/>
+          <a:lstStyle/>
+          <a:p>
+            <a:pPr algn="ctr"/>
+            <a:endParaRPr lang="fr-FR"/>
+          </a:p>
+        </p:txBody>
+      </p:sp>
+      <p:sp>
+        <p:nvSpPr>
+          <p:cNvPr id="6" name="Rectangle 5">
+            <a:extLst>
+              <a:ext uri="{FF2B5EF4-FFF2-40B4-BE49-F238E27FC236}">
+                <a16:creationId xmlns:a16="http://schemas.microsoft.com/office/drawing/2014/main" id="{A859E05C-604E-1340-9BC3-D706B702BE5C}"/>
+              </a:ext>
+            </a:extLst>
+          </p:cNvPr>
+          <p:cNvSpPr/>
+          <p:nvPr/>
+        </p:nvSpPr>
+        <p:spPr>
+          <a:xfrm>
+            <a:off x="8870515" y="200416"/>
+            <a:ext cx="1240076" cy="375781"/>
+          </a:xfrm>
+          <a:prstGeom prst="rect">
+            <a:avLst/>
+          </a:prstGeom>
+          <a:ln>
+            <a:noFill/>
+          </a:ln>
+        </p:spPr>
+        <p:style>
+          <a:lnRef idx="2">
+            <a:schemeClr val="accent2">
+              <a:shade val="50000"/>
+            </a:schemeClr>
+          </a:lnRef>
+          <a:fillRef idx="1">
+            <a:schemeClr val="accent2"/>
+          </a:fillRef>
+          <a:effectRef idx="0">
+            <a:schemeClr val="accent2"/>
+          </a:effectRef>
+          <a:fontRef idx="minor">
+            <a:schemeClr val="lt1"/>
+          </a:fontRef>
+        </p:style>
+        <p:txBody>
+          <a:bodyPr rtlCol="0" anchor="ctr"/>
+          <a:lstStyle/>
+          <a:p>
+            <a:pPr algn="ctr"/>
+            <a:endParaRPr lang="fr-FR"/>
+          </a:p>
+        </p:txBody>
+      </p:sp>
+      <p:sp>
+        <p:nvSpPr>
+          <p:cNvPr id="7" name="Rectangle 6">
+            <a:extLst>
+              <a:ext uri="{FF2B5EF4-FFF2-40B4-BE49-F238E27FC236}">
+                <a16:creationId xmlns:a16="http://schemas.microsoft.com/office/drawing/2014/main" id="{9FADA076-B2BA-B44E-9D1E-1961C57A27C5}"/>
+              </a:ext>
+            </a:extLst>
+          </p:cNvPr>
+          <p:cNvSpPr/>
+          <p:nvPr/>
+        </p:nvSpPr>
+        <p:spPr>
+          <a:xfrm>
+            <a:off x="7452985" y="219206"/>
+            <a:ext cx="1240076" cy="375781"/>
+          </a:xfrm>
+          <a:prstGeom prst="rect">
+            <a:avLst/>
+          </a:prstGeom>
+          <a:ln>
+            <a:noFill/>
+          </a:ln>
+        </p:spPr>
+        <p:style>
+          <a:lnRef idx="2">
+            <a:schemeClr val="accent2">
+              <a:shade val="50000"/>
+            </a:schemeClr>
+          </a:lnRef>
+          <a:fillRef idx="1">
+            <a:schemeClr val="accent2"/>
+          </a:fillRef>
+          <a:effectRef idx="0">
+            <a:schemeClr val="accent2"/>
+          </a:effectRef>
+          <a:fontRef idx="minor">
+            <a:schemeClr val="lt1"/>
+          </a:fontRef>
+        </p:style>
+        <p:txBody>
+          <a:bodyPr rtlCol="0" anchor="ctr"/>
+          <a:lstStyle/>
+          <a:p>
+            <a:pPr algn="ctr"/>
+            <a:endParaRPr lang="fr-FR"/>
+          </a:p>
+        </p:txBody>
+      </p:sp>
+      <p:sp>
+        <p:nvSpPr>
+          <p:cNvPr id="8" name="Rectangle 7">
+            <a:extLst>
+              <a:ext uri="{FF2B5EF4-FFF2-40B4-BE49-F238E27FC236}">
+                <a16:creationId xmlns:a16="http://schemas.microsoft.com/office/drawing/2014/main" id="{F2E69BA2-3BA6-FB43-BACD-6780092E08C6}"/>
+              </a:ext>
+            </a:extLst>
+          </p:cNvPr>
+          <p:cNvSpPr/>
+          <p:nvPr/>
+        </p:nvSpPr>
+        <p:spPr>
+          <a:xfrm>
+            <a:off x="5951949" y="219206"/>
+            <a:ext cx="1240076" cy="375781"/>
+          </a:xfrm>
+          <a:prstGeom prst="rect">
+            <a:avLst/>
+          </a:prstGeom>
+          <a:ln>
+            <a:noFill/>
+          </a:ln>
+        </p:spPr>
+        <p:style>
+          <a:lnRef idx="2">
+            <a:schemeClr val="accent2">
+              <a:shade val="50000"/>
+            </a:schemeClr>
+          </a:lnRef>
+          <a:fillRef idx="1">
+            <a:schemeClr val="accent2"/>
+          </a:fillRef>
+          <a:effectRef idx="0">
+            <a:schemeClr val="accent2"/>
+          </a:effectRef>
+          <a:fontRef idx="minor">
+            <a:schemeClr val="lt1"/>
+          </a:fontRef>
+        </p:style>
+        <p:txBody>
+          <a:bodyPr rtlCol="0" anchor="ctr"/>
+          <a:lstStyle/>
+          <a:p>
+            <a:pPr algn="ctr"/>
+            <a:endParaRPr lang="fr-FR"/>
+          </a:p>
+        </p:txBody>
+      </p:sp>
+      <p:sp>
+        <p:nvSpPr>
+          <p:cNvPr id="9" name="Rectangle 8">
+            <a:extLst>
+              <a:ext uri="{FF2B5EF4-FFF2-40B4-BE49-F238E27FC236}">
+                <a16:creationId xmlns:a16="http://schemas.microsoft.com/office/drawing/2014/main" id="{4E2B45A8-0DC5-904E-A1F0-222CDE99FF03}"/>
+              </a:ext>
+            </a:extLst>
+          </p:cNvPr>
+          <p:cNvSpPr/>
+          <p:nvPr/>
+        </p:nvSpPr>
+        <p:spPr>
+          <a:xfrm>
+            <a:off x="0" y="739036"/>
+            <a:ext cx="12192000" cy="6118964"/>
+          </a:xfrm>
+          <a:prstGeom prst="rect">
+            <a:avLst/>
+          </a:prstGeom>
+          <a:solidFill>
+            <a:schemeClr val="accent3">
+              <a:lumMod val="60000"/>
+              <a:lumOff val="40000"/>
+            </a:schemeClr>
+          </a:solidFill>
+          <a:ln>
+            <a:noFill/>
+          </a:ln>
+        </p:spPr>
+        <p:style>
+          <a:lnRef idx="2">
+            <a:schemeClr val="accent3">
+              <a:shade val="50000"/>
+            </a:schemeClr>
+          </a:lnRef>
+          <a:fillRef idx="1">
+            <a:schemeClr val="accent3"/>
+          </a:fillRef>
+          <a:effectRef idx="0">
+            <a:schemeClr val="accent3"/>
+          </a:effectRef>
+          <a:fontRef idx="minor">
+            <a:schemeClr val="lt1"/>
+          </a:fontRef>
+        </p:style>
+        <p:txBody>
+          <a:bodyPr rtlCol="0" anchor="ctr"/>
+          <a:lstStyle/>
+          <a:p>
+            <a:pPr algn="ctr"/>
+            <a:endParaRPr lang="fr-FR"/>
+          </a:p>
+        </p:txBody>
+      </p:sp>
+      <p:sp>
+        <p:nvSpPr>
+          <p:cNvPr id="10" name="ZoneTexte 9">
+            <a:extLst>
+              <a:ext uri="{FF2B5EF4-FFF2-40B4-BE49-F238E27FC236}">
+                <a16:creationId xmlns:a16="http://schemas.microsoft.com/office/drawing/2014/main" id="{940BA99F-6A7C-E94B-891D-CFF2F38E331B}"/>
+              </a:ext>
+            </a:extLst>
+          </p:cNvPr>
+          <p:cNvSpPr txBox="1"/>
+          <p:nvPr/>
+        </p:nvSpPr>
+        <p:spPr>
+          <a:xfrm>
+            <a:off x="3778685" y="2041742"/>
+            <a:ext cx="4634630" cy="830997"/>
+          </a:xfrm>
+          <a:prstGeom prst="rect">
+            <a:avLst/>
+          </a:prstGeom>
+          <a:noFill/>
+        </p:spPr>
+        <p:txBody>
+          <a:bodyPr wrap="square" rtlCol="0">
+            <a:spAutoFit/>
+          </a:bodyPr>
+          <a:lstStyle/>
+          <a:p>
+            <a:r>
+              <a:rPr lang="fr-FR" sz="4800" b="1" dirty="0"/>
+              <a:t>COLLECTION</a:t>
+            </a:r>
+          </a:p>
+        </p:txBody>
+      </p:sp>
+      <p:sp>
+        <p:nvSpPr>
+          <p:cNvPr id="11" name="Rectangle 10">
+            <a:extLst>
+              <a:ext uri="{FF2B5EF4-FFF2-40B4-BE49-F238E27FC236}">
+                <a16:creationId xmlns:a16="http://schemas.microsoft.com/office/drawing/2014/main" id="{00281D1B-56B5-5840-8944-851AAED42D2B}"/>
+              </a:ext>
+            </a:extLst>
+          </p:cNvPr>
+          <p:cNvSpPr/>
+          <p:nvPr/>
+        </p:nvSpPr>
+        <p:spPr>
+          <a:xfrm>
+            <a:off x="2837145" y="3624301"/>
+            <a:ext cx="5688904" cy="425885"/>
+          </a:xfrm>
+          <a:prstGeom prst="rect">
+            <a:avLst/>
+          </a:prstGeom>
+          <a:gradFill flip="none" rotWithShape="1">
+            <a:gsLst>
+              <a:gs pos="0">
+                <a:schemeClr val="accent5">
+                  <a:lumMod val="60000"/>
+                  <a:lumOff val="40000"/>
+                  <a:shade val="30000"/>
+                  <a:satMod val="115000"/>
+                </a:schemeClr>
+              </a:gs>
+              <a:gs pos="50000">
+                <a:schemeClr val="accent5">
+                  <a:lumMod val="60000"/>
+                  <a:lumOff val="40000"/>
+                  <a:shade val="67500"/>
+                  <a:satMod val="115000"/>
+                </a:schemeClr>
+              </a:gs>
+              <a:gs pos="100000">
+                <a:schemeClr val="accent5">
+                  <a:lumMod val="60000"/>
+                  <a:lumOff val="40000"/>
+                  <a:shade val="100000"/>
+                  <a:satMod val="115000"/>
+                </a:schemeClr>
+              </a:gs>
+            </a:gsLst>
+            <a:lin ang="16200000" scaled="1"/>
+            <a:tileRect/>
+          </a:gradFill>
+          <a:ln>
+            <a:noFill/>
+          </a:ln>
+        </p:spPr>
+        <p:style>
+          <a:lnRef idx="2">
+            <a:schemeClr val="accent1">
+              <a:shade val="50000"/>
+            </a:schemeClr>
+          </a:lnRef>
+          <a:fillRef idx="1">
+            <a:schemeClr val="accent1"/>
+          </a:fillRef>
+          <a:effectRef idx="0">
+            <a:schemeClr val="accent1"/>
+          </a:effectRef>
+          <a:fontRef idx="minor">
+            <a:schemeClr val="lt1"/>
+          </a:fontRef>
+        </p:style>
+        <p:txBody>
+          <a:bodyPr rot="0" spcFirstLastPara="0" vertOverflow="overflow" horzOverflow="overflow" vert="horz" wrap="square" lIns="91440" tIns="45720" rIns="91440" bIns="45720" numCol="1" spcCol="0" rtlCol="0" fromWordArt="0" anchor="ctr" anchorCtr="0" forceAA="0" compatLnSpc="1">
+            <a:prstTxWarp prst="textNoShape">
+              <a:avLst/>
+            </a:prstTxWarp>
+            <a:noAutofit/>
+          </a:bodyPr>
+          <a:lstStyle/>
+          <a:p>
+            <a:pPr algn="ctr"/>
+            <a:endParaRPr lang="fr-FR" dirty="0">
+              <a:ln w="0"/>
+              <a:gradFill flip="none" rotWithShape="1">
+                <a:gsLst>
+                  <a:gs pos="0">
+                    <a:schemeClr val="tx1">
+                      <a:tint val="66000"/>
+                      <a:satMod val="160000"/>
+                    </a:schemeClr>
+                  </a:gs>
+                  <a:gs pos="50000">
+                    <a:schemeClr val="tx1">
+                      <a:tint val="44500"/>
+                      <a:satMod val="160000"/>
+                    </a:schemeClr>
+                  </a:gs>
+                  <a:gs pos="100000">
+                    <a:schemeClr val="tx1">
+                      <a:tint val="23500"/>
+                      <a:satMod val="160000"/>
+                    </a:schemeClr>
+                  </a:gs>
+                </a:gsLst>
+                <a:lin ang="16200000" scaled="1"/>
+                <a:tileRect/>
+              </a:gradFill>
+              <a:effectLst>
+                <a:outerShdw blurRad="38100" dist="19050" dir="2700000" algn="tl" rotWithShape="0">
+                  <a:schemeClr val="dk1">
+                    <a:alpha val="40000"/>
+                  </a:schemeClr>
+                </a:outerShdw>
+              </a:effectLst>
+            </a:endParaRPr>
+          </a:p>
+        </p:txBody>
+      </p:sp>
+      <p:sp>
+        <p:nvSpPr>
+          <p:cNvPr id="12" name="Rectangle 11">
+            <a:extLst>
+              <a:ext uri="{FF2B5EF4-FFF2-40B4-BE49-F238E27FC236}">
+                <a16:creationId xmlns:a16="http://schemas.microsoft.com/office/drawing/2014/main" id="{CD46FC2B-ADA5-8349-9DC8-4464D962D3DF}"/>
+              </a:ext>
+            </a:extLst>
+          </p:cNvPr>
+          <p:cNvSpPr/>
+          <p:nvPr/>
+        </p:nvSpPr>
+        <p:spPr>
+          <a:xfrm>
+            <a:off x="7304759" y="3611775"/>
+            <a:ext cx="1221290" cy="438411"/>
+          </a:xfrm>
+          <a:prstGeom prst="rect">
+            <a:avLst/>
+          </a:prstGeom>
+          <a:gradFill flip="none" rotWithShape="1">
+            <a:gsLst>
+              <a:gs pos="0">
+                <a:schemeClr val="accent5">
+                  <a:lumMod val="75000"/>
+                  <a:tint val="66000"/>
+                  <a:satMod val="160000"/>
+                </a:schemeClr>
+              </a:gs>
+              <a:gs pos="50000">
+                <a:schemeClr val="accent5">
+                  <a:lumMod val="75000"/>
+                  <a:tint val="44500"/>
+                  <a:satMod val="160000"/>
+                </a:schemeClr>
+              </a:gs>
+              <a:gs pos="100000">
+                <a:schemeClr val="accent5">
+                  <a:lumMod val="75000"/>
+                  <a:tint val="23500"/>
+                  <a:satMod val="160000"/>
+                </a:schemeClr>
+              </a:gs>
+            </a:gsLst>
+            <a:lin ang="16200000" scaled="1"/>
+            <a:tileRect/>
+          </a:gradFill>
+          <a:ln>
+            <a:noFill/>
+          </a:ln>
+        </p:spPr>
+        <p:style>
+          <a:lnRef idx="2">
+            <a:schemeClr val="accent1">
+              <a:shade val="50000"/>
+            </a:schemeClr>
+          </a:lnRef>
+          <a:fillRef idx="1">
+            <a:schemeClr val="accent1"/>
+          </a:fillRef>
+          <a:effectRef idx="0">
+            <a:schemeClr val="accent1"/>
+          </a:effectRef>
+          <a:fontRef idx="minor">
+            <a:schemeClr val="lt1"/>
+          </a:fontRef>
+        </p:style>
+        <p:txBody>
+          <a:bodyPr rtlCol="0" anchor="ctr"/>
+          <a:lstStyle/>
+          <a:p>
+            <a:pPr algn="ctr"/>
+            <a:r>
+              <a:rPr lang="fr-FR" dirty="0"/>
+              <a:t>Search</a:t>
+            </a:r>
+          </a:p>
+        </p:txBody>
+      </p:sp>
+      <p:sp>
+        <p:nvSpPr>
+          <p:cNvPr id="13" name="ZoneTexte 12">
+            <a:extLst>
+              <a:ext uri="{FF2B5EF4-FFF2-40B4-BE49-F238E27FC236}">
+                <a16:creationId xmlns:a16="http://schemas.microsoft.com/office/drawing/2014/main" id="{9C246F75-86DA-314F-8A21-2906BAE85243}"/>
+              </a:ext>
+            </a:extLst>
+          </p:cNvPr>
+          <p:cNvSpPr txBox="1"/>
+          <p:nvPr/>
+        </p:nvSpPr>
+        <p:spPr>
+          <a:xfrm>
+            <a:off x="2837145" y="3646314"/>
+            <a:ext cx="3020859" cy="369332"/>
+          </a:xfrm>
+          <a:prstGeom prst="rect">
+            <a:avLst/>
+          </a:prstGeom>
+          <a:noFill/>
+        </p:spPr>
+        <p:txBody>
+          <a:bodyPr wrap="square" rtlCol="0">
+            <a:spAutoFit/>
+          </a:bodyPr>
+          <a:lstStyle/>
+          <a:p>
+            <a:r>
+              <a:rPr lang="fr-FR" dirty="0" err="1"/>
+              <a:t>What</a:t>
+            </a:r>
+            <a:r>
+              <a:rPr lang="fr-FR" dirty="0"/>
+              <a:t> are </a:t>
+            </a:r>
+            <a:r>
+              <a:rPr lang="fr-FR" dirty="0" err="1"/>
+              <a:t>you</a:t>
+            </a:r>
+            <a:r>
+              <a:rPr lang="fr-FR" dirty="0"/>
+              <a:t> </a:t>
+            </a:r>
+            <a:r>
+              <a:rPr lang="fr-FR" dirty="0" err="1"/>
+              <a:t>looking</a:t>
+            </a:r>
+            <a:r>
+              <a:rPr lang="fr-FR" dirty="0"/>
+              <a:t> for ? </a:t>
+            </a:r>
+          </a:p>
+        </p:txBody>
+      </p:sp>
     </p:spTree>
     <p:extLst>
       <p:ext uri="{BB962C8B-B14F-4D97-AF65-F5344CB8AC3E}">
-        <p14:creationId xmlns:p14="http://schemas.microsoft.com/office/powerpoint/2010/main" val="38793799"/>
+        <p14:creationId xmlns:p14="http://schemas.microsoft.com/office/powerpoint/2010/main" val="3396348147"/>
       </p:ext>
     </p:extLst>
   </p:cSld>
@@ -1711,12 +5451,6 @@
 <file path=ppt/slides/slide7.xml><?xml version="1.0" encoding="utf-8"?>
 <p:sld xmlns:a="http://schemas.openxmlformats.org/drawingml/2006/main" xmlns:r="http://schemas.openxmlformats.org/officeDocument/2006/relationships" xmlns:p="http://schemas.openxmlformats.org/presentationml/2006/main">
   <p:cSld>
-    <p:bg>
-      <p:bgPr>
-        <a:noFill/>
-        <a:effectLst/>
-      </p:bgPr>
-    </p:bg>
     <p:spTree>
       <p:nvGrpSpPr>
         <p:cNvPr id="1" name=""/>
@@ -1733,47 +5467,16 @@
       </p:grpSpPr>
       <p:sp>
         <p:nvSpPr>
-          <p:cNvPr id="2" name="Titre 1" hidden="1">
-            <a:extLst>
-              <a:ext uri="{FF2B5EF4-FFF2-40B4-BE49-F238E27FC236}">
-                <a16:creationId xmlns:a16="http://schemas.microsoft.com/office/drawing/2014/main" id="{A94A1B29-A9DD-428A-8177-A24904DB8378}"/>
-              </a:ext>
-            </a:extLst>
-          </p:cNvPr>
-          <p:cNvSpPr>
-            <a:spLocks noGrp="1"/>
-          </p:cNvSpPr>
-          <p:nvPr>
-            <p:ph type="title"/>
-          </p:nvPr>
-        </p:nvSpPr>
-        <p:spPr/>
-        <p:txBody>
-          <a:bodyPr/>
-          <a:lstStyle/>
-          <a:p>
-            <a:endParaRPr lang="fr-FR"/>
-          </a:p>
-        </p:txBody>
-      </p:sp>
-      <p:pic>
-        <p:nvPicPr>
-          <p:cNvPr id="3" name="Image 2">
-            <a:extLst>
-              <a:ext uri="{FF2B5EF4-FFF2-40B4-BE49-F238E27FC236}">
-                <a16:creationId xmlns:a16="http://schemas.microsoft.com/office/drawing/2014/main" id="{CB8AA396-2D54-430E-8837-FD6803843060}"/>
-              </a:ext>
-            </a:extLst>
-          </p:cNvPr>
-          <p:cNvPicPr/>
-          <p:nvPr/>
-        </p:nvPicPr>
-        <p:blipFill>
-          <a:blip r:embed="rId2"/>
-          <a:stretch>
-            <a:fillRect/>
-          </a:stretch>
-        </p:blipFill>
+          <p:cNvPr id="3" name="Rectangle 2">
+            <a:extLst>
+              <a:ext uri="{FF2B5EF4-FFF2-40B4-BE49-F238E27FC236}">
+                <a16:creationId xmlns:a16="http://schemas.microsoft.com/office/drawing/2014/main" id="{F0681EDC-1297-9548-9619-9D34BA9E9B0B}"/>
+              </a:ext>
+            </a:extLst>
+          </p:cNvPr>
+          <p:cNvSpPr/>
+          <p:nvPr/>
+        </p:nvSpPr>
         <p:spPr>
           <a:xfrm>
             <a:off x="0" y="0"/>
@@ -1782,12 +5485,230 @@
           <a:prstGeom prst="rect">
             <a:avLst/>
           </a:prstGeom>
-        </p:spPr>
-      </p:pic>
+          <a:solidFill>
+            <a:schemeClr val="accent3">
+              <a:lumMod val="60000"/>
+              <a:lumOff val="40000"/>
+            </a:schemeClr>
+          </a:solidFill>
+          <a:ln>
+            <a:noFill/>
+          </a:ln>
+        </p:spPr>
+        <p:style>
+          <a:lnRef idx="2">
+            <a:schemeClr val="accent3">
+              <a:shade val="50000"/>
+            </a:schemeClr>
+          </a:lnRef>
+          <a:fillRef idx="1">
+            <a:schemeClr val="accent3"/>
+          </a:fillRef>
+          <a:effectRef idx="0">
+            <a:schemeClr val="accent3"/>
+          </a:effectRef>
+          <a:fontRef idx="minor">
+            <a:schemeClr val="lt1"/>
+          </a:fontRef>
+        </p:style>
+        <p:txBody>
+          <a:bodyPr rtlCol="0" anchor="ctr"/>
+          <a:lstStyle/>
+          <a:p>
+            <a:pPr algn="ctr"/>
+            <a:endParaRPr lang="fr-FR"/>
+          </a:p>
+        </p:txBody>
+      </p:sp>
+      <p:sp>
+        <p:nvSpPr>
+          <p:cNvPr id="4" name="ZoneTexte 3">
+            <a:extLst>
+              <a:ext uri="{FF2B5EF4-FFF2-40B4-BE49-F238E27FC236}">
+                <a16:creationId xmlns:a16="http://schemas.microsoft.com/office/drawing/2014/main" id="{2694F412-111E-B347-A28E-CA63CB34604C}"/>
+              </a:ext>
+            </a:extLst>
+          </p:cNvPr>
+          <p:cNvSpPr txBox="1"/>
+          <p:nvPr/>
+        </p:nvSpPr>
+        <p:spPr>
+          <a:xfrm>
+            <a:off x="551145" y="563671"/>
+            <a:ext cx="3432132" cy="584775"/>
+          </a:xfrm>
+          <a:prstGeom prst="rect">
+            <a:avLst/>
+          </a:prstGeom>
+          <a:noFill/>
+        </p:spPr>
+        <p:txBody>
+          <a:bodyPr wrap="square" rtlCol="0">
+            <a:spAutoFit/>
+          </a:bodyPr>
+          <a:lstStyle/>
+          <a:p>
+            <a:r>
+              <a:rPr lang="fr-FR" sz="3200" b="1" i="1" dirty="0"/>
+              <a:t>Living room </a:t>
+            </a:r>
+          </a:p>
+        </p:txBody>
+      </p:sp>
+      <p:sp>
+        <p:nvSpPr>
+          <p:cNvPr id="5" name="Rectangle 4">
+            <a:extLst>
+              <a:ext uri="{FF2B5EF4-FFF2-40B4-BE49-F238E27FC236}">
+                <a16:creationId xmlns:a16="http://schemas.microsoft.com/office/drawing/2014/main" id="{DD8D738B-4047-CB46-A7BB-C97077EED749}"/>
+              </a:ext>
+            </a:extLst>
+          </p:cNvPr>
+          <p:cNvSpPr/>
+          <p:nvPr/>
+        </p:nvSpPr>
+        <p:spPr>
+          <a:xfrm>
+            <a:off x="156576" y="1908653"/>
+            <a:ext cx="3655510" cy="2337670"/>
+          </a:xfrm>
+          <a:prstGeom prst="rect">
+            <a:avLst/>
+          </a:prstGeom>
+        </p:spPr>
+        <p:style>
+          <a:lnRef idx="2">
+            <a:schemeClr val="accent1">
+              <a:shade val="50000"/>
+            </a:schemeClr>
+          </a:lnRef>
+          <a:fillRef idx="1">
+            <a:schemeClr val="accent1"/>
+          </a:fillRef>
+          <a:effectRef idx="0">
+            <a:schemeClr val="accent1"/>
+          </a:effectRef>
+          <a:fontRef idx="minor">
+            <a:schemeClr val="lt1"/>
+          </a:fontRef>
+        </p:style>
+        <p:txBody>
+          <a:bodyPr rtlCol="0" anchor="ctr"/>
+          <a:lstStyle/>
+          <a:p>
+            <a:pPr algn="ctr"/>
+            <a:r>
+              <a:rPr lang="fr-FR" dirty="0" err="1"/>
+              <a:t>Text</a:t>
+            </a:r>
+            <a:endParaRPr lang="fr-FR" dirty="0"/>
+          </a:p>
+        </p:txBody>
+      </p:sp>
+      <p:sp>
+        <p:nvSpPr>
+          <p:cNvPr id="7" name="Rectangle 6">
+            <a:extLst>
+              <a:ext uri="{FF2B5EF4-FFF2-40B4-BE49-F238E27FC236}">
+                <a16:creationId xmlns:a16="http://schemas.microsoft.com/office/drawing/2014/main" id="{AB6479D9-5569-DE4B-ACF3-A130CB46A4D3}"/>
+              </a:ext>
+            </a:extLst>
+          </p:cNvPr>
+          <p:cNvSpPr/>
+          <p:nvPr/>
+        </p:nvSpPr>
+        <p:spPr>
+          <a:xfrm>
+            <a:off x="4268245" y="1908653"/>
+            <a:ext cx="3655510" cy="2337670"/>
+          </a:xfrm>
+          <a:prstGeom prst="rect">
+            <a:avLst/>
+          </a:prstGeom>
+        </p:spPr>
+        <p:style>
+          <a:lnRef idx="2">
+            <a:schemeClr val="accent1">
+              <a:shade val="50000"/>
+            </a:schemeClr>
+          </a:lnRef>
+          <a:fillRef idx="1">
+            <a:schemeClr val="accent1"/>
+          </a:fillRef>
+          <a:effectRef idx="0">
+            <a:schemeClr val="accent1"/>
+          </a:effectRef>
+          <a:fontRef idx="minor">
+            <a:schemeClr val="lt1"/>
+          </a:fontRef>
+        </p:style>
+        <p:txBody>
+          <a:bodyPr rtlCol="0" anchor="ctr"/>
+          <a:lstStyle/>
+          <a:p>
+            <a:pPr algn="ctr"/>
+            <a:r>
+              <a:rPr lang="fr-FR" dirty="0" err="1"/>
+              <a:t>Text</a:t>
+            </a:r>
+            <a:endParaRPr lang="fr-FR" dirty="0"/>
+          </a:p>
+        </p:txBody>
+      </p:sp>
+      <p:sp>
+        <p:nvSpPr>
+          <p:cNvPr id="8" name="Rectangle 7">
+            <a:extLst>
+              <a:ext uri="{FF2B5EF4-FFF2-40B4-BE49-F238E27FC236}">
+                <a16:creationId xmlns:a16="http://schemas.microsoft.com/office/drawing/2014/main" id="{1477D362-90A6-B948-9C7F-A624BF5BA5A3}"/>
+              </a:ext>
+            </a:extLst>
+          </p:cNvPr>
+          <p:cNvSpPr/>
+          <p:nvPr/>
+        </p:nvSpPr>
+        <p:spPr>
+          <a:xfrm>
+            <a:off x="8379914" y="1908653"/>
+            <a:ext cx="3655510" cy="2337670"/>
+          </a:xfrm>
+          <a:prstGeom prst="rect">
+            <a:avLst/>
+          </a:prstGeom>
+        </p:spPr>
+        <p:style>
+          <a:lnRef idx="2">
+            <a:schemeClr val="accent1">
+              <a:shade val="50000"/>
+            </a:schemeClr>
+          </a:lnRef>
+          <a:fillRef idx="1">
+            <a:schemeClr val="accent1"/>
+          </a:fillRef>
+          <a:effectRef idx="0">
+            <a:schemeClr val="accent1"/>
+          </a:effectRef>
+          <a:fontRef idx="minor">
+            <a:schemeClr val="lt1"/>
+          </a:fontRef>
+        </p:style>
+        <p:txBody>
+          <a:bodyPr rtlCol="0" anchor="ctr"/>
+          <a:lstStyle/>
+          <a:p>
+            <a:pPr algn="ctr"/>
+            <a:r>
+              <a:rPr lang="fr-FR" dirty="0" err="1"/>
+              <a:t>Text</a:t>
+            </a:r>
+            <a:endParaRPr lang="fr-FR" dirty="0"/>
+          </a:p>
+        </p:txBody>
+      </p:sp>
     </p:spTree>
     <p:extLst>
       <p:ext uri="{BB962C8B-B14F-4D97-AF65-F5344CB8AC3E}">
-        <p14:creationId xmlns:p14="http://schemas.microsoft.com/office/powerpoint/2010/main" val="3483861736"/>
+        <p14:creationId xmlns:p14="http://schemas.microsoft.com/office/powerpoint/2010/main" val="3155951156"/>
       </p:ext>
     </p:extLst>
   </p:cSld>
@@ -1800,12 +5721,6 @@
 <file path=ppt/slides/slide8.xml><?xml version="1.0" encoding="utf-8"?>
 <p:sld xmlns:a="http://schemas.openxmlformats.org/drawingml/2006/main" xmlns:r="http://schemas.openxmlformats.org/officeDocument/2006/relationships" xmlns:p="http://schemas.openxmlformats.org/presentationml/2006/main">
   <p:cSld>
-    <p:bg>
-      <p:bgPr>
-        <a:noFill/>
-        <a:effectLst/>
-      </p:bgPr>
-    </p:bg>
     <p:spTree>
       <p:nvGrpSpPr>
         <p:cNvPr id="1" name=""/>
@@ -1822,47 +5737,16 @@
       </p:grpSpPr>
       <p:sp>
         <p:nvSpPr>
-          <p:cNvPr id="2" name="Titre 1" hidden="1">
-            <a:extLst>
-              <a:ext uri="{FF2B5EF4-FFF2-40B4-BE49-F238E27FC236}">
-                <a16:creationId xmlns:a16="http://schemas.microsoft.com/office/drawing/2014/main" id="{82156B9C-BF80-42C6-9CF8-D11DB5B46772}"/>
-              </a:ext>
-            </a:extLst>
-          </p:cNvPr>
-          <p:cNvSpPr>
-            <a:spLocks noGrp="1"/>
-          </p:cNvSpPr>
-          <p:nvPr>
-            <p:ph type="title"/>
-          </p:nvPr>
-        </p:nvSpPr>
-        <p:spPr/>
-        <p:txBody>
-          <a:bodyPr/>
-          <a:lstStyle/>
-          <a:p>
-            <a:endParaRPr lang="fr-FR"/>
-          </a:p>
-        </p:txBody>
-      </p:sp>
-      <p:pic>
-        <p:nvPicPr>
-          <p:cNvPr id="3" name="Image 2">
-            <a:extLst>
-              <a:ext uri="{FF2B5EF4-FFF2-40B4-BE49-F238E27FC236}">
-                <a16:creationId xmlns:a16="http://schemas.microsoft.com/office/drawing/2014/main" id="{A7437E7B-4A91-489C-AD43-0DB42D996AE9}"/>
-              </a:ext>
-            </a:extLst>
-          </p:cNvPr>
-          <p:cNvPicPr/>
-          <p:nvPr/>
-        </p:nvPicPr>
-        <p:blipFill>
-          <a:blip r:embed="rId2"/>
-          <a:stretch>
-            <a:fillRect/>
-          </a:stretch>
-        </p:blipFill>
+          <p:cNvPr id="3" name="Rectangle 2">
+            <a:extLst>
+              <a:ext uri="{FF2B5EF4-FFF2-40B4-BE49-F238E27FC236}">
+                <a16:creationId xmlns:a16="http://schemas.microsoft.com/office/drawing/2014/main" id="{F0681EDC-1297-9548-9619-9D34BA9E9B0B}"/>
+              </a:ext>
+            </a:extLst>
+          </p:cNvPr>
+          <p:cNvSpPr/>
+          <p:nvPr/>
+        </p:nvSpPr>
         <p:spPr>
           <a:xfrm>
             <a:off x="0" y="0"/>
@@ -1871,12 +5755,231 @@
           <a:prstGeom prst="rect">
             <a:avLst/>
           </a:prstGeom>
-        </p:spPr>
-      </p:pic>
+          <a:solidFill>
+            <a:schemeClr val="accent3">
+              <a:lumMod val="60000"/>
+              <a:lumOff val="40000"/>
+            </a:schemeClr>
+          </a:solidFill>
+          <a:ln>
+            <a:noFill/>
+          </a:ln>
+        </p:spPr>
+        <p:style>
+          <a:lnRef idx="2">
+            <a:schemeClr val="accent3">
+              <a:shade val="50000"/>
+            </a:schemeClr>
+          </a:lnRef>
+          <a:fillRef idx="1">
+            <a:schemeClr val="accent3"/>
+          </a:fillRef>
+          <a:effectRef idx="0">
+            <a:schemeClr val="accent3"/>
+          </a:effectRef>
+          <a:fontRef idx="minor">
+            <a:schemeClr val="lt1"/>
+          </a:fontRef>
+        </p:style>
+        <p:txBody>
+          <a:bodyPr rtlCol="0" anchor="ctr"/>
+          <a:lstStyle/>
+          <a:p>
+            <a:pPr algn="ctr"/>
+            <a:endParaRPr lang="fr-FR"/>
+          </a:p>
+        </p:txBody>
+      </p:sp>
+      <p:sp>
+        <p:nvSpPr>
+          <p:cNvPr id="4" name="ZoneTexte 3">
+            <a:extLst>
+              <a:ext uri="{FF2B5EF4-FFF2-40B4-BE49-F238E27FC236}">
+                <a16:creationId xmlns:a16="http://schemas.microsoft.com/office/drawing/2014/main" id="{2694F412-111E-B347-A28E-CA63CB34604C}"/>
+              </a:ext>
+            </a:extLst>
+          </p:cNvPr>
+          <p:cNvSpPr txBox="1"/>
+          <p:nvPr/>
+        </p:nvSpPr>
+        <p:spPr>
+          <a:xfrm>
+            <a:off x="551145" y="563671"/>
+            <a:ext cx="3432132" cy="584775"/>
+          </a:xfrm>
+          <a:prstGeom prst="rect">
+            <a:avLst/>
+          </a:prstGeom>
+          <a:noFill/>
+        </p:spPr>
+        <p:txBody>
+          <a:bodyPr wrap="square" rtlCol="0">
+            <a:spAutoFit/>
+          </a:bodyPr>
+          <a:lstStyle/>
+          <a:p>
+            <a:r>
+              <a:rPr lang="fr-FR" sz="3200" b="1" i="1" dirty="0" err="1"/>
+              <a:t>Outdoor</a:t>
+            </a:r>
+            <a:endParaRPr lang="fr-FR" sz="3200" b="1" i="1" dirty="0"/>
+          </a:p>
+        </p:txBody>
+      </p:sp>
+      <p:sp>
+        <p:nvSpPr>
+          <p:cNvPr id="5" name="Rectangle 4">
+            <a:extLst>
+              <a:ext uri="{FF2B5EF4-FFF2-40B4-BE49-F238E27FC236}">
+                <a16:creationId xmlns:a16="http://schemas.microsoft.com/office/drawing/2014/main" id="{DD8D738B-4047-CB46-A7BB-C97077EED749}"/>
+              </a:ext>
+            </a:extLst>
+          </p:cNvPr>
+          <p:cNvSpPr/>
+          <p:nvPr/>
+        </p:nvSpPr>
+        <p:spPr>
+          <a:xfrm>
+            <a:off x="156576" y="1908653"/>
+            <a:ext cx="3655510" cy="2337670"/>
+          </a:xfrm>
+          <a:prstGeom prst="rect">
+            <a:avLst/>
+          </a:prstGeom>
+        </p:spPr>
+        <p:style>
+          <a:lnRef idx="2">
+            <a:schemeClr val="accent1">
+              <a:shade val="50000"/>
+            </a:schemeClr>
+          </a:lnRef>
+          <a:fillRef idx="1">
+            <a:schemeClr val="accent1"/>
+          </a:fillRef>
+          <a:effectRef idx="0">
+            <a:schemeClr val="accent1"/>
+          </a:effectRef>
+          <a:fontRef idx="minor">
+            <a:schemeClr val="lt1"/>
+          </a:fontRef>
+        </p:style>
+        <p:txBody>
+          <a:bodyPr rtlCol="0" anchor="ctr"/>
+          <a:lstStyle/>
+          <a:p>
+            <a:pPr algn="ctr"/>
+            <a:r>
+              <a:rPr lang="fr-FR" dirty="0" err="1"/>
+              <a:t>Text</a:t>
+            </a:r>
+            <a:endParaRPr lang="fr-FR" dirty="0"/>
+          </a:p>
+        </p:txBody>
+      </p:sp>
+      <p:sp>
+        <p:nvSpPr>
+          <p:cNvPr id="7" name="Rectangle 6">
+            <a:extLst>
+              <a:ext uri="{FF2B5EF4-FFF2-40B4-BE49-F238E27FC236}">
+                <a16:creationId xmlns:a16="http://schemas.microsoft.com/office/drawing/2014/main" id="{AB6479D9-5569-DE4B-ACF3-A130CB46A4D3}"/>
+              </a:ext>
+            </a:extLst>
+          </p:cNvPr>
+          <p:cNvSpPr/>
+          <p:nvPr/>
+        </p:nvSpPr>
+        <p:spPr>
+          <a:xfrm>
+            <a:off x="4268245" y="1908653"/>
+            <a:ext cx="3655510" cy="2337670"/>
+          </a:xfrm>
+          <a:prstGeom prst="rect">
+            <a:avLst/>
+          </a:prstGeom>
+        </p:spPr>
+        <p:style>
+          <a:lnRef idx="2">
+            <a:schemeClr val="accent1">
+              <a:shade val="50000"/>
+            </a:schemeClr>
+          </a:lnRef>
+          <a:fillRef idx="1">
+            <a:schemeClr val="accent1"/>
+          </a:fillRef>
+          <a:effectRef idx="0">
+            <a:schemeClr val="accent1"/>
+          </a:effectRef>
+          <a:fontRef idx="minor">
+            <a:schemeClr val="lt1"/>
+          </a:fontRef>
+        </p:style>
+        <p:txBody>
+          <a:bodyPr rtlCol="0" anchor="ctr"/>
+          <a:lstStyle/>
+          <a:p>
+            <a:pPr algn="ctr"/>
+            <a:r>
+              <a:rPr lang="fr-FR" dirty="0" err="1"/>
+              <a:t>Text</a:t>
+            </a:r>
+            <a:endParaRPr lang="fr-FR" dirty="0"/>
+          </a:p>
+        </p:txBody>
+      </p:sp>
+      <p:sp>
+        <p:nvSpPr>
+          <p:cNvPr id="8" name="Rectangle 7">
+            <a:extLst>
+              <a:ext uri="{FF2B5EF4-FFF2-40B4-BE49-F238E27FC236}">
+                <a16:creationId xmlns:a16="http://schemas.microsoft.com/office/drawing/2014/main" id="{1477D362-90A6-B948-9C7F-A624BF5BA5A3}"/>
+              </a:ext>
+            </a:extLst>
+          </p:cNvPr>
+          <p:cNvSpPr/>
+          <p:nvPr/>
+        </p:nvSpPr>
+        <p:spPr>
+          <a:xfrm>
+            <a:off x="8379914" y="1908653"/>
+            <a:ext cx="3655510" cy="2337670"/>
+          </a:xfrm>
+          <a:prstGeom prst="rect">
+            <a:avLst/>
+          </a:prstGeom>
+        </p:spPr>
+        <p:style>
+          <a:lnRef idx="2">
+            <a:schemeClr val="accent1">
+              <a:shade val="50000"/>
+            </a:schemeClr>
+          </a:lnRef>
+          <a:fillRef idx="1">
+            <a:schemeClr val="accent1"/>
+          </a:fillRef>
+          <a:effectRef idx="0">
+            <a:schemeClr val="accent1"/>
+          </a:effectRef>
+          <a:fontRef idx="minor">
+            <a:schemeClr val="lt1"/>
+          </a:fontRef>
+        </p:style>
+        <p:txBody>
+          <a:bodyPr rtlCol="0" anchor="ctr"/>
+          <a:lstStyle/>
+          <a:p>
+            <a:pPr algn="ctr"/>
+            <a:r>
+              <a:rPr lang="fr-FR" dirty="0" err="1"/>
+              <a:t>Text</a:t>
+            </a:r>
+            <a:endParaRPr lang="fr-FR" dirty="0"/>
+          </a:p>
+        </p:txBody>
+      </p:sp>
     </p:spTree>
     <p:extLst>
       <p:ext uri="{BB962C8B-B14F-4D97-AF65-F5344CB8AC3E}">
-        <p14:creationId xmlns:p14="http://schemas.microsoft.com/office/powerpoint/2010/main" val="2233433002"/>
+        <p14:creationId xmlns:p14="http://schemas.microsoft.com/office/powerpoint/2010/main" val="3202722250"/>
       </p:ext>
     </p:extLst>
   </p:cSld>
@@ -1889,12 +5992,6 @@
 <file path=ppt/slides/slide9.xml><?xml version="1.0" encoding="utf-8"?>
 <p:sld xmlns:a="http://schemas.openxmlformats.org/drawingml/2006/main" xmlns:r="http://schemas.openxmlformats.org/officeDocument/2006/relationships" xmlns:p="http://schemas.openxmlformats.org/presentationml/2006/main">
   <p:cSld>
-    <p:bg>
-      <p:bgPr>
-        <a:noFill/>
-        <a:effectLst/>
-      </p:bgPr>
-    </p:bg>
     <p:spTree>
       <p:nvGrpSpPr>
         <p:cNvPr id="1" name=""/>
@@ -1911,47 +6008,16 @@
       </p:grpSpPr>
       <p:sp>
         <p:nvSpPr>
-          <p:cNvPr id="2" name="Titre 1" hidden="1">
-            <a:extLst>
-              <a:ext uri="{FF2B5EF4-FFF2-40B4-BE49-F238E27FC236}">
-                <a16:creationId xmlns:a16="http://schemas.microsoft.com/office/drawing/2014/main" id="{4D50A012-C8FA-4DB1-8BCB-7D042A6C96D5}"/>
-              </a:ext>
-            </a:extLst>
-          </p:cNvPr>
-          <p:cNvSpPr>
-            <a:spLocks noGrp="1"/>
-          </p:cNvSpPr>
-          <p:nvPr>
-            <p:ph type="title"/>
-          </p:nvPr>
-        </p:nvSpPr>
-        <p:spPr/>
-        <p:txBody>
-          <a:bodyPr/>
-          <a:lstStyle/>
-          <a:p>
-            <a:endParaRPr lang="fr-FR"/>
-          </a:p>
-        </p:txBody>
-      </p:sp>
-      <p:pic>
-        <p:nvPicPr>
-          <p:cNvPr id="3" name="Image 2">
-            <a:extLst>
-              <a:ext uri="{FF2B5EF4-FFF2-40B4-BE49-F238E27FC236}">
-                <a16:creationId xmlns:a16="http://schemas.microsoft.com/office/drawing/2014/main" id="{85C759DC-D99C-4B85-871D-C5005E04AFCB}"/>
-              </a:ext>
-            </a:extLst>
-          </p:cNvPr>
-          <p:cNvPicPr/>
-          <p:nvPr/>
-        </p:nvPicPr>
-        <p:blipFill>
-          <a:blip r:embed="rId2"/>
-          <a:stretch>
-            <a:fillRect/>
-          </a:stretch>
-        </p:blipFill>
+          <p:cNvPr id="3" name="Rectangle 2">
+            <a:extLst>
+              <a:ext uri="{FF2B5EF4-FFF2-40B4-BE49-F238E27FC236}">
+                <a16:creationId xmlns:a16="http://schemas.microsoft.com/office/drawing/2014/main" id="{F0681EDC-1297-9548-9619-9D34BA9E9B0B}"/>
+              </a:ext>
+            </a:extLst>
+          </p:cNvPr>
+          <p:cNvSpPr/>
+          <p:nvPr/>
+        </p:nvSpPr>
         <p:spPr>
           <a:xfrm>
             <a:off x="0" y="0"/>
@@ -1960,12 +6026,231 @@
           <a:prstGeom prst="rect">
             <a:avLst/>
           </a:prstGeom>
-        </p:spPr>
-      </p:pic>
+          <a:solidFill>
+            <a:schemeClr val="accent3">
+              <a:lumMod val="60000"/>
+              <a:lumOff val="40000"/>
+            </a:schemeClr>
+          </a:solidFill>
+          <a:ln>
+            <a:noFill/>
+          </a:ln>
+        </p:spPr>
+        <p:style>
+          <a:lnRef idx="2">
+            <a:schemeClr val="accent3">
+              <a:shade val="50000"/>
+            </a:schemeClr>
+          </a:lnRef>
+          <a:fillRef idx="1">
+            <a:schemeClr val="accent3"/>
+          </a:fillRef>
+          <a:effectRef idx="0">
+            <a:schemeClr val="accent3"/>
+          </a:effectRef>
+          <a:fontRef idx="minor">
+            <a:schemeClr val="lt1"/>
+          </a:fontRef>
+        </p:style>
+        <p:txBody>
+          <a:bodyPr rtlCol="0" anchor="ctr"/>
+          <a:lstStyle/>
+          <a:p>
+            <a:pPr algn="ctr"/>
+            <a:endParaRPr lang="fr-FR"/>
+          </a:p>
+        </p:txBody>
+      </p:sp>
+      <p:sp>
+        <p:nvSpPr>
+          <p:cNvPr id="4" name="ZoneTexte 3">
+            <a:extLst>
+              <a:ext uri="{FF2B5EF4-FFF2-40B4-BE49-F238E27FC236}">
+                <a16:creationId xmlns:a16="http://schemas.microsoft.com/office/drawing/2014/main" id="{2694F412-111E-B347-A28E-CA63CB34604C}"/>
+              </a:ext>
+            </a:extLst>
+          </p:cNvPr>
+          <p:cNvSpPr txBox="1"/>
+          <p:nvPr/>
+        </p:nvSpPr>
+        <p:spPr>
+          <a:xfrm>
+            <a:off x="551145" y="563671"/>
+            <a:ext cx="3432132" cy="584775"/>
+          </a:xfrm>
+          <a:prstGeom prst="rect">
+            <a:avLst/>
+          </a:prstGeom>
+          <a:noFill/>
+        </p:spPr>
+        <p:txBody>
+          <a:bodyPr wrap="square" rtlCol="0">
+            <a:spAutoFit/>
+          </a:bodyPr>
+          <a:lstStyle/>
+          <a:p>
+            <a:r>
+              <a:rPr lang="fr-FR" sz="3200" b="1" i="1" dirty="0" err="1"/>
+              <a:t>Bedroom</a:t>
+            </a:r>
+            <a:endParaRPr lang="fr-FR" sz="3200" b="1" i="1" dirty="0"/>
+          </a:p>
+        </p:txBody>
+      </p:sp>
+      <p:sp>
+        <p:nvSpPr>
+          <p:cNvPr id="5" name="Rectangle 4">
+            <a:extLst>
+              <a:ext uri="{FF2B5EF4-FFF2-40B4-BE49-F238E27FC236}">
+                <a16:creationId xmlns:a16="http://schemas.microsoft.com/office/drawing/2014/main" id="{DD8D738B-4047-CB46-A7BB-C97077EED749}"/>
+              </a:ext>
+            </a:extLst>
+          </p:cNvPr>
+          <p:cNvSpPr/>
+          <p:nvPr/>
+        </p:nvSpPr>
+        <p:spPr>
+          <a:xfrm>
+            <a:off x="156576" y="1908653"/>
+            <a:ext cx="3655510" cy="2337670"/>
+          </a:xfrm>
+          <a:prstGeom prst="rect">
+            <a:avLst/>
+          </a:prstGeom>
+        </p:spPr>
+        <p:style>
+          <a:lnRef idx="2">
+            <a:schemeClr val="accent1">
+              <a:shade val="50000"/>
+            </a:schemeClr>
+          </a:lnRef>
+          <a:fillRef idx="1">
+            <a:schemeClr val="accent1"/>
+          </a:fillRef>
+          <a:effectRef idx="0">
+            <a:schemeClr val="accent1"/>
+          </a:effectRef>
+          <a:fontRef idx="minor">
+            <a:schemeClr val="lt1"/>
+          </a:fontRef>
+        </p:style>
+        <p:txBody>
+          <a:bodyPr rtlCol="0" anchor="ctr"/>
+          <a:lstStyle/>
+          <a:p>
+            <a:pPr algn="ctr"/>
+            <a:r>
+              <a:rPr lang="fr-FR" dirty="0" err="1"/>
+              <a:t>Text</a:t>
+            </a:r>
+            <a:endParaRPr lang="fr-FR" dirty="0"/>
+          </a:p>
+        </p:txBody>
+      </p:sp>
+      <p:sp>
+        <p:nvSpPr>
+          <p:cNvPr id="7" name="Rectangle 6">
+            <a:extLst>
+              <a:ext uri="{FF2B5EF4-FFF2-40B4-BE49-F238E27FC236}">
+                <a16:creationId xmlns:a16="http://schemas.microsoft.com/office/drawing/2014/main" id="{AB6479D9-5569-DE4B-ACF3-A130CB46A4D3}"/>
+              </a:ext>
+            </a:extLst>
+          </p:cNvPr>
+          <p:cNvSpPr/>
+          <p:nvPr/>
+        </p:nvSpPr>
+        <p:spPr>
+          <a:xfrm>
+            <a:off x="4268245" y="1908653"/>
+            <a:ext cx="3655510" cy="2337670"/>
+          </a:xfrm>
+          <a:prstGeom prst="rect">
+            <a:avLst/>
+          </a:prstGeom>
+        </p:spPr>
+        <p:style>
+          <a:lnRef idx="2">
+            <a:schemeClr val="accent1">
+              <a:shade val="50000"/>
+            </a:schemeClr>
+          </a:lnRef>
+          <a:fillRef idx="1">
+            <a:schemeClr val="accent1"/>
+          </a:fillRef>
+          <a:effectRef idx="0">
+            <a:schemeClr val="accent1"/>
+          </a:effectRef>
+          <a:fontRef idx="minor">
+            <a:schemeClr val="lt1"/>
+          </a:fontRef>
+        </p:style>
+        <p:txBody>
+          <a:bodyPr rtlCol="0" anchor="ctr"/>
+          <a:lstStyle/>
+          <a:p>
+            <a:pPr algn="ctr"/>
+            <a:r>
+              <a:rPr lang="fr-FR" dirty="0" err="1"/>
+              <a:t>Text</a:t>
+            </a:r>
+            <a:endParaRPr lang="fr-FR" dirty="0"/>
+          </a:p>
+        </p:txBody>
+      </p:sp>
+      <p:sp>
+        <p:nvSpPr>
+          <p:cNvPr id="8" name="Rectangle 7">
+            <a:extLst>
+              <a:ext uri="{FF2B5EF4-FFF2-40B4-BE49-F238E27FC236}">
+                <a16:creationId xmlns:a16="http://schemas.microsoft.com/office/drawing/2014/main" id="{1477D362-90A6-B948-9C7F-A624BF5BA5A3}"/>
+              </a:ext>
+            </a:extLst>
+          </p:cNvPr>
+          <p:cNvSpPr/>
+          <p:nvPr/>
+        </p:nvSpPr>
+        <p:spPr>
+          <a:xfrm>
+            <a:off x="8379914" y="1908653"/>
+            <a:ext cx="3655510" cy="2337670"/>
+          </a:xfrm>
+          <a:prstGeom prst="rect">
+            <a:avLst/>
+          </a:prstGeom>
+        </p:spPr>
+        <p:style>
+          <a:lnRef idx="2">
+            <a:schemeClr val="accent1">
+              <a:shade val="50000"/>
+            </a:schemeClr>
+          </a:lnRef>
+          <a:fillRef idx="1">
+            <a:schemeClr val="accent1"/>
+          </a:fillRef>
+          <a:effectRef idx="0">
+            <a:schemeClr val="accent1"/>
+          </a:effectRef>
+          <a:fontRef idx="minor">
+            <a:schemeClr val="lt1"/>
+          </a:fontRef>
+        </p:style>
+        <p:txBody>
+          <a:bodyPr rtlCol="0" anchor="ctr"/>
+          <a:lstStyle/>
+          <a:p>
+            <a:pPr algn="ctr"/>
+            <a:r>
+              <a:rPr lang="fr-FR" dirty="0" err="1"/>
+              <a:t>Text</a:t>
+            </a:r>
+            <a:endParaRPr lang="fr-FR" dirty="0"/>
+          </a:p>
+        </p:txBody>
+      </p:sp>
     </p:spTree>
     <p:extLst>
       <p:ext uri="{BB962C8B-B14F-4D97-AF65-F5344CB8AC3E}">
-        <p14:creationId xmlns:p14="http://schemas.microsoft.com/office/powerpoint/2010/main" val="3306458294"/>
+        <p14:creationId xmlns:p14="http://schemas.microsoft.com/office/powerpoint/2010/main" val="698063282"/>
       </p:ext>
     </p:extLst>
   </p:cSld>
